--- a/Final Project/Final Project.pptx
+++ b/Final Project/Final Project.pptx
@@ -5,10 +5,10 @@
     <p:sldMasterId id="2147483648" r:id="rId1"/>
   </p:sldMasterIdLst>
   <p:notesMasterIdLst>
-    <p:notesMasterId r:id="rId34"/>
+    <p:notesMasterId r:id="rId33"/>
   </p:notesMasterIdLst>
   <p:handoutMasterIdLst>
-    <p:handoutMasterId r:id="rId35"/>
+    <p:handoutMasterId r:id="rId34"/>
   </p:handoutMasterIdLst>
   <p:sldIdLst>
     <p:sldId id="256" r:id="rId2"/>
@@ -20,29 +20,28 @@
     <p:sldId id="329" r:id="rId8"/>
     <p:sldId id="332" r:id="rId9"/>
     <p:sldId id="324" r:id="rId10"/>
-    <p:sldId id="328" r:id="rId11"/>
-    <p:sldId id="325" r:id="rId12"/>
-    <p:sldId id="351" r:id="rId13"/>
-    <p:sldId id="352" r:id="rId14"/>
-    <p:sldId id="353" r:id="rId15"/>
-    <p:sldId id="354" r:id="rId16"/>
-    <p:sldId id="355" r:id="rId17"/>
-    <p:sldId id="356" r:id="rId18"/>
-    <p:sldId id="359" r:id="rId19"/>
-    <p:sldId id="360" r:id="rId20"/>
-    <p:sldId id="331" r:id="rId21"/>
-    <p:sldId id="333" r:id="rId22"/>
-    <p:sldId id="330" r:id="rId23"/>
-    <p:sldId id="343" r:id="rId24"/>
-    <p:sldId id="302" r:id="rId25"/>
-    <p:sldId id="304" r:id="rId26"/>
-    <p:sldId id="299" r:id="rId27"/>
-    <p:sldId id="344" r:id="rId28"/>
-    <p:sldId id="357" r:id="rId29"/>
-    <p:sldId id="349" r:id="rId30"/>
-    <p:sldId id="350" r:id="rId31"/>
-    <p:sldId id="358" r:id="rId32"/>
-    <p:sldId id="288" r:id="rId33"/>
+    <p:sldId id="325" r:id="rId11"/>
+    <p:sldId id="351" r:id="rId12"/>
+    <p:sldId id="352" r:id="rId13"/>
+    <p:sldId id="353" r:id="rId14"/>
+    <p:sldId id="354" r:id="rId15"/>
+    <p:sldId id="355" r:id="rId16"/>
+    <p:sldId id="356" r:id="rId17"/>
+    <p:sldId id="359" r:id="rId18"/>
+    <p:sldId id="360" r:id="rId19"/>
+    <p:sldId id="331" r:id="rId20"/>
+    <p:sldId id="333" r:id="rId21"/>
+    <p:sldId id="330" r:id="rId22"/>
+    <p:sldId id="343" r:id="rId23"/>
+    <p:sldId id="302" r:id="rId24"/>
+    <p:sldId id="304" r:id="rId25"/>
+    <p:sldId id="299" r:id="rId26"/>
+    <p:sldId id="344" r:id="rId27"/>
+    <p:sldId id="357" r:id="rId28"/>
+    <p:sldId id="349" r:id="rId29"/>
+    <p:sldId id="350" r:id="rId30"/>
+    <p:sldId id="358" r:id="rId31"/>
+    <p:sldId id="288" r:id="rId32"/>
   </p:sldIdLst>
   <p:sldSz cx="12192000" cy="6858000"/>
   <p:notesSz cx="6858000" cy="9144000"/>
@@ -155,7 +154,6 @@
             <p14:sldId id="329"/>
             <p14:sldId id="332"/>
             <p14:sldId id="324"/>
-            <p14:sldId id="328"/>
             <p14:sldId id="325"/>
             <p14:sldId id="351"/>
             <p14:sldId id="352"/>
@@ -1708,7 +1706,7 @@
           <a:p>
             <a:fld id="{ECAE79B1-EB1A-4B42-A3E4-97F6A2AA80AB}" type="datetimeFigureOut">
               <a:rPr lang="en-US" smtClean="0"/>
-              <a:t>6/11/2023</a:t>
+              <a:t>6/12/2023</a:t>
             </a:fld>
             <a:endParaRPr lang="en-US"/>
           </a:p>
@@ -1885,7 +1883,7 @@
           <a:p>
             <a:fld id="{95CB22CF-AAB2-4BCD-B4B6-1F2E0A3FEC72}" type="datetimeFigureOut">
               <a:rPr lang="zh-TW" altLang="en-US" smtClean="0"/>
-              <a:t>2023/6/11</a:t>
+              <a:t>2023/6/12</a:t>
             </a:fld>
             <a:endParaRPr lang="zh-TW" altLang="en-US"/>
           </a:p>
@@ -2255,122 +2253,6 @@
       </p:grpSpPr>
       <p:sp>
         <p:nvSpPr>
-          <p:cNvPr id="2" name="投影片影像版面配置區 1"/>
-          <p:cNvSpPr>
-            <a:spLocks noGrp="1" noRot="1" noChangeAspect="1"/>
-          </p:cNvSpPr>
-          <p:nvPr>
-            <p:ph type="sldImg"/>
-          </p:nvPr>
-        </p:nvSpPr>
-        <p:spPr/>
-      </p:sp>
-      <p:sp>
-        <p:nvSpPr>
-          <p:cNvPr id="3" name="備忘稿版面配置區 2"/>
-          <p:cNvSpPr>
-            <a:spLocks noGrp="1"/>
-          </p:cNvSpPr>
-          <p:nvPr>
-            <p:ph type="body" idx="1"/>
-          </p:nvPr>
-        </p:nvSpPr>
-        <p:spPr/>
-        <p:txBody>
-          <a:bodyPr/>
-          <a:lstStyle/>
-          <a:p>
-            <a:pPr marL="171450" indent="-171450">
-              <a:buFont typeface="Arial" panose="020B0604020202020204" pitchFamily="34" charset="0"/>
-              <a:buChar char="•"/>
-            </a:pPr>
-            <a:r>
-              <a:rPr lang="zh-TW" altLang="en-US" dirty="0"/>
-              <a:t>安全性是最直觀的</a:t>
-            </a:r>
-            <a:r>
-              <a:rPr lang="en-US" altLang="zh-TW" dirty="0"/>
-              <a:t>pros</a:t>
-            </a:r>
-          </a:p>
-          <a:p>
-            <a:pPr marL="171450" indent="-171450">
-              <a:buFont typeface="Arial" panose="020B0604020202020204" pitchFamily="34" charset="0"/>
-              <a:buChar char="•"/>
-            </a:pPr>
-            <a:r>
-              <a:rPr lang="zh-TW" altLang="en-US" dirty="0"/>
-              <a:t>閾值同態加密支持廣泛的運算，包括加法、乘法以及排序和搜索等更複雜的計算。 這種靈活性使其適用於需要隱私保護計算的各種應用程序。</a:t>
-            </a:r>
-            <a:endParaRPr lang="en-US" altLang="zh-TW" dirty="0"/>
-          </a:p>
-          <a:p>
-            <a:pPr marL="171450" indent="-171450">
-              <a:buFont typeface="Arial" panose="020B0604020202020204" pitchFamily="34" charset="0"/>
-              <a:buChar char="•"/>
-            </a:pPr>
-            <a:r>
-              <a:rPr lang="zh-TW" altLang="en-US" dirty="0"/>
-              <a:t>分散是運算允許高效的並行處理並實現安全的多方計算。</a:t>
-            </a:r>
-          </a:p>
-        </p:txBody>
-      </p:sp>
-      <p:sp>
-        <p:nvSpPr>
-          <p:cNvPr id="4" name="投影片編號版面配置區 3"/>
-          <p:cNvSpPr>
-            <a:spLocks noGrp="1"/>
-          </p:cNvSpPr>
-          <p:nvPr>
-            <p:ph type="sldNum" sz="quarter" idx="5"/>
-          </p:nvPr>
-        </p:nvSpPr>
-        <p:spPr/>
-        <p:txBody>
-          <a:bodyPr/>
-          <a:lstStyle/>
-          <a:p>
-            <a:fld id="{CA802C15-8439-4650-9275-89E8E467F89F}" type="slidenum">
-              <a:rPr lang="zh-TW" altLang="en-US" smtClean="0"/>
-              <a:t>11</a:t>
-            </a:fld>
-            <a:endParaRPr lang="zh-TW" altLang="en-US"/>
-          </a:p>
-        </p:txBody>
-      </p:sp>
-    </p:spTree>
-    <p:extLst>
-      <p:ext uri="{BB962C8B-B14F-4D97-AF65-F5344CB8AC3E}">
-        <p14:creationId xmlns:p14="http://schemas.microsoft.com/office/powerpoint/2010/main" val="320690772"/>
-      </p:ext>
-    </p:extLst>
-  </p:cSld>
-  <p:clrMapOvr>
-    <a:masterClrMapping/>
-  </p:clrMapOvr>
-</p:notes>
-</file>
-
-<file path=ppt/notesSlides/notesSlide11.xml><?xml version="1.0" encoding="utf-8"?>
-<p:notes xmlns:a="http://schemas.openxmlformats.org/drawingml/2006/main" xmlns:r="http://schemas.openxmlformats.org/officeDocument/2006/relationships" xmlns:p="http://schemas.openxmlformats.org/presentationml/2006/main">
-  <p:cSld>
-    <p:spTree>
-      <p:nvGrpSpPr>
-        <p:cNvPr id="1" name=""/>
-        <p:cNvGrpSpPr/>
-        <p:nvPr/>
-      </p:nvGrpSpPr>
-      <p:grpSpPr>
-        <a:xfrm>
-          <a:off x="0" y="0"/>
-          <a:ext cx="0" cy="0"/>
-          <a:chOff x="0" y="0"/>
-          <a:chExt cx="0" cy="0"/>
-        </a:xfrm>
-      </p:grpSpPr>
-      <p:sp>
-        <p:nvSpPr>
           <p:cNvPr id="2" name="Slide Image Placeholder 1"/>
           <p:cNvSpPr>
             <a:spLocks noGrp="1" noRot="1" noChangeAspect="1"/>
@@ -2558,7 +2440,7 @@
           <a:p>
             <a:fld id="{CA802C15-8439-4650-9275-89E8E467F89F}" type="slidenum">
               <a:rPr lang="zh-TW" altLang="en-US" smtClean="0"/>
-              <a:t>13</a:t>
+              <a:t>12</a:t>
             </a:fld>
             <a:endParaRPr lang="zh-TW" altLang="en-US"/>
           </a:p>
@@ -2568,6 +2450,740 @@
     <p:extLst>
       <p:ext uri="{BB962C8B-B14F-4D97-AF65-F5344CB8AC3E}">
         <p14:creationId xmlns:p14="http://schemas.microsoft.com/office/powerpoint/2010/main" val="2428659270"/>
+      </p:ext>
+    </p:extLst>
+  </p:cSld>
+  <p:clrMapOvr>
+    <a:masterClrMapping/>
+  </p:clrMapOvr>
+</p:notes>
+</file>
+
+<file path=ppt/notesSlides/notesSlide11.xml><?xml version="1.0" encoding="utf-8"?>
+<p:notes xmlns:a="http://schemas.openxmlformats.org/drawingml/2006/main" xmlns:r="http://schemas.openxmlformats.org/officeDocument/2006/relationships" xmlns:p="http://schemas.openxmlformats.org/presentationml/2006/main">
+  <p:cSld>
+    <p:spTree>
+      <p:nvGrpSpPr>
+        <p:cNvPr id="1" name=""/>
+        <p:cNvGrpSpPr/>
+        <p:nvPr/>
+      </p:nvGrpSpPr>
+      <p:grpSpPr>
+        <a:xfrm>
+          <a:off x="0" y="0"/>
+          <a:ext cx="0" cy="0"/>
+          <a:chOff x="0" y="0"/>
+          <a:chExt cx="0" cy="0"/>
+        </a:xfrm>
+      </p:grpSpPr>
+      <p:sp>
+        <p:nvSpPr>
+          <p:cNvPr id="2" name="投影片影像版面配置區 1"/>
+          <p:cNvSpPr>
+            <a:spLocks noGrp="1" noRot="1" noChangeAspect="1"/>
+          </p:cNvSpPr>
+          <p:nvPr>
+            <p:ph type="sldImg"/>
+          </p:nvPr>
+        </p:nvSpPr>
+        <p:spPr/>
+      </p:sp>
+      <mc:AlternateContent xmlns:mc="http://schemas.openxmlformats.org/markup-compatibility/2006" xmlns:a14="http://schemas.microsoft.com/office/drawing/2010/main">
+        <mc:Choice Requires="a14">
+          <p:sp>
+            <p:nvSpPr>
+              <p:cNvPr id="3" name="備忘稿版面配置區 2"/>
+              <p:cNvSpPr>
+                <a:spLocks noGrp="1"/>
+              </p:cNvSpPr>
+              <p:nvPr>
+                <p:ph type="body" idx="1"/>
+              </p:nvPr>
+            </p:nvSpPr>
+            <p:spPr/>
+            <p:txBody>
+              <a:bodyPr/>
+              <a:lstStyle/>
+              <a:p>
+                <a:pPr marL="285750" indent="-285750" algn="l">
+                  <a:buFont typeface="Arial" panose="020B0604020202020204" pitchFamily="34" charset="0"/>
+                  <a:buChar char="•"/>
+                </a:pPr>
+                <a:r>
+                  <a:rPr lang="en-US" altLang="zh-TW" sz="1800" dirty="0"/>
+                  <a:t>MPHE: </a:t>
+                </a:r>
+                <a:r>
+                  <a:rPr lang="zh-TW" altLang="en-US" sz="1800" b="0" i="0" u="none" strike="noStrike" baseline="0" dirty="0">
+                    <a:latin typeface="CMR10"/>
+                  </a:rPr>
+                  <a:t>多個</a:t>
+                </a:r>
+                <a:r>
+                  <a:rPr lang="es-ES" altLang="zh-TW" sz="1800" b="0" i="0" u="none" strike="noStrike" baseline="0" dirty="0">
+                    <a:latin typeface="CMR10"/>
+                  </a:rPr>
+                  <a:t> </a:t>
+                </a:r>
+                <a:r>
+                  <a:rPr lang="es-ES" altLang="zh-TW" sz="1800" b="0" i="0" u="none" strike="noStrike" baseline="0" dirty="0" err="1">
+                    <a:latin typeface="CMR10"/>
+                  </a:rPr>
+                  <a:t>parties</a:t>
+                </a:r>
+                <a:r>
+                  <a:rPr lang="zh-TW" altLang="en-US" sz="1800" b="0" i="0" u="none" strike="noStrike" baseline="0" dirty="0">
+                    <a:latin typeface="CMR10"/>
+                  </a:rPr>
+                  <a:t> 協同生成 </a:t>
+                </a:r>
+                <a:r>
+                  <a:rPr lang="en-US" altLang="zh-TW" sz="1800" b="0" i="0" u="none" strike="noStrike" baseline="0" dirty="0">
+                    <a:latin typeface="CMR10"/>
+                  </a:rPr>
+                  <a:t>joint public key and joint secret key</a:t>
+                </a:r>
+                <a:r>
+                  <a:rPr lang="zh-TW" altLang="en-US" sz="1800" b="0" i="0" u="none" strike="noStrike" baseline="0" dirty="0">
+                    <a:latin typeface="CMR10"/>
+                  </a:rPr>
+                  <a:t>，</a:t>
+                </a:r>
+                <a:r>
+                  <a:rPr lang="en-US" altLang="zh-TW" sz="1800" b="0" i="0" u="none" strike="noStrike" baseline="0" dirty="0">
+                    <a:latin typeface="CMR10"/>
+                  </a:rPr>
+                  <a:t>party </a:t>
+                </a:r>
+                <a:r>
+                  <a:rPr lang="zh-TW" altLang="en-US" sz="1800" b="0" i="0" u="none" strike="noStrike" baseline="0" dirty="0">
+                    <a:latin typeface="CMR10"/>
+                  </a:rPr>
+                  <a:t>數要在 </a:t>
+                </a:r>
+                <a:r>
+                  <a:rPr lang="en-US" altLang="zh-TW" sz="1800" b="0" i="0" u="none" strike="noStrike" baseline="0" dirty="0">
+                    <a:latin typeface="CMR10"/>
+                  </a:rPr>
+                  <a:t>key gen </a:t>
+                </a:r>
+                <a:r>
+                  <a:rPr lang="zh-TW" altLang="en-US" sz="1800" b="0" i="0" u="none" strike="noStrike" baseline="0" dirty="0">
+                    <a:latin typeface="CMR10"/>
+                  </a:rPr>
+                  <a:t>前決定，且在運算過程中固定</a:t>
+                </a:r>
+                <a:endParaRPr lang="en-US" altLang="zh-TW" sz="1800" b="0" i="0" u="none" strike="noStrike" baseline="0" dirty="0">
+                  <a:latin typeface="CMR10"/>
+                </a:endParaRPr>
+              </a:p>
+              <a:p>
+                <a:pPr marL="285750" indent="-285750" algn="l">
+                  <a:buFont typeface="Arial" panose="020B0604020202020204" pitchFamily="34" charset="0"/>
+                  <a:buChar char="•"/>
+                </a:pPr>
+                <a:r>
+                  <a:rPr lang="en-US" altLang="zh-TW" sz="1800" b="0" i="0" u="none" strike="noStrike" baseline="0" dirty="0">
+                    <a:latin typeface="CMR10"/>
+                  </a:rPr>
+                  <a:t>MKHE:</a:t>
+                </a:r>
+                <a:r>
+                  <a:rPr lang="zh-TW" altLang="en-US" sz="1800" b="0" i="0" u="none" strike="noStrike" baseline="0" dirty="0">
+                    <a:latin typeface="CMR10"/>
+                  </a:rPr>
+                  <a:t> 有彈性，但 </a:t>
+                </a:r>
+                <a:r>
+                  <a:rPr lang="en-US" altLang="zh-TW" sz="1800" b="0" i="0" u="none" strike="noStrike" baseline="0" dirty="0">
+                    <a:latin typeface="CMR10"/>
+                  </a:rPr>
+                  <a:t>ciphertext </a:t>
+                </a:r>
+                <a:r>
+                  <a:rPr lang="zh-TW" altLang="en-US" sz="1800" b="0" i="0" u="none" strike="noStrike" baseline="0" dirty="0">
+                    <a:latin typeface="CMR10"/>
+                  </a:rPr>
+                  <a:t>與運算複雜度都會隨著 </a:t>
+                </a:r>
+                <a:r>
+                  <a:rPr lang="en-US" altLang="zh-TW" sz="1800" b="0" i="0" u="none" strike="noStrike" baseline="0" dirty="0">
+                    <a:latin typeface="CMR10"/>
+                  </a:rPr>
+                  <a:t>party </a:t>
+                </a:r>
+                <a:r>
+                  <a:rPr lang="zh-TW" altLang="en-US" sz="1800" b="0" i="0" u="none" strike="noStrike" baseline="0" dirty="0">
+                    <a:latin typeface="CMR10"/>
+                  </a:rPr>
+                  <a:t>變多而上升</a:t>
+                </a:r>
+                <a:endParaRPr lang="en-US" altLang="zh-TW" sz="1800" b="0" i="0" u="none" strike="noStrike" baseline="0" dirty="0">
+                  <a:latin typeface="CMR10"/>
+                </a:endParaRPr>
+              </a:p>
+              <a:p>
+                <a:pPr marL="285750" indent="-285750" algn="l">
+                  <a:buFont typeface="Arial" panose="020B0604020202020204" pitchFamily="34" charset="0"/>
+                  <a:buChar char="•"/>
+                </a:pPr>
+                <a:r>
+                  <a:rPr lang="zh-TW" altLang="en-US" sz="1800" b="0" i="0" u="none" strike="noStrike" baseline="0" dirty="0">
+                    <a:latin typeface="CMR10"/>
+                  </a:rPr>
+                  <a:t>在 </a:t>
+                </a:r>
+                <a:r>
+                  <a:rPr lang="en-US" altLang="zh-TW" sz="1800" b="0" i="0" u="none" strike="noStrike" baseline="0" dirty="0">
+                    <a:latin typeface="CMR10"/>
+                  </a:rPr>
+                  <a:t>group </a:t>
+                </a:r>
+                <a:r>
+                  <a:rPr lang="zh-TW" altLang="en-US" sz="1800" b="0" i="0" u="none" strike="noStrike" baseline="0" dirty="0">
+                    <a:latin typeface="CMR10"/>
+                  </a:rPr>
+                  <a:t>中：</a:t>
+                </a:r>
+                <a:r>
+                  <a:rPr lang="en-US" altLang="zh-TW" sz="1800" b="0" i="0" u="none" strike="noStrike" baseline="0" dirty="0">
+                    <a:latin typeface="CMR10"/>
+                  </a:rPr>
+                  <a:t>MPHE</a:t>
+                </a:r>
+                <a:r>
+                  <a:rPr lang="zh-TW" altLang="en-US" sz="1800" b="0" i="0" u="none" strike="noStrike" baseline="0" dirty="0">
+                    <a:latin typeface="CMR10"/>
+                  </a:rPr>
+                  <a:t>，每一個 </a:t>
+                </a:r>
+                <a:r>
+                  <a:rPr lang="en-US" altLang="zh-TW" sz="1800" b="0" i="0" u="none" strike="noStrike" baseline="0" dirty="0">
+                    <a:latin typeface="CMR10"/>
+                  </a:rPr>
+                  <a:t>group</a:t>
+                </a:r>
+                <a:r>
+                  <a:rPr lang="zh-TW" altLang="en-US" sz="1800" b="0" i="0" u="none" strike="noStrike" baseline="0" dirty="0">
+                    <a:latin typeface="CMR10"/>
+                  </a:rPr>
+                  <a:t>：</a:t>
+                </a:r>
+                <a:r>
+                  <a:rPr lang="en-US" altLang="zh-TW" sz="1800" b="0" i="0" u="none" strike="noStrike" baseline="0" dirty="0">
+                    <a:latin typeface="CMR10"/>
+                  </a:rPr>
+                  <a:t>MKHE</a:t>
+                </a:r>
+              </a:p>
+              <a:p>
+                <a:pPr marL="0" indent="0">
+                  <a:buFont typeface="Arial" panose="020B0604020202020204" pitchFamily="34" charset="0"/>
+                  <a:buNone/>
+                </a:pPr>
+                <a:endParaRPr lang="zh-TW" altLang="en-US" dirty="0"/>
+              </a:p>
+            </p:txBody>
+          </p:sp>
+        </mc:Choice>
+        <mc:Fallback xmlns="">
+          <p:sp>
+            <p:nvSpPr>
+              <p:cNvPr id="3" name="備忘稿版面配置區 2"/>
+              <p:cNvSpPr>
+                <a:spLocks noGrp="1"/>
+              </p:cNvSpPr>
+              <p:nvPr>
+                <p:ph type="body" idx="1"/>
+              </p:nvPr>
+            </p:nvSpPr>
+            <p:spPr/>
+            <p:txBody>
+              <a:bodyPr/>
+              <a:lstStyle/>
+              <a:p>
+                <a:pPr marL="171450" indent="-171450">
+                  <a:buFont typeface="Arial" panose="020B0604020202020204" pitchFamily="34" charset="0"/>
+                  <a:buChar char="•"/>
+                </a:pPr>
+                <a:r>
+                  <a:rPr lang="en-US" altLang="zh-TW" sz="1800" dirty="0">
+                    <a:solidFill>
+                      <a:srgbClr val="000000"/>
+                    </a:solidFill>
+                    <a:latin typeface="Segoe UI" panose="020B0502040204020203" pitchFamily="34" charset="0"/>
+                  </a:rPr>
+                  <a:t>Shamir[22]</a:t>
+                </a:r>
+                <a:r>
+                  <a:rPr lang="zh-TW" altLang="en-US" sz="1800" dirty="0">
+                    <a:solidFill>
+                      <a:srgbClr val="000000"/>
+                    </a:solidFill>
+                    <a:latin typeface="Segoe UI" panose="020B0502040204020203" pitchFamily="34" charset="0"/>
+                  </a:rPr>
+                  <a:t>提出了</a:t>
+                </a:r>
+                <a:r>
+                  <a:rPr lang="en-US" altLang="zh-TW" sz="1800" dirty="0">
+                    <a:solidFill>
+                      <a:srgbClr val="000000"/>
+                    </a:solidFill>
+                    <a:latin typeface="Segoe UI" panose="020B0502040204020203" pitchFamily="34" charset="0"/>
+                  </a:rPr>
+                  <a:t>(t; n)-</a:t>
+                </a:r>
+                <a:r>
+                  <a:rPr lang="zh-TW" altLang="en-US" sz="1800" dirty="0">
+                    <a:solidFill>
+                      <a:srgbClr val="000000"/>
+                    </a:solidFill>
+                    <a:latin typeface="微軟正黑體" panose="020B0604030504040204" pitchFamily="34" charset="-120"/>
+                    <a:ea typeface="微軟正黑體" panose="020B0604030504040204" pitchFamily="34" charset="-120"/>
+                  </a:rPr>
+                  <a:t>閾值密碼學的概念，其中秘密份額在</a:t>
+                </a:r>
+                <a:r>
+                  <a:rPr lang="en-US" altLang="zh-TW" sz="1800" dirty="0">
+                    <a:solidFill>
+                      <a:srgbClr val="000000"/>
+                    </a:solidFill>
+                    <a:latin typeface="微軟正黑體" panose="020B0604030504040204" pitchFamily="34" charset="-120"/>
+                    <a:ea typeface="微軟正黑體" panose="020B0604030504040204" pitchFamily="34" charset="-120"/>
+                  </a:rPr>
+                  <a:t>n</a:t>
+                </a:r>
+                <a:r>
+                  <a:rPr lang="zh-TW" altLang="en-US" sz="1800" dirty="0">
+                    <a:solidFill>
+                      <a:srgbClr val="000000"/>
+                    </a:solidFill>
+                    <a:latin typeface="微軟正黑體" panose="020B0604030504040204" pitchFamily="34" charset="-120"/>
+                    <a:ea typeface="微軟正黑體" panose="020B0604030504040204" pitchFamily="34" charset="-120"/>
+                  </a:rPr>
+                  <a:t>方之間分配，超過</a:t>
+                </a:r>
+                <a:r>
+                  <a:rPr lang="en-US" altLang="zh-TW" sz="1800" dirty="0">
+                    <a:solidFill>
+                      <a:srgbClr val="000000"/>
+                    </a:solidFill>
+                    <a:latin typeface="微軟正黑體" panose="020B0604030504040204" pitchFamily="34" charset="-120"/>
+                    <a:ea typeface="微軟正黑體" panose="020B0604030504040204" pitchFamily="34" charset="-120"/>
+                  </a:rPr>
+                  <a:t>t</a:t>
+                </a:r>
+                <a:r>
+                  <a:rPr lang="zh-TW" altLang="en-US" sz="1800" dirty="0">
+                    <a:solidFill>
+                      <a:srgbClr val="000000"/>
+                    </a:solidFill>
+                    <a:latin typeface="微軟正黑體" panose="020B0604030504040204" pitchFamily="34" charset="-120"/>
+                    <a:ea typeface="微軟正黑體" panose="020B0604030504040204" pitchFamily="34" charset="-120"/>
+                  </a:rPr>
+                  <a:t>個份額就可以成功構建主秘密。根據這一想法，引入了</a:t>
+                </a:r>
+                <a:r>
+                  <a:rPr lang="en-US" altLang="zh-TW" sz="1800" dirty="0">
+                    <a:solidFill>
+                      <a:srgbClr val="000000"/>
+                    </a:solidFill>
+                    <a:latin typeface="微軟正黑體" panose="020B0604030504040204" pitchFamily="34" charset="-120"/>
+                    <a:ea typeface="微軟正黑體" panose="020B0604030504040204" pitchFamily="34" charset="-120"/>
+                  </a:rPr>
+                  <a:t>HE</a:t>
+                </a:r>
+                <a:r>
+                  <a:rPr lang="zh-TW" altLang="en-US" sz="1800" dirty="0">
+                    <a:solidFill>
+                      <a:srgbClr val="000000"/>
+                    </a:solidFill>
+                    <a:latin typeface="微軟正黑體" panose="020B0604030504040204" pitchFamily="34" charset="-120"/>
+                    <a:ea typeface="微軟正黑體" panose="020B0604030504040204" pitchFamily="34" charset="-120"/>
+                  </a:rPr>
+                  <a:t>的閾值解密概念</a:t>
+                </a:r>
+                <a:r>
+                  <a:rPr lang="en-US" altLang="zh-TW" sz="1800" dirty="0">
+                    <a:solidFill>
+                      <a:srgbClr val="000000"/>
+                    </a:solidFill>
+                    <a:latin typeface="微軟正黑體" panose="020B0604030504040204" pitchFamily="34" charset="-120"/>
+                    <a:ea typeface="微軟正黑體" panose="020B0604030504040204" pitchFamily="34" charset="-120"/>
+                  </a:rPr>
+                  <a:t>[23]</a:t>
+                </a:r>
+                <a:r>
+                  <a:rPr lang="zh-TW" altLang="en-US" sz="1800" dirty="0">
+                    <a:solidFill>
+                      <a:srgbClr val="000000"/>
+                    </a:solidFill>
+                    <a:latin typeface="微軟正黑體" panose="020B0604030504040204" pitchFamily="34" charset="-120"/>
+                    <a:ea typeface="微軟正黑體" panose="020B0604030504040204" pitchFamily="34" charset="-120"/>
+                  </a:rPr>
+                  <a:t>，</a:t>
+                </a:r>
+                <a:r>
+                  <a:rPr lang="en-US" altLang="zh-TW" sz="1800" dirty="0">
+                    <a:solidFill>
+                      <a:srgbClr val="000000"/>
+                    </a:solidFill>
+                    <a:latin typeface="微軟正黑體" panose="020B0604030504040204" pitchFamily="34" charset="-120"/>
+                    <a:ea typeface="微軟正黑體" panose="020B0604030504040204" pitchFamily="34" charset="-120"/>
+                  </a:rPr>
+                  <a:t>[24]</a:t>
+                </a:r>
+                <a:r>
+                  <a:rPr lang="zh-TW" altLang="en-US" sz="1800" dirty="0">
+                    <a:solidFill>
+                      <a:srgbClr val="000000"/>
+                    </a:solidFill>
+                    <a:latin typeface="微軟正黑體" panose="020B0604030504040204" pitchFamily="34" charset="-120"/>
+                    <a:ea typeface="微軟正黑體" panose="020B0604030504040204" pitchFamily="34" charset="-120"/>
+                  </a:rPr>
+                  <a:t>，即在所有各方之間分配一個秘密密鑰，當所有各方同意時就可以解密</a:t>
+                </a:r>
+                <a:endParaRPr lang="en-US" altLang="zh-TW" sz="1800" dirty="0">
+                  <a:solidFill>
+                    <a:srgbClr val="000000"/>
+                  </a:solidFill>
+                  <a:latin typeface="微軟正黑體" panose="020B0604030504040204" pitchFamily="34" charset="-120"/>
+                  <a:ea typeface="微軟正黑體" panose="020B0604030504040204" pitchFamily="34" charset="-120"/>
+                </a:endParaRPr>
+              </a:p>
+              <a:p>
+                <a:pPr marL="171450" marR="0" lvl="0" indent="-171450" algn="l" defTabSz="914400" rtl="0" eaLnBrk="1" fontAlgn="auto" latinLnBrk="0" hangingPunct="1">
+                  <a:lnSpc>
+                    <a:spcPct val="100000"/>
+                  </a:lnSpc>
+                  <a:spcBef>
+                    <a:spcPts val="0"/>
+                  </a:spcBef>
+                  <a:spcAft>
+                    <a:spcPts val="0"/>
+                  </a:spcAft>
+                  <a:buClrTx/>
+                  <a:buSzTx/>
+                  <a:buFont typeface="Arial" panose="020B0604020202020204" pitchFamily="34" charset="0"/>
+                  <a:buChar char="•"/>
+                  <a:tabLst/>
+                  <a:defRPr/>
+                </a:pPr>
+                <a:r>
+                  <a:rPr lang="en-US" altLang="zh-TW" sz="1800" b="0" i="1" u="none" strike="noStrike" baseline="0" dirty="0">
+                    <a:latin typeface="TimesLTStd-Italic"/>
+                  </a:rPr>
+                  <a:t>security parameter </a:t>
+                </a:r>
+                <a:r>
+                  <a:rPr lang="zh-TW" altLang="en-US" sz="4000" b="0" i="0">
+                    <a:latin typeface="Cambria Math" panose="02040503050406030204" pitchFamily="18" charset="0"/>
+                  </a:rPr>
+                  <a:t>𝜆</a:t>
+                </a:r>
+                <a:r>
+                  <a:rPr lang="zh-TW" altLang="en-US" dirty="0"/>
+                  <a:t> </a:t>
+                </a:r>
+                <a:r>
+                  <a:rPr lang="en-US" altLang="zh-TW" dirty="0"/>
+                  <a:t>, </a:t>
+                </a:r>
+                <a:r>
+                  <a:rPr lang="en-US" altLang="zh-TW" sz="1200" b="0" i="1" u="none" strike="noStrike" kern="1200" baseline="0" dirty="0">
+                    <a:solidFill>
+                      <a:schemeClr val="tx1"/>
+                    </a:solidFill>
+                    <a:latin typeface="+mn-lt"/>
+                    <a:ea typeface="+mn-ea"/>
+                    <a:cs typeface="+mn-cs"/>
+                  </a:rPr>
+                  <a:t>depth bound L, ski</a:t>
+                </a:r>
+                <a:r>
+                  <a:rPr lang="zh-TW" altLang="en-US" sz="1200" kern="1200" dirty="0">
+                    <a:solidFill>
+                      <a:schemeClr val="tx1"/>
+                    </a:solidFill>
+                    <a:latin typeface="+mn-lt"/>
+                    <a:ea typeface="+mn-ea"/>
+                    <a:cs typeface="+mn-cs"/>
+                  </a:rPr>
+                  <a:t>代表每一個人都有自己的</a:t>
+                </a:r>
+                <a:r>
+                  <a:rPr lang="en-US" altLang="zh-TW" sz="1200" kern="1200" dirty="0">
+                    <a:solidFill>
+                      <a:schemeClr val="tx1"/>
+                    </a:solidFill>
+                    <a:latin typeface="+mn-lt"/>
+                    <a:ea typeface="+mn-ea"/>
+                    <a:cs typeface="+mn-cs"/>
+                  </a:rPr>
+                  <a:t>secret key</a:t>
+                </a:r>
+                <a:r>
+                  <a:rPr lang="zh-TW" altLang="en-US" sz="1200" kern="1200" dirty="0">
+                    <a:solidFill>
+                      <a:schemeClr val="tx1"/>
+                    </a:solidFill>
+                    <a:latin typeface="+mn-lt"/>
+                    <a:ea typeface="+mn-ea"/>
+                    <a:cs typeface="+mn-cs"/>
+                  </a:rPr>
+                  <a:t>，</a:t>
+                </a:r>
+                <a:r>
+                  <a:rPr lang="en-US" altLang="zh-TW" sz="1200" kern="1200" dirty="0">
+                    <a:solidFill>
+                      <a:schemeClr val="tx1"/>
+                    </a:solidFill>
+                    <a:latin typeface="+mn-lt"/>
+                    <a:ea typeface="+mn-ea"/>
+                    <a:cs typeface="+mn-cs"/>
+                  </a:rPr>
+                  <a:t>pk</a:t>
+                </a:r>
+                <a:r>
+                  <a:rPr lang="zh-TW" altLang="en-US" sz="1200" kern="1200" dirty="0">
+                    <a:solidFill>
+                      <a:schemeClr val="tx1"/>
+                    </a:solidFill>
+                    <a:latin typeface="+mn-lt"/>
+                    <a:ea typeface="+mn-ea"/>
+                    <a:cs typeface="+mn-cs"/>
+                  </a:rPr>
+                  <a:t>和</a:t>
+                </a:r>
+                <a:r>
+                  <a:rPr lang="en-US" altLang="zh-TW" sz="1200" kern="1200" dirty="0" err="1">
+                    <a:solidFill>
+                      <a:schemeClr val="tx1"/>
+                    </a:solidFill>
+                    <a:latin typeface="+mn-lt"/>
+                    <a:ea typeface="+mn-ea"/>
+                    <a:cs typeface="+mn-cs"/>
+                  </a:rPr>
+                  <a:t>evk</a:t>
+                </a:r>
+                <a:r>
+                  <a:rPr lang="zh-TW" altLang="en-US" sz="1200" kern="1200" dirty="0">
+                    <a:solidFill>
+                      <a:schemeClr val="tx1"/>
+                    </a:solidFill>
+                    <a:latin typeface="+mn-lt"/>
+                    <a:ea typeface="+mn-ea"/>
+                    <a:cs typeface="+mn-cs"/>
+                  </a:rPr>
+                  <a:t>是共用的</a:t>
+                </a:r>
+                <a:r>
+                  <a:rPr lang="en-US" altLang="zh-TW" sz="1200" kern="1200" dirty="0">
+                    <a:solidFill>
+                      <a:schemeClr val="tx1"/>
+                    </a:solidFill>
+                    <a:latin typeface="+mn-lt"/>
+                    <a:ea typeface="+mn-ea"/>
+                    <a:cs typeface="+mn-cs"/>
+                  </a:rPr>
+                  <a:t>(</a:t>
+                </a:r>
+                <a:r>
+                  <a:rPr lang="en-US" altLang="zh-TW" sz="1200" kern="1200" dirty="0" err="1">
+                    <a:solidFill>
+                      <a:schemeClr val="tx1"/>
+                    </a:solidFill>
+                    <a:latin typeface="+mn-lt"/>
+                    <a:ea typeface="+mn-ea"/>
+                    <a:cs typeface="+mn-cs"/>
+                  </a:rPr>
+                  <a:t>evk</a:t>
+                </a:r>
+                <a:r>
+                  <a:rPr lang="zh-TW" altLang="en-US" sz="1200" kern="1200" dirty="0">
+                    <a:solidFill>
+                      <a:schemeClr val="tx1"/>
+                    </a:solidFill>
+                    <a:latin typeface="+mn-lt"/>
+                    <a:ea typeface="+mn-ea"/>
+                    <a:cs typeface="+mn-cs"/>
+                  </a:rPr>
+                  <a:t>是</a:t>
+                </a:r>
+                <a:r>
+                  <a:rPr lang="en-US" altLang="zh-TW" sz="1200" kern="1200" dirty="0">
+                    <a:solidFill>
+                      <a:schemeClr val="tx1"/>
+                    </a:solidFill>
+                    <a:latin typeface="+mn-lt"/>
+                    <a:ea typeface="+mn-ea"/>
+                    <a:cs typeface="+mn-cs"/>
+                  </a:rPr>
+                  <a:t>evaluation key)</a:t>
+                </a:r>
+                <a:endParaRPr lang="zh-TW" altLang="en-US" sz="1200" kern="1200" dirty="0">
+                  <a:solidFill>
+                    <a:schemeClr val="tx1"/>
+                  </a:solidFill>
+                  <a:latin typeface="+mn-lt"/>
+                  <a:ea typeface="+mn-ea"/>
+                  <a:cs typeface="+mn-cs"/>
+                </a:endParaRPr>
+              </a:p>
+              <a:p>
+                <a:pPr marL="171450" marR="0" lvl="0" indent="-171450" algn="l" defTabSz="914400" rtl="0" eaLnBrk="1" fontAlgn="auto" latinLnBrk="0" hangingPunct="1">
+                  <a:lnSpc>
+                    <a:spcPct val="100000"/>
+                  </a:lnSpc>
+                  <a:spcBef>
+                    <a:spcPts val="0"/>
+                  </a:spcBef>
+                  <a:spcAft>
+                    <a:spcPts val="0"/>
+                  </a:spcAft>
+                  <a:buClrTx/>
+                  <a:buSzTx/>
+                  <a:buFont typeface="Arial" panose="020B0604020202020204" pitchFamily="34" charset="0"/>
+                  <a:buChar char="•"/>
+                  <a:tabLst/>
+                  <a:defRPr/>
+                </a:pPr>
+                <a:r>
+                  <a:rPr lang="zh-TW" altLang="en-US" sz="1800" dirty="0">
+                    <a:solidFill>
+                      <a:srgbClr val="000000"/>
+                    </a:solidFill>
+                    <a:latin typeface="微軟正黑體" panose="020B0604030504040204" pitchFamily="34" charset="-120"/>
+                    <a:ea typeface="微軟正黑體" panose="020B0604030504040204" pitchFamily="34" charset="-120"/>
+                  </a:rPr>
+                  <a:t>只有超過</a:t>
+                </a:r>
+                <a:r>
+                  <a:rPr lang="en-US" altLang="zh-TW" sz="1800" dirty="0">
+                    <a:solidFill>
+                      <a:srgbClr val="000000"/>
+                    </a:solidFill>
+                    <a:latin typeface="微軟正黑體" panose="020B0604030504040204" pitchFamily="34" charset="-120"/>
+                    <a:ea typeface="微軟正黑體" panose="020B0604030504040204" pitchFamily="34" charset="-120"/>
+                  </a:rPr>
+                  <a:t>t</a:t>
+                </a:r>
+                <a:r>
+                  <a:rPr lang="zh-TW" altLang="en-US" sz="1800" dirty="0">
+                    <a:solidFill>
+                      <a:srgbClr val="000000"/>
+                    </a:solidFill>
+                    <a:latin typeface="微軟正黑體" panose="020B0604030504040204" pitchFamily="34" charset="-120"/>
+                    <a:ea typeface="微軟正黑體" panose="020B0604030504040204" pitchFamily="34" charset="-120"/>
+                  </a:rPr>
+                  <a:t>個人同意解密才會真的解密</a:t>
+                </a:r>
+                <a:endParaRPr lang="zh-TW" altLang="en-US" sz="1800" dirty="0">
+                  <a:solidFill>
+                    <a:prstClr val="black"/>
+                  </a:solidFill>
+                  <a:latin typeface="Segoe UI" panose="020B0502040204020203" pitchFamily="34" charset="0"/>
+                  <a:ea typeface="微軟正黑體" panose="020B0604030504040204" pitchFamily="34" charset="-120"/>
+                </a:endParaRPr>
+              </a:p>
+              <a:p>
+                <a:pPr marL="171450" indent="-171450">
+                  <a:buFont typeface="Arial" panose="020B0604020202020204" pitchFamily="34" charset="0"/>
+                  <a:buChar char="•"/>
+                </a:pPr>
+                <a:endParaRPr lang="zh-TW" altLang="en-US" dirty="0"/>
+              </a:p>
+            </p:txBody>
+          </p:sp>
+        </mc:Fallback>
+      </mc:AlternateContent>
+      <p:sp>
+        <p:nvSpPr>
+          <p:cNvPr id="4" name="投影片編號版面配置區 3"/>
+          <p:cNvSpPr>
+            <a:spLocks noGrp="1"/>
+          </p:cNvSpPr>
+          <p:nvPr>
+            <p:ph type="sldNum" sz="quarter" idx="5"/>
+          </p:nvPr>
+        </p:nvSpPr>
+        <p:spPr/>
+        <p:txBody>
+          <a:bodyPr/>
+          <a:lstStyle/>
+          <a:p>
+            <a:pPr marL="0" marR="0" lvl="0" indent="0" algn="r" defTabSz="914400" rtl="0" eaLnBrk="1" fontAlgn="auto" latinLnBrk="0" hangingPunct="1">
+              <a:lnSpc>
+                <a:spcPct val="100000"/>
+              </a:lnSpc>
+              <a:spcBef>
+                <a:spcPts val="0"/>
+              </a:spcBef>
+              <a:spcAft>
+                <a:spcPts val="0"/>
+              </a:spcAft>
+              <a:buClrTx/>
+              <a:buSzTx/>
+              <a:buFontTx/>
+              <a:buNone/>
+              <a:tabLst/>
+              <a:defRPr/>
+            </a:pPr>
+            <a:fld id="{CA802C15-8439-4650-9275-89E8E467F89F}" type="slidenum">
+              <a:rPr kumimoji="0" lang="zh-TW" altLang="en-US" sz="1200" b="0" i="0" u="none" strike="noStrike" kern="1200" cap="none" spc="0" normalizeH="0" baseline="0" noProof="0" smtClean="0">
+                <a:ln>
+                  <a:noFill/>
+                </a:ln>
+                <a:solidFill>
+                  <a:prstClr val="black"/>
+                </a:solidFill>
+                <a:effectLst/>
+                <a:uLnTx/>
+                <a:uFillTx/>
+                <a:latin typeface="Calibri" panose="020F0502020204030204"/>
+                <a:ea typeface="新細明體" panose="02020500000000000000" pitchFamily="18" charset="-120"/>
+                <a:cs typeface="+mn-cs"/>
+              </a:rPr>
+              <a:pPr marL="0" marR="0" lvl="0" indent="0" algn="r" defTabSz="914400" rtl="0" eaLnBrk="1" fontAlgn="auto" latinLnBrk="0" hangingPunct="1">
+                <a:lnSpc>
+                  <a:spcPct val="100000"/>
+                </a:lnSpc>
+                <a:spcBef>
+                  <a:spcPts val="0"/>
+                </a:spcBef>
+                <a:spcAft>
+                  <a:spcPts val="0"/>
+                </a:spcAft>
+                <a:buClrTx/>
+                <a:buSzTx/>
+                <a:buFontTx/>
+                <a:buNone/>
+                <a:tabLst/>
+                <a:defRPr/>
+              </a:pPr>
+              <a:t>17</a:t>
+            </a:fld>
+            <a:endParaRPr kumimoji="0" lang="zh-TW" altLang="en-US" sz="1200" b="0" i="0" u="none" strike="noStrike" kern="1200" cap="none" spc="0" normalizeH="0" baseline="0" noProof="0">
+              <a:ln>
+                <a:noFill/>
+              </a:ln>
+              <a:solidFill>
+                <a:prstClr val="black"/>
+              </a:solidFill>
+              <a:effectLst/>
+              <a:uLnTx/>
+              <a:uFillTx/>
+              <a:latin typeface="Calibri" panose="020F0502020204030204"/>
+              <a:ea typeface="新細明體" panose="02020500000000000000" pitchFamily="18" charset="-120"/>
+              <a:cs typeface="+mn-cs"/>
+            </a:endParaRPr>
+          </a:p>
+        </p:txBody>
+      </p:sp>
+    </p:spTree>
+    <p:extLst>
+      <p:ext uri="{BB962C8B-B14F-4D97-AF65-F5344CB8AC3E}">
+        <p14:creationId xmlns:p14="http://schemas.microsoft.com/office/powerpoint/2010/main" val="1836562902"/>
       </p:ext>
     </p:extLst>
   </p:cSld>
@@ -3301,7 +3917,7 @@
     </p:spTree>
     <p:extLst>
       <p:ext uri="{BB962C8B-B14F-4D97-AF65-F5344CB8AC3E}">
-        <p14:creationId xmlns:p14="http://schemas.microsoft.com/office/powerpoint/2010/main" val="1836562902"/>
+        <p14:creationId xmlns:p14="http://schemas.microsoft.com/office/powerpoint/2010/main" val="3579375458"/>
       </p:ext>
     </p:extLst>
   </p:cSld>
@@ -3357,181 +3973,9 @@
               <a:bodyPr/>
               <a:lstStyle/>
               <a:p>
-                <a:pPr marL="285750" indent="-285750" algn="l">
+                <a:pPr marL="171450" indent="-171450">
                   <a:buFont typeface="Arial" panose="020B0604020202020204" pitchFamily="34" charset="0"/>
                   <a:buChar char="•"/>
-                </a:pPr>
-                <a:r>
-                  <a:rPr lang="en-US" altLang="zh-TW" sz="1800" dirty="0"/>
-                  <a:t>MPHE: </a:t>
-                </a:r>
-                <a:r>
-                  <a:rPr lang="zh-TW" altLang="en-US" sz="1800" b="0" i="0" u="none" strike="noStrike" baseline="0" dirty="0">
-                    <a:latin typeface="CMR10"/>
-                  </a:rPr>
-                  <a:t>多個</a:t>
-                </a:r>
-                <a:r>
-                  <a:rPr lang="es-ES" altLang="zh-TW" sz="1800" b="0" i="0" u="none" strike="noStrike" baseline="0" dirty="0">
-                    <a:latin typeface="CMR10"/>
-                  </a:rPr>
-                  <a:t> </a:t>
-                </a:r>
-                <a:r>
-                  <a:rPr lang="es-ES" altLang="zh-TW" sz="1800" b="0" i="0" u="none" strike="noStrike" baseline="0" dirty="0" err="1">
-                    <a:latin typeface="CMR10"/>
-                  </a:rPr>
-                  <a:t>parties</a:t>
-                </a:r>
-                <a:r>
-                  <a:rPr lang="zh-TW" altLang="en-US" sz="1800" b="0" i="0" u="none" strike="noStrike" baseline="0" dirty="0">
-                    <a:latin typeface="CMR10"/>
-                  </a:rPr>
-                  <a:t> 協同生成 </a:t>
-                </a:r>
-                <a:r>
-                  <a:rPr lang="en-US" altLang="zh-TW" sz="1800" b="0" i="0" u="none" strike="noStrike" baseline="0" dirty="0">
-                    <a:latin typeface="CMR10"/>
-                  </a:rPr>
-                  <a:t>joint public key and joint secret key</a:t>
-                </a:r>
-                <a:r>
-                  <a:rPr lang="zh-TW" altLang="en-US" sz="1800" b="0" i="0" u="none" strike="noStrike" baseline="0" dirty="0">
-                    <a:latin typeface="CMR10"/>
-                  </a:rPr>
-                  <a:t>，</a:t>
-                </a:r>
-                <a:r>
-                  <a:rPr lang="en-US" altLang="zh-TW" sz="1800" b="0" i="0" u="none" strike="noStrike" baseline="0" dirty="0">
-                    <a:latin typeface="CMR10"/>
-                  </a:rPr>
-                  <a:t>party </a:t>
-                </a:r>
-                <a:r>
-                  <a:rPr lang="zh-TW" altLang="en-US" sz="1800" b="0" i="0" u="none" strike="noStrike" baseline="0" dirty="0">
-                    <a:latin typeface="CMR10"/>
-                  </a:rPr>
-                  <a:t>數要在 </a:t>
-                </a:r>
-                <a:r>
-                  <a:rPr lang="en-US" altLang="zh-TW" sz="1800" b="0" i="0" u="none" strike="noStrike" baseline="0" dirty="0">
-                    <a:latin typeface="CMR10"/>
-                  </a:rPr>
-                  <a:t>key gen </a:t>
-                </a:r>
-                <a:r>
-                  <a:rPr lang="zh-TW" altLang="en-US" sz="1800" b="0" i="0" u="none" strike="noStrike" baseline="0" dirty="0">
-                    <a:latin typeface="CMR10"/>
-                  </a:rPr>
-                  <a:t>前決定，且在運算過程中固定</a:t>
-                </a:r>
-                <a:endParaRPr lang="en-US" altLang="zh-TW" sz="1800" b="0" i="0" u="none" strike="noStrike" baseline="0" dirty="0">
-                  <a:latin typeface="CMR10"/>
-                </a:endParaRPr>
-              </a:p>
-              <a:p>
-                <a:pPr marL="285750" indent="-285750" algn="l">
-                  <a:buFont typeface="Arial" panose="020B0604020202020204" pitchFamily="34" charset="0"/>
-                  <a:buChar char="•"/>
-                </a:pPr>
-                <a:r>
-                  <a:rPr lang="en-US" altLang="zh-TW" sz="1800" b="0" i="0" u="none" strike="noStrike" baseline="0" dirty="0">
-                    <a:latin typeface="CMR10"/>
-                  </a:rPr>
-                  <a:t>MKHE:</a:t>
-                </a:r>
-                <a:r>
-                  <a:rPr lang="zh-TW" altLang="en-US" sz="1800" b="0" i="0" u="none" strike="noStrike" baseline="0" dirty="0">
-                    <a:latin typeface="CMR10"/>
-                  </a:rPr>
-                  <a:t> 有彈性，但 </a:t>
-                </a:r>
-                <a:r>
-                  <a:rPr lang="en-US" altLang="zh-TW" sz="1800" b="0" i="0" u="none" strike="noStrike" baseline="0" dirty="0">
-                    <a:latin typeface="CMR10"/>
-                  </a:rPr>
-                  <a:t>ciphertext </a:t>
-                </a:r>
-                <a:r>
-                  <a:rPr lang="zh-TW" altLang="en-US" sz="1800" b="0" i="0" u="none" strike="noStrike" baseline="0" dirty="0">
-                    <a:latin typeface="CMR10"/>
-                  </a:rPr>
-                  <a:t>與運算複雜度都會隨著 </a:t>
-                </a:r>
-                <a:r>
-                  <a:rPr lang="en-US" altLang="zh-TW" sz="1800" b="0" i="0" u="none" strike="noStrike" baseline="0" dirty="0">
-                    <a:latin typeface="CMR10"/>
-                  </a:rPr>
-                  <a:t>party </a:t>
-                </a:r>
-                <a:r>
-                  <a:rPr lang="zh-TW" altLang="en-US" sz="1800" b="0" i="0" u="none" strike="noStrike" baseline="0" dirty="0">
-                    <a:latin typeface="CMR10"/>
-                  </a:rPr>
-                  <a:t>變多而上升</a:t>
-                </a:r>
-                <a:endParaRPr lang="en-US" altLang="zh-TW" sz="1800" b="0" i="0" u="none" strike="noStrike" baseline="0" dirty="0">
-                  <a:latin typeface="CMR10"/>
-                </a:endParaRPr>
-              </a:p>
-              <a:p>
-                <a:pPr marL="285750" indent="-285750" algn="l">
-                  <a:buFont typeface="Arial" panose="020B0604020202020204" pitchFamily="34" charset="0"/>
-                  <a:buChar char="•"/>
-                </a:pPr>
-                <a:r>
-                  <a:rPr lang="zh-TW" altLang="en-US" sz="1800" b="0" i="0" u="none" strike="noStrike" baseline="0" dirty="0">
-                    <a:latin typeface="CMR10"/>
-                  </a:rPr>
-                  <a:t>在 </a:t>
-                </a:r>
-                <a:r>
-                  <a:rPr lang="en-US" altLang="zh-TW" sz="1800" b="0" i="0" u="none" strike="noStrike" baseline="0" dirty="0">
-                    <a:latin typeface="CMR10"/>
-                  </a:rPr>
-                  <a:t>group </a:t>
-                </a:r>
-                <a:r>
-                  <a:rPr lang="zh-TW" altLang="en-US" sz="1800" b="0" i="0" u="none" strike="noStrike" baseline="0" dirty="0">
-                    <a:latin typeface="CMR10"/>
-                  </a:rPr>
-                  <a:t>中：</a:t>
-                </a:r>
-                <a:r>
-                  <a:rPr lang="en-US" altLang="zh-TW" sz="1800" b="0" i="0" u="none" strike="noStrike" baseline="0" dirty="0">
-                    <a:latin typeface="CMR10"/>
-                  </a:rPr>
-                  <a:t>MPHE</a:t>
-                </a:r>
-                <a:r>
-                  <a:rPr lang="zh-TW" altLang="en-US" sz="1800" b="0" i="0" u="none" strike="noStrike" baseline="0" dirty="0">
-                    <a:latin typeface="CMR10"/>
-                  </a:rPr>
-                  <a:t>，每一個 </a:t>
-                </a:r>
-                <a:r>
-                  <a:rPr lang="en-US" altLang="zh-TW" sz="1800" b="0" i="0" u="none" strike="noStrike" baseline="0" dirty="0">
-                    <a:latin typeface="CMR10"/>
-                  </a:rPr>
-                  <a:t>group</a:t>
-                </a:r>
-                <a:r>
-                  <a:rPr lang="zh-TW" altLang="en-US" sz="1800" b="0" i="0" u="none" strike="noStrike" baseline="0" dirty="0">
-                    <a:latin typeface="CMR10"/>
-                  </a:rPr>
-                  <a:t>：</a:t>
-                </a:r>
-                <a:r>
-                  <a:rPr lang="en-US" altLang="zh-TW" sz="1800" b="0" i="0" u="none" strike="noStrike" baseline="0" dirty="0">
-                    <a:latin typeface="CMR10"/>
-                  </a:rPr>
-                  <a:t>MKHE</a:t>
-                </a:r>
-              </a:p>
-              <a:p>
-                <a:pPr marL="0" indent="0">
-                  <a:buFont typeface="Arial" panose="020B0604020202020204" pitchFamily="34" charset="0"/>
-                  <a:buNone/>
                 </a:pPr>
                 <a:endParaRPr lang="zh-TW" altLang="en-US" dirty="0"/>
               </a:p>
@@ -4035,7 +4479,7 @@
     </p:spTree>
     <p:extLst>
       <p:ext uri="{BB962C8B-B14F-4D97-AF65-F5344CB8AC3E}">
-        <p14:creationId xmlns:p14="http://schemas.microsoft.com/office/powerpoint/2010/main" val="3579375458"/>
+        <p14:creationId xmlns:p14="http://schemas.microsoft.com/office/powerpoint/2010/main" val="1466507829"/>
       </p:ext>
     </p:extLst>
   </p:cSld>
@@ -4597,7 +5041,7 @@
     </p:spTree>
     <p:extLst>
       <p:ext uri="{BB962C8B-B14F-4D97-AF65-F5344CB8AC3E}">
-        <p14:creationId xmlns:p14="http://schemas.microsoft.com/office/powerpoint/2010/main" val="1466507829"/>
+        <p14:creationId xmlns:p14="http://schemas.microsoft.com/office/powerpoint/2010/main" val="3589710760"/>
       </p:ext>
     </p:extLst>
   </p:cSld>
@@ -4608,568 +5052,6 @@
 </file>
 
 <file path=ppt/notesSlides/notesSlide15.xml><?xml version="1.0" encoding="utf-8"?>
-<p:notes xmlns:a="http://schemas.openxmlformats.org/drawingml/2006/main" xmlns:r="http://schemas.openxmlformats.org/officeDocument/2006/relationships" xmlns:p="http://schemas.openxmlformats.org/presentationml/2006/main">
-  <p:cSld>
-    <p:spTree>
-      <p:nvGrpSpPr>
-        <p:cNvPr id="1" name=""/>
-        <p:cNvGrpSpPr/>
-        <p:nvPr/>
-      </p:nvGrpSpPr>
-      <p:grpSpPr>
-        <a:xfrm>
-          <a:off x="0" y="0"/>
-          <a:ext cx="0" cy="0"/>
-          <a:chOff x="0" y="0"/>
-          <a:chExt cx="0" cy="0"/>
-        </a:xfrm>
-      </p:grpSpPr>
-      <p:sp>
-        <p:nvSpPr>
-          <p:cNvPr id="2" name="投影片影像版面配置區 1"/>
-          <p:cNvSpPr>
-            <a:spLocks noGrp="1" noRot="1" noChangeAspect="1"/>
-          </p:cNvSpPr>
-          <p:nvPr>
-            <p:ph type="sldImg"/>
-          </p:nvPr>
-        </p:nvSpPr>
-        <p:spPr/>
-      </p:sp>
-      <mc:AlternateContent xmlns:mc="http://schemas.openxmlformats.org/markup-compatibility/2006" xmlns:a14="http://schemas.microsoft.com/office/drawing/2010/main">
-        <mc:Choice Requires="a14">
-          <p:sp>
-            <p:nvSpPr>
-              <p:cNvPr id="3" name="備忘稿版面配置區 2"/>
-              <p:cNvSpPr>
-                <a:spLocks noGrp="1"/>
-              </p:cNvSpPr>
-              <p:nvPr>
-                <p:ph type="body" idx="1"/>
-              </p:nvPr>
-            </p:nvSpPr>
-            <p:spPr/>
-            <p:txBody>
-              <a:bodyPr/>
-              <a:lstStyle/>
-              <a:p>
-                <a:pPr marL="171450" indent="-171450">
-                  <a:buFont typeface="Arial" panose="020B0604020202020204" pitchFamily="34" charset="0"/>
-                  <a:buChar char="•"/>
-                </a:pPr>
-                <a:endParaRPr lang="zh-TW" altLang="en-US" dirty="0"/>
-              </a:p>
-            </p:txBody>
-          </p:sp>
-        </mc:Choice>
-        <mc:Fallback xmlns="">
-          <p:sp>
-            <p:nvSpPr>
-              <p:cNvPr id="3" name="備忘稿版面配置區 2"/>
-              <p:cNvSpPr>
-                <a:spLocks noGrp="1"/>
-              </p:cNvSpPr>
-              <p:nvPr>
-                <p:ph type="body" idx="1"/>
-              </p:nvPr>
-            </p:nvSpPr>
-            <p:spPr/>
-            <p:txBody>
-              <a:bodyPr/>
-              <a:lstStyle/>
-              <a:p>
-                <a:pPr marL="171450" indent="-171450">
-                  <a:buFont typeface="Arial" panose="020B0604020202020204" pitchFamily="34" charset="0"/>
-                  <a:buChar char="•"/>
-                </a:pPr>
-                <a:r>
-                  <a:rPr lang="en-US" altLang="zh-TW" sz="1800" dirty="0">
-                    <a:solidFill>
-                      <a:srgbClr val="000000"/>
-                    </a:solidFill>
-                    <a:latin typeface="Segoe UI" panose="020B0502040204020203" pitchFamily="34" charset="0"/>
-                  </a:rPr>
-                  <a:t>Shamir[22]</a:t>
-                </a:r>
-                <a:r>
-                  <a:rPr lang="zh-TW" altLang="en-US" sz="1800" dirty="0">
-                    <a:solidFill>
-                      <a:srgbClr val="000000"/>
-                    </a:solidFill>
-                    <a:latin typeface="Segoe UI" panose="020B0502040204020203" pitchFamily="34" charset="0"/>
-                  </a:rPr>
-                  <a:t>提出了</a:t>
-                </a:r>
-                <a:r>
-                  <a:rPr lang="en-US" altLang="zh-TW" sz="1800" dirty="0">
-                    <a:solidFill>
-                      <a:srgbClr val="000000"/>
-                    </a:solidFill>
-                    <a:latin typeface="Segoe UI" panose="020B0502040204020203" pitchFamily="34" charset="0"/>
-                  </a:rPr>
-                  <a:t>(t; n)-</a:t>
-                </a:r>
-                <a:r>
-                  <a:rPr lang="zh-TW" altLang="en-US" sz="1800" dirty="0">
-                    <a:solidFill>
-                      <a:srgbClr val="000000"/>
-                    </a:solidFill>
-                    <a:latin typeface="微軟正黑體" panose="020B0604030504040204" pitchFamily="34" charset="-120"/>
-                    <a:ea typeface="微軟正黑體" panose="020B0604030504040204" pitchFamily="34" charset="-120"/>
-                  </a:rPr>
-                  <a:t>閾值密碼學的概念，其中秘密份額在</a:t>
-                </a:r>
-                <a:r>
-                  <a:rPr lang="en-US" altLang="zh-TW" sz="1800" dirty="0">
-                    <a:solidFill>
-                      <a:srgbClr val="000000"/>
-                    </a:solidFill>
-                    <a:latin typeface="微軟正黑體" panose="020B0604030504040204" pitchFamily="34" charset="-120"/>
-                    <a:ea typeface="微軟正黑體" panose="020B0604030504040204" pitchFamily="34" charset="-120"/>
-                  </a:rPr>
-                  <a:t>n</a:t>
-                </a:r>
-                <a:r>
-                  <a:rPr lang="zh-TW" altLang="en-US" sz="1800" dirty="0">
-                    <a:solidFill>
-                      <a:srgbClr val="000000"/>
-                    </a:solidFill>
-                    <a:latin typeface="微軟正黑體" panose="020B0604030504040204" pitchFamily="34" charset="-120"/>
-                    <a:ea typeface="微軟正黑體" panose="020B0604030504040204" pitchFamily="34" charset="-120"/>
-                  </a:rPr>
-                  <a:t>方之間分配，超過</a:t>
-                </a:r>
-                <a:r>
-                  <a:rPr lang="en-US" altLang="zh-TW" sz="1800" dirty="0">
-                    <a:solidFill>
-                      <a:srgbClr val="000000"/>
-                    </a:solidFill>
-                    <a:latin typeface="微軟正黑體" panose="020B0604030504040204" pitchFamily="34" charset="-120"/>
-                    <a:ea typeface="微軟正黑體" panose="020B0604030504040204" pitchFamily="34" charset="-120"/>
-                  </a:rPr>
-                  <a:t>t</a:t>
-                </a:r>
-                <a:r>
-                  <a:rPr lang="zh-TW" altLang="en-US" sz="1800" dirty="0">
-                    <a:solidFill>
-                      <a:srgbClr val="000000"/>
-                    </a:solidFill>
-                    <a:latin typeface="微軟正黑體" panose="020B0604030504040204" pitchFamily="34" charset="-120"/>
-                    <a:ea typeface="微軟正黑體" panose="020B0604030504040204" pitchFamily="34" charset="-120"/>
-                  </a:rPr>
-                  <a:t>個份額就可以成功構建主秘密。根據這一想法，引入了</a:t>
-                </a:r>
-                <a:r>
-                  <a:rPr lang="en-US" altLang="zh-TW" sz="1800" dirty="0">
-                    <a:solidFill>
-                      <a:srgbClr val="000000"/>
-                    </a:solidFill>
-                    <a:latin typeface="微軟正黑體" panose="020B0604030504040204" pitchFamily="34" charset="-120"/>
-                    <a:ea typeface="微軟正黑體" panose="020B0604030504040204" pitchFamily="34" charset="-120"/>
-                  </a:rPr>
-                  <a:t>HE</a:t>
-                </a:r>
-                <a:r>
-                  <a:rPr lang="zh-TW" altLang="en-US" sz="1800" dirty="0">
-                    <a:solidFill>
-                      <a:srgbClr val="000000"/>
-                    </a:solidFill>
-                    <a:latin typeface="微軟正黑體" panose="020B0604030504040204" pitchFamily="34" charset="-120"/>
-                    <a:ea typeface="微軟正黑體" panose="020B0604030504040204" pitchFamily="34" charset="-120"/>
-                  </a:rPr>
-                  <a:t>的閾值解密概念</a:t>
-                </a:r>
-                <a:r>
-                  <a:rPr lang="en-US" altLang="zh-TW" sz="1800" dirty="0">
-                    <a:solidFill>
-                      <a:srgbClr val="000000"/>
-                    </a:solidFill>
-                    <a:latin typeface="微軟正黑體" panose="020B0604030504040204" pitchFamily="34" charset="-120"/>
-                    <a:ea typeface="微軟正黑體" panose="020B0604030504040204" pitchFamily="34" charset="-120"/>
-                  </a:rPr>
-                  <a:t>[23]</a:t>
-                </a:r>
-                <a:r>
-                  <a:rPr lang="zh-TW" altLang="en-US" sz="1800" dirty="0">
-                    <a:solidFill>
-                      <a:srgbClr val="000000"/>
-                    </a:solidFill>
-                    <a:latin typeface="微軟正黑體" panose="020B0604030504040204" pitchFamily="34" charset="-120"/>
-                    <a:ea typeface="微軟正黑體" panose="020B0604030504040204" pitchFamily="34" charset="-120"/>
-                  </a:rPr>
-                  <a:t>，</a:t>
-                </a:r>
-                <a:r>
-                  <a:rPr lang="en-US" altLang="zh-TW" sz="1800" dirty="0">
-                    <a:solidFill>
-                      <a:srgbClr val="000000"/>
-                    </a:solidFill>
-                    <a:latin typeface="微軟正黑體" panose="020B0604030504040204" pitchFamily="34" charset="-120"/>
-                    <a:ea typeface="微軟正黑體" panose="020B0604030504040204" pitchFamily="34" charset="-120"/>
-                  </a:rPr>
-                  <a:t>[24]</a:t>
-                </a:r>
-                <a:r>
-                  <a:rPr lang="zh-TW" altLang="en-US" sz="1800" dirty="0">
-                    <a:solidFill>
-                      <a:srgbClr val="000000"/>
-                    </a:solidFill>
-                    <a:latin typeface="微軟正黑體" panose="020B0604030504040204" pitchFamily="34" charset="-120"/>
-                    <a:ea typeface="微軟正黑體" panose="020B0604030504040204" pitchFamily="34" charset="-120"/>
-                  </a:rPr>
-                  <a:t>，即在所有各方之間分配一個秘密密鑰，當所有各方同意時就可以解密</a:t>
-                </a:r>
-                <a:endParaRPr lang="en-US" altLang="zh-TW" sz="1800" dirty="0">
-                  <a:solidFill>
-                    <a:srgbClr val="000000"/>
-                  </a:solidFill>
-                  <a:latin typeface="微軟正黑體" panose="020B0604030504040204" pitchFamily="34" charset="-120"/>
-                  <a:ea typeface="微軟正黑體" panose="020B0604030504040204" pitchFamily="34" charset="-120"/>
-                </a:endParaRPr>
-              </a:p>
-              <a:p>
-                <a:pPr marL="171450" marR="0" lvl="0" indent="-171450" algn="l" defTabSz="914400" rtl="0" eaLnBrk="1" fontAlgn="auto" latinLnBrk="0" hangingPunct="1">
-                  <a:lnSpc>
-                    <a:spcPct val="100000"/>
-                  </a:lnSpc>
-                  <a:spcBef>
-                    <a:spcPts val="0"/>
-                  </a:spcBef>
-                  <a:spcAft>
-                    <a:spcPts val="0"/>
-                  </a:spcAft>
-                  <a:buClrTx/>
-                  <a:buSzTx/>
-                  <a:buFont typeface="Arial" panose="020B0604020202020204" pitchFamily="34" charset="0"/>
-                  <a:buChar char="•"/>
-                  <a:tabLst/>
-                  <a:defRPr/>
-                </a:pPr>
-                <a:r>
-                  <a:rPr lang="en-US" altLang="zh-TW" sz="1800" b="0" i="1" u="none" strike="noStrike" baseline="0" dirty="0">
-                    <a:latin typeface="TimesLTStd-Italic"/>
-                  </a:rPr>
-                  <a:t>security parameter </a:t>
-                </a:r>
-                <a:r>
-                  <a:rPr lang="zh-TW" altLang="en-US" sz="4000" b="0" i="0">
-                    <a:latin typeface="Cambria Math" panose="02040503050406030204" pitchFamily="18" charset="0"/>
-                  </a:rPr>
-                  <a:t>𝜆</a:t>
-                </a:r>
-                <a:r>
-                  <a:rPr lang="zh-TW" altLang="en-US" dirty="0"/>
-                  <a:t> </a:t>
-                </a:r>
-                <a:r>
-                  <a:rPr lang="en-US" altLang="zh-TW" dirty="0"/>
-                  <a:t>, </a:t>
-                </a:r>
-                <a:r>
-                  <a:rPr lang="en-US" altLang="zh-TW" sz="1200" b="0" i="1" u="none" strike="noStrike" kern="1200" baseline="0" dirty="0">
-                    <a:solidFill>
-                      <a:schemeClr val="tx1"/>
-                    </a:solidFill>
-                    <a:latin typeface="+mn-lt"/>
-                    <a:ea typeface="+mn-ea"/>
-                    <a:cs typeface="+mn-cs"/>
-                  </a:rPr>
-                  <a:t>depth bound L, ski</a:t>
-                </a:r>
-                <a:r>
-                  <a:rPr lang="zh-TW" altLang="en-US" sz="1200" kern="1200" dirty="0">
-                    <a:solidFill>
-                      <a:schemeClr val="tx1"/>
-                    </a:solidFill>
-                    <a:latin typeface="+mn-lt"/>
-                    <a:ea typeface="+mn-ea"/>
-                    <a:cs typeface="+mn-cs"/>
-                  </a:rPr>
-                  <a:t>代表每一個人都有自己的</a:t>
-                </a:r>
-                <a:r>
-                  <a:rPr lang="en-US" altLang="zh-TW" sz="1200" kern="1200" dirty="0">
-                    <a:solidFill>
-                      <a:schemeClr val="tx1"/>
-                    </a:solidFill>
-                    <a:latin typeface="+mn-lt"/>
-                    <a:ea typeface="+mn-ea"/>
-                    <a:cs typeface="+mn-cs"/>
-                  </a:rPr>
-                  <a:t>secret key</a:t>
-                </a:r>
-                <a:r>
-                  <a:rPr lang="zh-TW" altLang="en-US" sz="1200" kern="1200" dirty="0">
-                    <a:solidFill>
-                      <a:schemeClr val="tx1"/>
-                    </a:solidFill>
-                    <a:latin typeface="+mn-lt"/>
-                    <a:ea typeface="+mn-ea"/>
-                    <a:cs typeface="+mn-cs"/>
-                  </a:rPr>
-                  <a:t>，</a:t>
-                </a:r>
-                <a:r>
-                  <a:rPr lang="en-US" altLang="zh-TW" sz="1200" kern="1200" dirty="0">
-                    <a:solidFill>
-                      <a:schemeClr val="tx1"/>
-                    </a:solidFill>
-                    <a:latin typeface="+mn-lt"/>
-                    <a:ea typeface="+mn-ea"/>
-                    <a:cs typeface="+mn-cs"/>
-                  </a:rPr>
-                  <a:t>pk</a:t>
-                </a:r>
-                <a:r>
-                  <a:rPr lang="zh-TW" altLang="en-US" sz="1200" kern="1200" dirty="0">
-                    <a:solidFill>
-                      <a:schemeClr val="tx1"/>
-                    </a:solidFill>
-                    <a:latin typeface="+mn-lt"/>
-                    <a:ea typeface="+mn-ea"/>
-                    <a:cs typeface="+mn-cs"/>
-                  </a:rPr>
-                  <a:t>和</a:t>
-                </a:r>
-                <a:r>
-                  <a:rPr lang="en-US" altLang="zh-TW" sz="1200" kern="1200" dirty="0" err="1">
-                    <a:solidFill>
-                      <a:schemeClr val="tx1"/>
-                    </a:solidFill>
-                    <a:latin typeface="+mn-lt"/>
-                    <a:ea typeface="+mn-ea"/>
-                    <a:cs typeface="+mn-cs"/>
-                  </a:rPr>
-                  <a:t>evk</a:t>
-                </a:r>
-                <a:r>
-                  <a:rPr lang="zh-TW" altLang="en-US" sz="1200" kern="1200" dirty="0">
-                    <a:solidFill>
-                      <a:schemeClr val="tx1"/>
-                    </a:solidFill>
-                    <a:latin typeface="+mn-lt"/>
-                    <a:ea typeface="+mn-ea"/>
-                    <a:cs typeface="+mn-cs"/>
-                  </a:rPr>
-                  <a:t>是共用的</a:t>
-                </a:r>
-                <a:r>
-                  <a:rPr lang="en-US" altLang="zh-TW" sz="1200" kern="1200" dirty="0">
-                    <a:solidFill>
-                      <a:schemeClr val="tx1"/>
-                    </a:solidFill>
-                    <a:latin typeface="+mn-lt"/>
-                    <a:ea typeface="+mn-ea"/>
-                    <a:cs typeface="+mn-cs"/>
-                  </a:rPr>
-                  <a:t>(</a:t>
-                </a:r>
-                <a:r>
-                  <a:rPr lang="en-US" altLang="zh-TW" sz="1200" kern="1200" dirty="0" err="1">
-                    <a:solidFill>
-                      <a:schemeClr val="tx1"/>
-                    </a:solidFill>
-                    <a:latin typeface="+mn-lt"/>
-                    <a:ea typeface="+mn-ea"/>
-                    <a:cs typeface="+mn-cs"/>
-                  </a:rPr>
-                  <a:t>evk</a:t>
-                </a:r>
-                <a:r>
-                  <a:rPr lang="zh-TW" altLang="en-US" sz="1200" kern="1200" dirty="0">
-                    <a:solidFill>
-                      <a:schemeClr val="tx1"/>
-                    </a:solidFill>
-                    <a:latin typeface="+mn-lt"/>
-                    <a:ea typeface="+mn-ea"/>
-                    <a:cs typeface="+mn-cs"/>
-                  </a:rPr>
-                  <a:t>是</a:t>
-                </a:r>
-                <a:r>
-                  <a:rPr lang="en-US" altLang="zh-TW" sz="1200" kern="1200" dirty="0">
-                    <a:solidFill>
-                      <a:schemeClr val="tx1"/>
-                    </a:solidFill>
-                    <a:latin typeface="+mn-lt"/>
-                    <a:ea typeface="+mn-ea"/>
-                    <a:cs typeface="+mn-cs"/>
-                  </a:rPr>
-                  <a:t>evaluation key)</a:t>
-                </a:r>
-                <a:endParaRPr lang="zh-TW" altLang="en-US" sz="1200" kern="1200" dirty="0">
-                  <a:solidFill>
-                    <a:schemeClr val="tx1"/>
-                  </a:solidFill>
-                  <a:latin typeface="+mn-lt"/>
-                  <a:ea typeface="+mn-ea"/>
-                  <a:cs typeface="+mn-cs"/>
-                </a:endParaRPr>
-              </a:p>
-              <a:p>
-                <a:pPr marL="171450" marR="0" lvl="0" indent="-171450" algn="l" defTabSz="914400" rtl="0" eaLnBrk="1" fontAlgn="auto" latinLnBrk="0" hangingPunct="1">
-                  <a:lnSpc>
-                    <a:spcPct val="100000"/>
-                  </a:lnSpc>
-                  <a:spcBef>
-                    <a:spcPts val="0"/>
-                  </a:spcBef>
-                  <a:spcAft>
-                    <a:spcPts val="0"/>
-                  </a:spcAft>
-                  <a:buClrTx/>
-                  <a:buSzTx/>
-                  <a:buFont typeface="Arial" panose="020B0604020202020204" pitchFamily="34" charset="0"/>
-                  <a:buChar char="•"/>
-                  <a:tabLst/>
-                  <a:defRPr/>
-                </a:pPr>
-                <a:r>
-                  <a:rPr lang="zh-TW" altLang="en-US" sz="1800" dirty="0">
-                    <a:solidFill>
-                      <a:srgbClr val="000000"/>
-                    </a:solidFill>
-                    <a:latin typeface="微軟正黑體" panose="020B0604030504040204" pitchFamily="34" charset="-120"/>
-                    <a:ea typeface="微軟正黑體" panose="020B0604030504040204" pitchFamily="34" charset="-120"/>
-                  </a:rPr>
-                  <a:t>只有超過</a:t>
-                </a:r>
-                <a:r>
-                  <a:rPr lang="en-US" altLang="zh-TW" sz="1800" dirty="0">
-                    <a:solidFill>
-                      <a:srgbClr val="000000"/>
-                    </a:solidFill>
-                    <a:latin typeface="微軟正黑體" panose="020B0604030504040204" pitchFamily="34" charset="-120"/>
-                    <a:ea typeface="微軟正黑體" panose="020B0604030504040204" pitchFamily="34" charset="-120"/>
-                  </a:rPr>
-                  <a:t>t</a:t>
-                </a:r>
-                <a:r>
-                  <a:rPr lang="zh-TW" altLang="en-US" sz="1800" dirty="0">
-                    <a:solidFill>
-                      <a:srgbClr val="000000"/>
-                    </a:solidFill>
-                    <a:latin typeface="微軟正黑體" panose="020B0604030504040204" pitchFamily="34" charset="-120"/>
-                    <a:ea typeface="微軟正黑體" panose="020B0604030504040204" pitchFamily="34" charset="-120"/>
-                  </a:rPr>
-                  <a:t>個人同意解密才會真的解密</a:t>
-                </a:r>
-                <a:endParaRPr lang="zh-TW" altLang="en-US" sz="1800" dirty="0">
-                  <a:solidFill>
-                    <a:prstClr val="black"/>
-                  </a:solidFill>
-                  <a:latin typeface="Segoe UI" panose="020B0502040204020203" pitchFamily="34" charset="0"/>
-                  <a:ea typeface="微軟正黑體" panose="020B0604030504040204" pitchFamily="34" charset="-120"/>
-                </a:endParaRPr>
-              </a:p>
-              <a:p>
-                <a:pPr marL="171450" indent="-171450">
-                  <a:buFont typeface="Arial" panose="020B0604020202020204" pitchFamily="34" charset="0"/>
-                  <a:buChar char="•"/>
-                </a:pPr>
-                <a:endParaRPr lang="zh-TW" altLang="en-US" dirty="0"/>
-              </a:p>
-            </p:txBody>
-          </p:sp>
-        </mc:Fallback>
-      </mc:AlternateContent>
-      <p:sp>
-        <p:nvSpPr>
-          <p:cNvPr id="4" name="投影片編號版面配置區 3"/>
-          <p:cNvSpPr>
-            <a:spLocks noGrp="1"/>
-          </p:cNvSpPr>
-          <p:nvPr>
-            <p:ph type="sldNum" sz="quarter" idx="5"/>
-          </p:nvPr>
-        </p:nvSpPr>
-        <p:spPr/>
-        <p:txBody>
-          <a:bodyPr/>
-          <a:lstStyle/>
-          <a:p>
-            <a:pPr marL="0" marR="0" lvl="0" indent="0" algn="r" defTabSz="914400" rtl="0" eaLnBrk="1" fontAlgn="auto" latinLnBrk="0" hangingPunct="1">
-              <a:lnSpc>
-                <a:spcPct val="100000"/>
-              </a:lnSpc>
-              <a:spcBef>
-                <a:spcPts val="0"/>
-              </a:spcBef>
-              <a:spcAft>
-                <a:spcPts val="0"/>
-              </a:spcAft>
-              <a:buClrTx/>
-              <a:buSzTx/>
-              <a:buFontTx/>
-              <a:buNone/>
-              <a:tabLst/>
-              <a:defRPr/>
-            </a:pPr>
-            <a:fld id="{CA802C15-8439-4650-9275-89E8E467F89F}" type="slidenum">
-              <a:rPr kumimoji="0" lang="zh-TW" altLang="en-US" sz="1200" b="0" i="0" u="none" strike="noStrike" kern="1200" cap="none" spc="0" normalizeH="0" baseline="0" noProof="0" smtClean="0">
-                <a:ln>
-                  <a:noFill/>
-                </a:ln>
-                <a:solidFill>
-                  <a:prstClr val="black"/>
-                </a:solidFill>
-                <a:effectLst/>
-                <a:uLnTx/>
-                <a:uFillTx/>
-                <a:latin typeface="Calibri" panose="020F0502020204030204"/>
-                <a:ea typeface="新細明體" panose="02020500000000000000" pitchFamily="18" charset="-120"/>
-                <a:cs typeface="+mn-cs"/>
-              </a:rPr>
-              <a:pPr marL="0" marR="0" lvl="0" indent="0" algn="r" defTabSz="914400" rtl="0" eaLnBrk="1" fontAlgn="auto" latinLnBrk="0" hangingPunct="1">
-                <a:lnSpc>
-                  <a:spcPct val="100000"/>
-                </a:lnSpc>
-                <a:spcBef>
-                  <a:spcPts val="0"/>
-                </a:spcBef>
-                <a:spcAft>
-                  <a:spcPts val="0"/>
-                </a:spcAft>
-                <a:buClrTx/>
-                <a:buSzTx/>
-                <a:buFontTx/>
-                <a:buNone/>
-                <a:tabLst/>
-                <a:defRPr/>
-              </a:pPr>
-              <a:t>21</a:t>
-            </a:fld>
-            <a:endParaRPr kumimoji="0" lang="zh-TW" altLang="en-US" sz="1200" b="0" i="0" u="none" strike="noStrike" kern="1200" cap="none" spc="0" normalizeH="0" baseline="0" noProof="0">
-              <a:ln>
-                <a:noFill/>
-              </a:ln>
-              <a:solidFill>
-                <a:prstClr val="black"/>
-              </a:solidFill>
-              <a:effectLst/>
-              <a:uLnTx/>
-              <a:uFillTx/>
-              <a:latin typeface="Calibri" panose="020F0502020204030204"/>
-              <a:ea typeface="新細明體" panose="02020500000000000000" pitchFamily="18" charset="-120"/>
-              <a:cs typeface="+mn-cs"/>
-            </a:endParaRPr>
-          </a:p>
-        </p:txBody>
-      </p:sp>
-    </p:spTree>
-    <p:extLst>
-      <p:ext uri="{BB962C8B-B14F-4D97-AF65-F5344CB8AC3E}">
-        <p14:creationId xmlns:p14="http://schemas.microsoft.com/office/powerpoint/2010/main" val="3589710760"/>
-      </p:ext>
-    </p:extLst>
-  </p:cSld>
-  <p:clrMapOvr>
-    <a:masterClrMapping/>
-  </p:clrMapOvr>
-</p:notes>
-</file>
-
-<file path=ppt/notesSlides/notesSlide16.xml><?xml version="1.0" encoding="utf-8"?>
 <p:notes xmlns:a="http://schemas.openxmlformats.org/drawingml/2006/main" xmlns:r="http://schemas.openxmlformats.org/officeDocument/2006/relationships" xmlns:p="http://schemas.openxmlformats.org/presentationml/2006/main">
   <p:cSld>
     <p:spTree>
@@ -5282,7 +5164,7 @@
                 <a:tabLst/>
                 <a:defRPr/>
               </a:pPr>
-              <a:t>22</a:t>
+              <a:t>21</a:t>
             </a:fld>
             <a:endParaRPr kumimoji="0" lang="zh-TW" altLang="en-US" sz="1200" b="0" i="0" u="none" strike="noStrike" kern="1200" cap="none" spc="0" normalizeH="0" baseline="0" noProof="0">
               <a:ln>
@@ -6551,832 +6433,57 @@
         </p:nvSpPr>
         <p:spPr/>
       </p:sp>
-      <mc:AlternateContent xmlns:mc="http://schemas.openxmlformats.org/markup-compatibility/2006" xmlns:a14="http://schemas.microsoft.com/office/drawing/2010/main">
-        <mc:Choice Requires="a14">
-          <p:sp>
-            <p:nvSpPr>
-              <p:cNvPr id="3" name="備忘稿版面配置區 2"/>
-              <p:cNvSpPr>
-                <a:spLocks noGrp="1"/>
-              </p:cNvSpPr>
-              <p:nvPr>
-                <p:ph type="body" idx="1"/>
-              </p:nvPr>
-            </p:nvSpPr>
-            <p:spPr/>
-            <p:txBody>
-              <a:bodyPr/>
-              <a:lstStyle/>
-              <a:p>
-                <a:pPr marL="171450" indent="-171450">
-                  <a:buFont typeface="Arial" panose="020B0604020202020204" pitchFamily="34" charset="0"/>
-                  <a:buChar char="•"/>
-                </a:pPr>
-                <a:r>
-                  <a:rPr lang="en-US" altLang="zh-TW" sz="1800" dirty="0">
-                    <a:solidFill>
-                      <a:srgbClr val="000000"/>
-                    </a:solidFill>
-                    <a:latin typeface="Segoe UI" panose="020B0502040204020203" pitchFamily="34" charset="0"/>
-                  </a:rPr>
-                  <a:t>Shamir[22]</a:t>
-                </a:r>
-                <a:r>
-                  <a:rPr lang="zh-TW" altLang="en-US" sz="1800" dirty="0">
-                    <a:solidFill>
-                      <a:srgbClr val="000000"/>
-                    </a:solidFill>
-                    <a:latin typeface="Segoe UI" panose="020B0502040204020203" pitchFamily="34" charset="0"/>
-                  </a:rPr>
-                  <a:t>提出了</a:t>
-                </a:r>
-                <a:r>
-                  <a:rPr lang="en-US" altLang="zh-TW" sz="1800" dirty="0">
-                    <a:solidFill>
-                      <a:srgbClr val="000000"/>
-                    </a:solidFill>
-                    <a:latin typeface="Segoe UI" panose="020B0502040204020203" pitchFamily="34" charset="0"/>
-                  </a:rPr>
-                  <a:t>(t; n)-</a:t>
-                </a:r>
-                <a:r>
-                  <a:rPr lang="zh-TW" altLang="en-US" sz="1800" dirty="0">
-                    <a:solidFill>
-                      <a:srgbClr val="000000"/>
-                    </a:solidFill>
-                    <a:latin typeface="微軟正黑體" panose="020B0604030504040204" pitchFamily="34" charset="-120"/>
-                    <a:ea typeface="微軟正黑體" panose="020B0604030504040204" pitchFamily="34" charset="-120"/>
-                  </a:rPr>
-                  <a:t>閾值密碼學的概念，其中秘密份額在</a:t>
-                </a:r>
-                <a:r>
-                  <a:rPr lang="en-US" altLang="zh-TW" sz="1800" dirty="0">
-                    <a:solidFill>
-                      <a:srgbClr val="000000"/>
-                    </a:solidFill>
-                    <a:latin typeface="微軟正黑體" panose="020B0604030504040204" pitchFamily="34" charset="-120"/>
-                    <a:ea typeface="微軟正黑體" panose="020B0604030504040204" pitchFamily="34" charset="-120"/>
-                  </a:rPr>
-                  <a:t>n</a:t>
-                </a:r>
-                <a:r>
-                  <a:rPr lang="zh-TW" altLang="en-US" sz="1800" dirty="0">
-                    <a:solidFill>
-                      <a:srgbClr val="000000"/>
-                    </a:solidFill>
-                    <a:latin typeface="微軟正黑體" panose="020B0604030504040204" pitchFamily="34" charset="-120"/>
-                    <a:ea typeface="微軟正黑體" panose="020B0604030504040204" pitchFamily="34" charset="-120"/>
-                  </a:rPr>
-                  <a:t>方之間分配，超過</a:t>
-                </a:r>
-                <a:r>
-                  <a:rPr lang="en-US" altLang="zh-TW" sz="1800" dirty="0">
-                    <a:solidFill>
-                      <a:srgbClr val="000000"/>
-                    </a:solidFill>
-                    <a:latin typeface="微軟正黑體" panose="020B0604030504040204" pitchFamily="34" charset="-120"/>
-                    <a:ea typeface="微軟正黑體" panose="020B0604030504040204" pitchFamily="34" charset="-120"/>
-                  </a:rPr>
-                  <a:t>t</a:t>
-                </a:r>
-                <a:r>
-                  <a:rPr lang="zh-TW" altLang="en-US" sz="1800" dirty="0">
-                    <a:solidFill>
-                      <a:srgbClr val="000000"/>
-                    </a:solidFill>
-                    <a:latin typeface="微軟正黑體" panose="020B0604030504040204" pitchFamily="34" charset="-120"/>
-                    <a:ea typeface="微軟正黑體" panose="020B0604030504040204" pitchFamily="34" charset="-120"/>
-                  </a:rPr>
-                  <a:t>個份額就可以成功構建主秘密。根據這一想法，引入了</a:t>
-                </a:r>
-                <a:r>
-                  <a:rPr lang="en-US" altLang="zh-TW" sz="1800" dirty="0">
-                    <a:solidFill>
-                      <a:srgbClr val="000000"/>
-                    </a:solidFill>
-                    <a:latin typeface="微軟正黑體" panose="020B0604030504040204" pitchFamily="34" charset="-120"/>
-                    <a:ea typeface="微軟正黑體" panose="020B0604030504040204" pitchFamily="34" charset="-120"/>
-                  </a:rPr>
-                  <a:t>HE</a:t>
-                </a:r>
-                <a:r>
-                  <a:rPr lang="zh-TW" altLang="en-US" sz="1800" dirty="0">
-                    <a:solidFill>
-                      <a:srgbClr val="000000"/>
-                    </a:solidFill>
-                    <a:latin typeface="微軟正黑體" panose="020B0604030504040204" pitchFamily="34" charset="-120"/>
-                    <a:ea typeface="微軟正黑體" panose="020B0604030504040204" pitchFamily="34" charset="-120"/>
-                  </a:rPr>
-                  <a:t>的閾值解密概念</a:t>
-                </a:r>
-                <a:r>
-                  <a:rPr lang="en-US" altLang="zh-TW" sz="1800" dirty="0">
-                    <a:solidFill>
-                      <a:srgbClr val="000000"/>
-                    </a:solidFill>
-                    <a:latin typeface="微軟正黑體" panose="020B0604030504040204" pitchFamily="34" charset="-120"/>
-                    <a:ea typeface="微軟正黑體" panose="020B0604030504040204" pitchFamily="34" charset="-120"/>
-                  </a:rPr>
-                  <a:t>[23]</a:t>
-                </a:r>
-                <a:r>
-                  <a:rPr lang="zh-TW" altLang="en-US" sz="1800" dirty="0">
-                    <a:solidFill>
-                      <a:srgbClr val="000000"/>
-                    </a:solidFill>
-                    <a:latin typeface="微軟正黑體" panose="020B0604030504040204" pitchFamily="34" charset="-120"/>
-                    <a:ea typeface="微軟正黑體" panose="020B0604030504040204" pitchFamily="34" charset="-120"/>
-                  </a:rPr>
-                  <a:t>，</a:t>
-                </a:r>
-                <a:r>
-                  <a:rPr lang="en-US" altLang="zh-TW" sz="1800" dirty="0">
-                    <a:solidFill>
-                      <a:srgbClr val="000000"/>
-                    </a:solidFill>
-                    <a:latin typeface="微軟正黑體" panose="020B0604030504040204" pitchFamily="34" charset="-120"/>
-                    <a:ea typeface="微軟正黑體" panose="020B0604030504040204" pitchFamily="34" charset="-120"/>
-                  </a:rPr>
-                  <a:t>[24]</a:t>
-                </a:r>
-                <a:r>
-                  <a:rPr lang="zh-TW" altLang="en-US" sz="1800" dirty="0">
-                    <a:solidFill>
-                      <a:srgbClr val="000000"/>
-                    </a:solidFill>
-                    <a:latin typeface="微軟正黑體" panose="020B0604030504040204" pitchFamily="34" charset="-120"/>
-                    <a:ea typeface="微軟正黑體" panose="020B0604030504040204" pitchFamily="34" charset="-120"/>
-                  </a:rPr>
-                  <a:t>，即在所有各方之間分配一個秘密密鑰，當所有各方同意時就可以解密</a:t>
-                </a:r>
-                <a:endParaRPr lang="en-US" altLang="zh-TW" sz="1800" dirty="0">
-                  <a:solidFill>
-                    <a:srgbClr val="000000"/>
-                  </a:solidFill>
-                  <a:latin typeface="微軟正黑體" panose="020B0604030504040204" pitchFamily="34" charset="-120"/>
-                  <a:ea typeface="微軟正黑體" panose="020B0604030504040204" pitchFamily="34" charset="-120"/>
-                </a:endParaRPr>
-              </a:p>
-              <a:p>
-                <a:pPr marL="171450" marR="0" lvl="0" indent="-171450" algn="l" defTabSz="914400" rtl="0" eaLnBrk="1" fontAlgn="auto" latinLnBrk="0" hangingPunct="1">
-                  <a:lnSpc>
-                    <a:spcPct val="100000"/>
-                  </a:lnSpc>
-                  <a:spcBef>
-                    <a:spcPts val="0"/>
-                  </a:spcBef>
-                  <a:spcAft>
-                    <a:spcPts val="0"/>
-                  </a:spcAft>
-                  <a:buClrTx/>
-                  <a:buSzTx/>
-                  <a:buFont typeface="Arial" panose="020B0604020202020204" pitchFamily="34" charset="0"/>
-                  <a:buChar char="•"/>
-                  <a:tabLst/>
-                  <a:defRPr/>
-                </a:pPr>
-                <a:r>
-                  <a:rPr lang="en-US" altLang="zh-TW" sz="1800" b="0" i="1" u="none" strike="noStrike" baseline="0" dirty="0">
-                    <a:latin typeface="TimesLTStd-Italic"/>
-                  </a:rPr>
-                  <a:t>security parameter </a:t>
-                </a:r>
-                <a14:m>
-                  <m:oMath xmlns:m="http://schemas.openxmlformats.org/officeDocument/2006/math">
-                    <m:r>
-                      <a:rPr lang="zh-TW" altLang="en-US" sz="4000" b="0" i="1" smtClean="0">
-                        <a:latin typeface="Cambria Math" panose="02040503050406030204" pitchFamily="18" charset="0"/>
-                      </a:rPr>
-                      <m:t>𝜆</m:t>
-                    </m:r>
-                  </m:oMath>
-                </a14:m>
-                <a:r>
-                  <a:rPr lang="zh-TW" altLang="en-US" dirty="0"/>
-                  <a:t> </a:t>
-                </a:r>
-                <a:r>
-                  <a:rPr lang="en-US" altLang="zh-TW" dirty="0"/>
-                  <a:t>, </a:t>
-                </a:r>
-                <a:r>
-                  <a:rPr lang="en-US" altLang="zh-TW" sz="1200" b="0" i="1" u="none" strike="noStrike" kern="1200" baseline="0" dirty="0">
-                    <a:solidFill>
-                      <a:schemeClr val="tx1"/>
-                    </a:solidFill>
-                    <a:latin typeface="+mn-lt"/>
-                    <a:ea typeface="+mn-ea"/>
-                    <a:cs typeface="+mn-cs"/>
-                  </a:rPr>
-                  <a:t>depth bound L, ski</a:t>
-                </a:r>
-                <a:r>
-                  <a:rPr lang="zh-TW" altLang="en-US" sz="1200" kern="1200" dirty="0">
-                    <a:solidFill>
-                      <a:schemeClr val="tx1"/>
-                    </a:solidFill>
-                    <a:latin typeface="+mn-lt"/>
-                    <a:ea typeface="+mn-ea"/>
-                    <a:cs typeface="+mn-cs"/>
-                  </a:rPr>
-                  <a:t>代表每一個人都有自己的</a:t>
-                </a:r>
-                <a:r>
-                  <a:rPr lang="en-US" altLang="zh-TW" sz="1200" kern="1200" dirty="0">
-                    <a:solidFill>
-                      <a:schemeClr val="tx1"/>
-                    </a:solidFill>
-                    <a:latin typeface="+mn-lt"/>
-                    <a:ea typeface="+mn-ea"/>
-                    <a:cs typeface="+mn-cs"/>
-                  </a:rPr>
-                  <a:t>secret key</a:t>
-                </a:r>
-                <a:r>
-                  <a:rPr lang="zh-TW" altLang="en-US" sz="1200" kern="1200" dirty="0">
-                    <a:solidFill>
-                      <a:schemeClr val="tx1"/>
-                    </a:solidFill>
-                    <a:latin typeface="+mn-lt"/>
-                    <a:ea typeface="+mn-ea"/>
-                    <a:cs typeface="+mn-cs"/>
-                  </a:rPr>
-                  <a:t>，</a:t>
-                </a:r>
-                <a:r>
-                  <a:rPr lang="en-US" altLang="zh-TW" sz="1200" kern="1200" dirty="0">
-                    <a:solidFill>
-                      <a:schemeClr val="tx1"/>
-                    </a:solidFill>
-                    <a:latin typeface="+mn-lt"/>
-                    <a:ea typeface="+mn-ea"/>
-                    <a:cs typeface="+mn-cs"/>
-                  </a:rPr>
-                  <a:t>pk</a:t>
-                </a:r>
-                <a:r>
-                  <a:rPr lang="zh-TW" altLang="en-US" sz="1200" kern="1200" dirty="0">
-                    <a:solidFill>
-                      <a:schemeClr val="tx1"/>
-                    </a:solidFill>
-                    <a:latin typeface="+mn-lt"/>
-                    <a:ea typeface="+mn-ea"/>
-                    <a:cs typeface="+mn-cs"/>
-                  </a:rPr>
-                  <a:t>和</a:t>
-                </a:r>
-                <a:r>
-                  <a:rPr lang="en-US" altLang="zh-TW" sz="1200" kern="1200" dirty="0" err="1">
-                    <a:solidFill>
-                      <a:schemeClr val="tx1"/>
-                    </a:solidFill>
-                    <a:latin typeface="+mn-lt"/>
-                    <a:ea typeface="+mn-ea"/>
-                    <a:cs typeface="+mn-cs"/>
-                  </a:rPr>
-                  <a:t>evk</a:t>
-                </a:r>
-                <a:r>
-                  <a:rPr lang="zh-TW" altLang="en-US" sz="1200" kern="1200" dirty="0">
-                    <a:solidFill>
-                      <a:schemeClr val="tx1"/>
-                    </a:solidFill>
-                    <a:latin typeface="+mn-lt"/>
-                    <a:ea typeface="+mn-ea"/>
-                    <a:cs typeface="+mn-cs"/>
-                  </a:rPr>
-                  <a:t>是共用的</a:t>
-                </a:r>
-                <a:r>
-                  <a:rPr lang="en-US" altLang="zh-TW" sz="1200" kern="1200" dirty="0">
-                    <a:solidFill>
-                      <a:schemeClr val="tx1"/>
-                    </a:solidFill>
-                    <a:latin typeface="+mn-lt"/>
-                    <a:ea typeface="+mn-ea"/>
-                    <a:cs typeface="+mn-cs"/>
-                  </a:rPr>
-                  <a:t>(</a:t>
-                </a:r>
-                <a:r>
-                  <a:rPr lang="en-US" altLang="zh-TW" sz="1200" kern="1200" dirty="0" err="1">
-                    <a:solidFill>
-                      <a:schemeClr val="tx1"/>
-                    </a:solidFill>
-                    <a:latin typeface="+mn-lt"/>
-                    <a:ea typeface="+mn-ea"/>
-                    <a:cs typeface="+mn-cs"/>
-                  </a:rPr>
-                  <a:t>evk</a:t>
-                </a:r>
-                <a:r>
-                  <a:rPr lang="zh-TW" altLang="en-US" sz="1200" kern="1200" dirty="0">
-                    <a:solidFill>
-                      <a:schemeClr val="tx1"/>
-                    </a:solidFill>
-                    <a:latin typeface="+mn-lt"/>
-                    <a:ea typeface="+mn-ea"/>
-                    <a:cs typeface="+mn-cs"/>
-                  </a:rPr>
-                  <a:t>是</a:t>
-                </a:r>
-                <a:r>
-                  <a:rPr lang="en-US" altLang="zh-TW" sz="1200" kern="1200" dirty="0">
-                    <a:solidFill>
-                      <a:schemeClr val="tx1"/>
-                    </a:solidFill>
-                    <a:latin typeface="+mn-lt"/>
-                    <a:ea typeface="+mn-ea"/>
-                    <a:cs typeface="+mn-cs"/>
-                  </a:rPr>
-                  <a:t>evaluation key)</a:t>
-                </a:r>
-                <a:endParaRPr lang="zh-TW" altLang="en-US" sz="1200" kern="1200" dirty="0">
-                  <a:solidFill>
-                    <a:schemeClr val="tx1"/>
-                  </a:solidFill>
-                  <a:latin typeface="+mn-lt"/>
-                  <a:ea typeface="+mn-ea"/>
-                  <a:cs typeface="+mn-cs"/>
-                </a:endParaRPr>
-              </a:p>
-              <a:p>
-                <a:pPr marL="171450" marR="0" lvl="0" indent="-171450" algn="l" defTabSz="914400" rtl="0" eaLnBrk="1" fontAlgn="auto" latinLnBrk="0" hangingPunct="1">
-                  <a:lnSpc>
-                    <a:spcPct val="100000"/>
-                  </a:lnSpc>
-                  <a:spcBef>
-                    <a:spcPts val="0"/>
-                  </a:spcBef>
-                  <a:spcAft>
-                    <a:spcPts val="0"/>
-                  </a:spcAft>
-                  <a:buClrTx/>
-                  <a:buSzTx/>
-                  <a:buFont typeface="Arial" panose="020B0604020202020204" pitchFamily="34" charset="0"/>
-                  <a:buChar char="•"/>
-                  <a:tabLst/>
-                  <a:defRPr/>
-                </a:pPr>
-                <a:r>
-                  <a:rPr lang="zh-TW" altLang="en-US" sz="1800" dirty="0">
-                    <a:solidFill>
-                      <a:srgbClr val="000000"/>
-                    </a:solidFill>
-                    <a:latin typeface="微軟正黑體" panose="020B0604030504040204" pitchFamily="34" charset="-120"/>
-                    <a:ea typeface="微軟正黑體" panose="020B0604030504040204" pitchFamily="34" charset="-120"/>
-                  </a:rPr>
-                  <a:t>只有超過</a:t>
-                </a:r>
-                <a:r>
-                  <a:rPr lang="en-US" altLang="zh-TW" sz="1800" dirty="0">
-                    <a:solidFill>
-                      <a:srgbClr val="000000"/>
-                    </a:solidFill>
-                    <a:latin typeface="微軟正黑體" panose="020B0604030504040204" pitchFamily="34" charset="-120"/>
-                    <a:ea typeface="微軟正黑體" panose="020B0604030504040204" pitchFamily="34" charset="-120"/>
-                  </a:rPr>
-                  <a:t>t</a:t>
-                </a:r>
-                <a:r>
-                  <a:rPr lang="zh-TW" altLang="en-US" sz="1800" dirty="0">
-                    <a:solidFill>
-                      <a:srgbClr val="000000"/>
-                    </a:solidFill>
-                    <a:latin typeface="微軟正黑體" panose="020B0604030504040204" pitchFamily="34" charset="-120"/>
-                    <a:ea typeface="微軟正黑體" panose="020B0604030504040204" pitchFamily="34" charset="-120"/>
-                  </a:rPr>
-                  <a:t>個人同意解密才會真的解密</a:t>
-                </a:r>
-                <a:endParaRPr lang="zh-TW" altLang="en-US" sz="1800" dirty="0">
-                  <a:solidFill>
-                    <a:prstClr val="black"/>
-                  </a:solidFill>
-                  <a:latin typeface="Segoe UI" panose="020B0502040204020203" pitchFamily="34" charset="0"/>
-                  <a:ea typeface="微軟正黑體" panose="020B0604030504040204" pitchFamily="34" charset="-120"/>
-                </a:endParaRPr>
-              </a:p>
-              <a:p>
-                <a:pPr marL="171450" indent="-171450">
-                  <a:buFont typeface="Arial" panose="020B0604020202020204" pitchFamily="34" charset="0"/>
-                  <a:buChar char="•"/>
-                </a:pPr>
-                <a:endParaRPr lang="zh-TW" altLang="en-US" dirty="0"/>
-              </a:p>
-            </p:txBody>
-          </p:sp>
-        </mc:Choice>
-        <mc:Fallback xmlns="">
-          <p:sp>
-            <p:nvSpPr>
-              <p:cNvPr id="3" name="備忘稿版面配置區 2"/>
-              <p:cNvSpPr>
-                <a:spLocks noGrp="1"/>
-              </p:cNvSpPr>
-              <p:nvPr>
-                <p:ph type="body" idx="1"/>
-              </p:nvPr>
-            </p:nvSpPr>
-            <p:spPr/>
-            <p:txBody>
-              <a:bodyPr/>
-              <a:lstStyle/>
-              <a:p>
-                <a:pPr marL="171450" indent="-171450">
-                  <a:buFont typeface="Arial" panose="020B0604020202020204" pitchFamily="34" charset="0"/>
-                  <a:buChar char="•"/>
-                </a:pPr>
-                <a:r>
-                  <a:rPr lang="en-US" altLang="zh-TW" sz="1800" dirty="0">
-                    <a:solidFill>
-                      <a:srgbClr val="000000"/>
-                    </a:solidFill>
-                    <a:latin typeface="Segoe UI" panose="020B0502040204020203" pitchFamily="34" charset="0"/>
-                  </a:rPr>
-                  <a:t>Shamir[22]</a:t>
-                </a:r>
-                <a:r>
-                  <a:rPr lang="zh-TW" altLang="en-US" sz="1800" dirty="0">
-                    <a:solidFill>
-                      <a:srgbClr val="000000"/>
-                    </a:solidFill>
-                    <a:latin typeface="Segoe UI" panose="020B0502040204020203" pitchFamily="34" charset="0"/>
-                  </a:rPr>
-                  <a:t>提出了</a:t>
-                </a:r>
-                <a:r>
-                  <a:rPr lang="en-US" altLang="zh-TW" sz="1800" dirty="0">
-                    <a:solidFill>
-                      <a:srgbClr val="000000"/>
-                    </a:solidFill>
-                    <a:latin typeface="Segoe UI" panose="020B0502040204020203" pitchFamily="34" charset="0"/>
-                  </a:rPr>
-                  <a:t>(t; n)-</a:t>
-                </a:r>
-                <a:r>
-                  <a:rPr lang="zh-TW" altLang="en-US" sz="1800" dirty="0">
-                    <a:solidFill>
-                      <a:srgbClr val="000000"/>
-                    </a:solidFill>
-                    <a:latin typeface="微軟正黑體" panose="020B0604030504040204" pitchFamily="34" charset="-120"/>
-                    <a:ea typeface="微軟正黑體" panose="020B0604030504040204" pitchFamily="34" charset="-120"/>
-                  </a:rPr>
-                  <a:t>閾值密碼學的概念，其中秘密份額在</a:t>
-                </a:r>
-                <a:r>
-                  <a:rPr lang="en-US" altLang="zh-TW" sz="1800" dirty="0">
-                    <a:solidFill>
-                      <a:srgbClr val="000000"/>
-                    </a:solidFill>
-                    <a:latin typeface="微軟正黑體" panose="020B0604030504040204" pitchFamily="34" charset="-120"/>
-                    <a:ea typeface="微軟正黑體" panose="020B0604030504040204" pitchFamily="34" charset="-120"/>
-                  </a:rPr>
-                  <a:t>n</a:t>
-                </a:r>
-                <a:r>
-                  <a:rPr lang="zh-TW" altLang="en-US" sz="1800" dirty="0">
-                    <a:solidFill>
-                      <a:srgbClr val="000000"/>
-                    </a:solidFill>
-                    <a:latin typeface="微軟正黑體" panose="020B0604030504040204" pitchFamily="34" charset="-120"/>
-                    <a:ea typeface="微軟正黑體" panose="020B0604030504040204" pitchFamily="34" charset="-120"/>
-                  </a:rPr>
-                  <a:t>方之間分配，超過</a:t>
-                </a:r>
-                <a:r>
-                  <a:rPr lang="en-US" altLang="zh-TW" sz="1800" dirty="0">
-                    <a:solidFill>
-                      <a:srgbClr val="000000"/>
-                    </a:solidFill>
-                    <a:latin typeface="微軟正黑體" panose="020B0604030504040204" pitchFamily="34" charset="-120"/>
-                    <a:ea typeface="微軟正黑體" panose="020B0604030504040204" pitchFamily="34" charset="-120"/>
-                  </a:rPr>
-                  <a:t>t</a:t>
-                </a:r>
-                <a:r>
-                  <a:rPr lang="zh-TW" altLang="en-US" sz="1800" dirty="0">
-                    <a:solidFill>
-                      <a:srgbClr val="000000"/>
-                    </a:solidFill>
-                    <a:latin typeface="微軟正黑體" panose="020B0604030504040204" pitchFamily="34" charset="-120"/>
-                    <a:ea typeface="微軟正黑體" panose="020B0604030504040204" pitchFamily="34" charset="-120"/>
-                  </a:rPr>
-                  <a:t>個份額就可以成功構建主秘密。根據這一想法，引入了</a:t>
-                </a:r>
-                <a:r>
-                  <a:rPr lang="en-US" altLang="zh-TW" sz="1800" dirty="0">
-                    <a:solidFill>
-                      <a:srgbClr val="000000"/>
-                    </a:solidFill>
-                    <a:latin typeface="微軟正黑體" panose="020B0604030504040204" pitchFamily="34" charset="-120"/>
-                    <a:ea typeface="微軟正黑體" panose="020B0604030504040204" pitchFamily="34" charset="-120"/>
-                  </a:rPr>
-                  <a:t>HE</a:t>
-                </a:r>
-                <a:r>
-                  <a:rPr lang="zh-TW" altLang="en-US" sz="1800" dirty="0">
-                    <a:solidFill>
-                      <a:srgbClr val="000000"/>
-                    </a:solidFill>
-                    <a:latin typeface="微軟正黑體" panose="020B0604030504040204" pitchFamily="34" charset="-120"/>
-                    <a:ea typeface="微軟正黑體" panose="020B0604030504040204" pitchFamily="34" charset="-120"/>
-                  </a:rPr>
-                  <a:t>的閾值解密概念</a:t>
-                </a:r>
-                <a:r>
-                  <a:rPr lang="en-US" altLang="zh-TW" sz="1800" dirty="0">
-                    <a:solidFill>
-                      <a:srgbClr val="000000"/>
-                    </a:solidFill>
-                    <a:latin typeface="微軟正黑體" panose="020B0604030504040204" pitchFamily="34" charset="-120"/>
-                    <a:ea typeface="微軟正黑體" panose="020B0604030504040204" pitchFamily="34" charset="-120"/>
-                  </a:rPr>
-                  <a:t>[23]</a:t>
-                </a:r>
-                <a:r>
-                  <a:rPr lang="zh-TW" altLang="en-US" sz="1800" dirty="0">
-                    <a:solidFill>
-                      <a:srgbClr val="000000"/>
-                    </a:solidFill>
-                    <a:latin typeface="微軟正黑體" panose="020B0604030504040204" pitchFamily="34" charset="-120"/>
-                    <a:ea typeface="微軟正黑體" panose="020B0604030504040204" pitchFamily="34" charset="-120"/>
-                  </a:rPr>
-                  <a:t>，</a:t>
-                </a:r>
-                <a:r>
-                  <a:rPr lang="en-US" altLang="zh-TW" sz="1800" dirty="0">
-                    <a:solidFill>
-                      <a:srgbClr val="000000"/>
-                    </a:solidFill>
-                    <a:latin typeface="微軟正黑體" panose="020B0604030504040204" pitchFamily="34" charset="-120"/>
-                    <a:ea typeface="微軟正黑體" panose="020B0604030504040204" pitchFamily="34" charset="-120"/>
-                  </a:rPr>
-                  <a:t>[24]</a:t>
-                </a:r>
-                <a:r>
-                  <a:rPr lang="zh-TW" altLang="en-US" sz="1800" dirty="0">
-                    <a:solidFill>
-                      <a:srgbClr val="000000"/>
-                    </a:solidFill>
-                    <a:latin typeface="微軟正黑體" panose="020B0604030504040204" pitchFamily="34" charset="-120"/>
-                    <a:ea typeface="微軟正黑體" panose="020B0604030504040204" pitchFamily="34" charset="-120"/>
-                  </a:rPr>
-                  <a:t>，即在所有各方之間分配一個秘密密鑰，當所有各方同意時就可以解密</a:t>
-                </a:r>
-                <a:endParaRPr lang="en-US" altLang="zh-TW" sz="1800" dirty="0">
-                  <a:solidFill>
-                    <a:srgbClr val="000000"/>
-                  </a:solidFill>
-                  <a:latin typeface="微軟正黑體" panose="020B0604030504040204" pitchFamily="34" charset="-120"/>
-                  <a:ea typeface="微軟正黑體" panose="020B0604030504040204" pitchFamily="34" charset="-120"/>
-                </a:endParaRPr>
-              </a:p>
-              <a:p>
-                <a:pPr marL="171450" marR="0" lvl="0" indent="-171450" algn="l" defTabSz="914400" rtl="0" eaLnBrk="1" fontAlgn="auto" latinLnBrk="0" hangingPunct="1">
-                  <a:lnSpc>
-                    <a:spcPct val="100000"/>
-                  </a:lnSpc>
-                  <a:spcBef>
-                    <a:spcPts val="0"/>
-                  </a:spcBef>
-                  <a:spcAft>
-                    <a:spcPts val="0"/>
-                  </a:spcAft>
-                  <a:buClrTx/>
-                  <a:buSzTx/>
-                  <a:buFont typeface="Arial" panose="020B0604020202020204" pitchFamily="34" charset="0"/>
-                  <a:buChar char="•"/>
-                  <a:tabLst/>
-                  <a:defRPr/>
-                </a:pPr>
-                <a:r>
-                  <a:rPr lang="en-US" altLang="zh-TW" sz="1800" b="0" i="1" u="none" strike="noStrike" baseline="0" dirty="0">
-                    <a:latin typeface="TimesLTStd-Italic"/>
-                  </a:rPr>
-                  <a:t>security parameter </a:t>
-                </a:r>
-                <a:r>
-                  <a:rPr lang="zh-TW" altLang="en-US" sz="4000" b="0" i="0">
-                    <a:latin typeface="Cambria Math" panose="02040503050406030204" pitchFamily="18" charset="0"/>
-                  </a:rPr>
-                  <a:t>𝜆</a:t>
-                </a:r>
-                <a:r>
-                  <a:rPr lang="zh-TW" altLang="en-US" dirty="0"/>
-                  <a:t> </a:t>
-                </a:r>
-                <a:r>
-                  <a:rPr lang="en-US" altLang="zh-TW" dirty="0"/>
-                  <a:t>, </a:t>
-                </a:r>
-                <a:r>
-                  <a:rPr lang="en-US" altLang="zh-TW" sz="1200" b="0" i="1" u="none" strike="noStrike" kern="1200" baseline="0" dirty="0">
-                    <a:solidFill>
-                      <a:schemeClr val="tx1"/>
-                    </a:solidFill>
-                    <a:latin typeface="+mn-lt"/>
-                    <a:ea typeface="+mn-ea"/>
-                    <a:cs typeface="+mn-cs"/>
-                  </a:rPr>
-                  <a:t>depth bound L, ski</a:t>
-                </a:r>
-                <a:r>
-                  <a:rPr lang="zh-TW" altLang="en-US" sz="1200" kern="1200" dirty="0">
-                    <a:solidFill>
-                      <a:schemeClr val="tx1"/>
-                    </a:solidFill>
-                    <a:latin typeface="+mn-lt"/>
-                    <a:ea typeface="+mn-ea"/>
-                    <a:cs typeface="+mn-cs"/>
-                  </a:rPr>
-                  <a:t>代表每一個人都有自己的</a:t>
-                </a:r>
-                <a:r>
-                  <a:rPr lang="en-US" altLang="zh-TW" sz="1200" kern="1200" dirty="0">
-                    <a:solidFill>
-                      <a:schemeClr val="tx1"/>
-                    </a:solidFill>
-                    <a:latin typeface="+mn-lt"/>
-                    <a:ea typeface="+mn-ea"/>
-                    <a:cs typeface="+mn-cs"/>
-                  </a:rPr>
-                  <a:t>secret key</a:t>
-                </a:r>
-                <a:r>
-                  <a:rPr lang="zh-TW" altLang="en-US" sz="1200" kern="1200" dirty="0">
-                    <a:solidFill>
-                      <a:schemeClr val="tx1"/>
-                    </a:solidFill>
-                    <a:latin typeface="+mn-lt"/>
-                    <a:ea typeface="+mn-ea"/>
-                    <a:cs typeface="+mn-cs"/>
-                  </a:rPr>
-                  <a:t>，</a:t>
-                </a:r>
-                <a:r>
-                  <a:rPr lang="en-US" altLang="zh-TW" sz="1200" kern="1200" dirty="0">
-                    <a:solidFill>
-                      <a:schemeClr val="tx1"/>
-                    </a:solidFill>
-                    <a:latin typeface="+mn-lt"/>
-                    <a:ea typeface="+mn-ea"/>
-                    <a:cs typeface="+mn-cs"/>
-                  </a:rPr>
-                  <a:t>pk</a:t>
-                </a:r>
-                <a:r>
-                  <a:rPr lang="zh-TW" altLang="en-US" sz="1200" kern="1200" dirty="0">
-                    <a:solidFill>
-                      <a:schemeClr val="tx1"/>
-                    </a:solidFill>
-                    <a:latin typeface="+mn-lt"/>
-                    <a:ea typeface="+mn-ea"/>
-                    <a:cs typeface="+mn-cs"/>
-                  </a:rPr>
-                  <a:t>和</a:t>
-                </a:r>
-                <a:r>
-                  <a:rPr lang="en-US" altLang="zh-TW" sz="1200" kern="1200" dirty="0" err="1">
-                    <a:solidFill>
-                      <a:schemeClr val="tx1"/>
-                    </a:solidFill>
-                    <a:latin typeface="+mn-lt"/>
-                    <a:ea typeface="+mn-ea"/>
-                    <a:cs typeface="+mn-cs"/>
-                  </a:rPr>
-                  <a:t>evk</a:t>
-                </a:r>
-                <a:r>
-                  <a:rPr lang="zh-TW" altLang="en-US" sz="1200" kern="1200" dirty="0">
-                    <a:solidFill>
-                      <a:schemeClr val="tx1"/>
-                    </a:solidFill>
-                    <a:latin typeface="+mn-lt"/>
-                    <a:ea typeface="+mn-ea"/>
-                    <a:cs typeface="+mn-cs"/>
-                  </a:rPr>
-                  <a:t>是共用的</a:t>
-                </a:r>
-                <a:r>
-                  <a:rPr lang="en-US" altLang="zh-TW" sz="1200" kern="1200" dirty="0">
-                    <a:solidFill>
-                      <a:schemeClr val="tx1"/>
-                    </a:solidFill>
-                    <a:latin typeface="+mn-lt"/>
-                    <a:ea typeface="+mn-ea"/>
-                    <a:cs typeface="+mn-cs"/>
-                  </a:rPr>
-                  <a:t>(</a:t>
-                </a:r>
-                <a:r>
-                  <a:rPr lang="en-US" altLang="zh-TW" sz="1200" kern="1200" dirty="0" err="1">
-                    <a:solidFill>
-                      <a:schemeClr val="tx1"/>
-                    </a:solidFill>
-                    <a:latin typeface="+mn-lt"/>
-                    <a:ea typeface="+mn-ea"/>
-                    <a:cs typeface="+mn-cs"/>
-                  </a:rPr>
-                  <a:t>evk</a:t>
-                </a:r>
-                <a:r>
-                  <a:rPr lang="zh-TW" altLang="en-US" sz="1200" kern="1200" dirty="0">
-                    <a:solidFill>
-                      <a:schemeClr val="tx1"/>
-                    </a:solidFill>
-                    <a:latin typeface="+mn-lt"/>
-                    <a:ea typeface="+mn-ea"/>
-                    <a:cs typeface="+mn-cs"/>
-                  </a:rPr>
-                  <a:t>是</a:t>
-                </a:r>
-                <a:r>
-                  <a:rPr lang="en-US" altLang="zh-TW" sz="1200" kern="1200" dirty="0">
-                    <a:solidFill>
-                      <a:schemeClr val="tx1"/>
-                    </a:solidFill>
-                    <a:latin typeface="+mn-lt"/>
-                    <a:ea typeface="+mn-ea"/>
-                    <a:cs typeface="+mn-cs"/>
-                  </a:rPr>
-                  <a:t>evaluation key)</a:t>
-                </a:r>
-                <a:endParaRPr lang="zh-TW" altLang="en-US" sz="1200" kern="1200" dirty="0">
-                  <a:solidFill>
-                    <a:schemeClr val="tx1"/>
-                  </a:solidFill>
-                  <a:latin typeface="+mn-lt"/>
-                  <a:ea typeface="+mn-ea"/>
-                  <a:cs typeface="+mn-cs"/>
-                </a:endParaRPr>
-              </a:p>
-              <a:p>
-                <a:pPr marL="171450" marR="0" lvl="0" indent="-171450" algn="l" defTabSz="914400" rtl="0" eaLnBrk="1" fontAlgn="auto" latinLnBrk="0" hangingPunct="1">
-                  <a:lnSpc>
-                    <a:spcPct val="100000"/>
-                  </a:lnSpc>
-                  <a:spcBef>
-                    <a:spcPts val="0"/>
-                  </a:spcBef>
-                  <a:spcAft>
-                    <a:spcPts val="0"/>
-                  </a:spcAft>
-                  <a:buClrTx/>
-                  <a:buSzTx/>
-                  <a:buFont typeface="Arial" panose="020B0604020202020204" pitchFamily="34" charset="0"/>
-                  <a:buChar char="•"/>
-                  <a:tabLst/>
-                  <a:defRPr/>
-                </a:pPr>
-                <a:r>
-                  <a:rPr lang="zh-TW" altLang="en-US" sz="1800" dirty="0">
-                    <a:solidFill>
-                      <a:srgbClr val="000000"/>
-                    </a:solidFill>
-                    <a:latin typeface="微軟正黑體" panose="020B0604030504040204" pitchFamily="34" charset="-120"/>
-                    <a:ea typeface="微軟正黑體" panose="020B0604030504040204" pitchFamily="34" charset="-120"/>
-                  </a:rPr>
-                  <a:t>只有超過</a:t>
-                </a:r>
-                <a:r>
-                  <a:rPr lang="en-US" altLang="zh-TW" sz="1800" dirty="0">
-                    <a:solidFill>
-                      <a:srgbClr val="000000"/>
-                    </a:solidFill>
-                    <a:latin typeface="微軟正黑體" panose="020B0604030504040204" pitchFamily="34" charset="-120"/>
-                    <a:ea typeface="微軟正黑體" panose="020B0604030504040204" pitchFamily="34" charset="-120"/>
-                  </a:rPr>
-                  <a:t>t</a:t>
-                </a:r>
-                <a:r>
-                  <a:rPr lang="zh-TW" altLang="en-US" sz="1800" dirty="0">
-                    <a:solidFill>
-                      <a:srgbClr val="000000"/>
-                    </a:solidFill>
-                    <a:latin typeface="微軟正黑體" panose="020B0604030504040204" pitchFamily="34" charset="-120"/>
-                    <a:ea typeface="微軟正黑體" panose="020B0604030504040204" pitchFamily="34" charset="-120"/>
-                  </a:rPr>
-                  <a:t>個人同意解密才會真的解密</a:t>
-                </a:r>
-                <a:endParaRPr lang="zh-TW" altLang="en-US" sz="1800" dirty="0">
-                  <a:solidFill>
-                    <a:prstClr val="black"/>
-                  </a:solidFill>
-                  <a:latin typeface="Segoe UI" panose="020B0502040204020203" pitchFamily="34" charset="0"/>
-                  <a:ea typeface="微軟正黑體" panose="020B0604030504040204" pitchFamily="34" charset="-120"/>
-                </a:endParaRPr>
-              </a:p>
-              <a:p>
-                <a:pPr marL="171450" indent="-171450">
-                  <a:buFont typeface="Arial" panose="020B0604020202020204" pitchFamily="34" charset="0"/>
-                  <a:buChar char="•"/>
-                </a:pPr>
-                <a:endParaRPr lang="zh-TW" altLang="en-US" dirty="0"/>
-              </a:p>
-            </p:txBody>
-          </p:sp>
-        </mc:Fallback>
-      </mc:AlternateContent>
+      <p:sp>
+        <p:nvSpPr>
+          <p:cNvPr id="3" name="備忘稿版面配置區 2"/>
+          <p:cNvSpPr>
+            <a:spLocks noGrp="1"/>
+          </p:cNvSpPr>
+          <p:nvPr>
+            <p:ph type="body" idx="1"/>
+          </p:nvPr>
+        </p:nvSpPr>
+        <p:spPr/>
+        <p:txBody>
+          <a:bodyPr/>
+          <a:lstStyle/>
+          <a:p>
+            <a:pPr marL="171450" indent="-171450">
+              <a:buFont typeface="Arial" panose="020B0604020202020204" pitchFamily="34" charset="0"/>
+              <a:buChar char="•"/>
+            </a:pPr>
+            <a:r>
+              <a:rPr lang="zh-TW" altLang="en-US" dirty="0"/>
+              <a:t>安全性是最直觀的</a:t>
+            </a:r>
+            <a:r>
+              <a:rPr lang="en-US" altLang="zh-TW" dirty="0"/>
+              <a:t>pros</a:t>
+            </a:r>
+          </a:p>
+          <a:p>
+            <a:pPr marL="171450" indent="-171450">
+              <a:buFont typeface="Arial" panose="020B0604020202020204" pitchFamily="34" charset="0"/>
+              <a:buChar char="•"/>
+            </a:pPr>
+            <a:r>
+              <a:rPr lang="zh-TW" altLang="en-US" dirty="0"/>
+              <a:t>閾值同態加密支持廣泛的運算，包括加法、乘法以及排序和搜索等更複雜的計算。 這種靈活性使其適用於需要隱私保護計算的各種應用程序。</a:t>
+            </a:r>
+            <a:endParaRPr lang="en-US" altLang="zh-TW" dirty="0"/>
+          </a:p>
+          <a:p>
+            <a:pPr marL="171450" indent="-171450">
+              <a:buFont typeface="Arial" panose="020B0604020202020204" pitchFamily="34" charset="0"/>
+              <a:buChar char="•"/>
+            </a:pPr>
+            <a:r>
+              <a:rPr lang="zh-TW" altLang="en-US" dirty="0"/>
+              <a:t>分散是運算允許高效的並行處理並實現安全的多方計算。</a:t>
+            </a:r>
+          </a:p>
+        </p:txBody>
+      </p:sp>
       <p:sp>
         <p:nvSpPr>
           <p:cNvPr id="4" name="投影片編號版面配置區 3"/>
@@ -7403,7 +6510,7 @@
     </p:spTree>
     <p:extLst>
       <p:ext uri="{BB962C8B-B14F-4D97-AF65-F5344CB8AC3E}">
-        <p14:creationId xmlns:p14="http://schemas.microsoft.com/office/powerpoint/2010/main" val="478636607"/>
+        <p14:creationId xmlns:p14="http://schemas.microsoft.com/office/powerpoint/2010/main" val="320690772"/>
       </p:ext>
     </p:extLst>
   </p:cSld>
@@ -7612,7 +6719,7 @@
             <a:fld id="{14815ECC-D564-4E70-8DF2-69078BE7875F}" type="datetime1">
               <a:rPr lang="zh-TW" altLang="en-US" smtClean="0"/>
               <a:pPr/>
-              <a:t>2023/6/11</a:t>
+              <a:t>2023/6/12</a:t>
             </a:fld>
             <a:endParaRPr lang="zh-TW" altLang="en-US"/>
           </a:p>
@@ -7871,7 +6978,7 @@
             <a:fld id="{83DD6ECF-C089-405B-AC93-5118EFF8BBB6}" type="datetime1">
               <a:rPr lang="zh-TW" altLang="en-US" smtClean="0"/>
               <a:pPr/>
-              <a:t>2023/6/11</a:t>
+              <a:t>2023/6/12</a:t>
             </a:fld>
             <a:endParaRPr lang="zh-TW" altLang="en-US"/>
           </a:p>
@@ -8176,7 +7283,7 @@
             <a:fld id="{76357D8C-541D-4E8A-9D62-CD397C305041}" type="datetime1">
               <a:rPr lang="zh-TW" altLang="en-US" smtClean="0"/>
               <a:pPr/>
-              <a:t>2023/6/11</a:t>
+              <a:t>2023/6/12</a:t>
             </a:fld>
             <a:endParaRPr lang="zh-TW" altLang="en-US"/>
           </a:p>
@@ -8478,7 +7585,7 @@
             <a:fld id="{8C353E2A-D468-42D4-B95B-D083617748B9}" type="datetime1">
               <a:rPr lang="zh-TW" altLang="en-US" smtClean="0"/>
               <a:pPr/>
-              <a:t>2023/6/11</a:t>
+              <a:t>2023/6/12</a:t>
             </a:fld>
             <a:endParaRPr lang="zh-TW" altLang="en-US"/>
           </a:p>
@@ -8819,7 +7926,7 @@
             <a:fld id="{84AD58FD-9B8B-4B75-A125-75D0E225B163}" type="datetime1">
               <a:rPr lang="zh-TW" altLang="en-US" smtClean="0"/>
               <a:pPr/>
-              <a:t>2023/6/11</a:t>
+              <a:t>2023/6/12</a:t>
             </a:fld>
             <a:endParaRPr lang="zh-TW" altLang="en-US"/>
           </a:p>
@@ -9212,7 +8319,7 @@
             <a:fld id="{8530E546-62A0-4324-90D2-C64DBE828A43}" type="datetime1">
               <a:rPr lang="zh-TW" altLang="en-US" smtClean="0"/>
               <a:pPr/>
-              <a:t>2023/6/11</a:t>
+              <a:t>2023/6/12</a:t>
             </a:fld>
             <a:endParaRPr lang="zh-TW" altLang="en-US"/>
           </a:p>
@@ -9758,7 +8865,7 @@
             <a:fld id="{23B845D1-7E58-4D56-9D2C-E7C4F468F1A7}" type="datetime1">
               <a:rPr lang="zh-TW" altLang="en-US" smtClean="0"/>
               <a:pPr/>
-              <a:t>2023/6/11</a:t>
+              <a:t>2023/6/12</a:t>
             </a:fld>
             <a:endParaRPr lang="zh-TW" altLang="en-US"/>
           </a:p>
@@ -9965,7 +9072,7 @@
             <a:fld id="{15663873-6E6A-47C2-B30A-E11F3F3F4292}" type="datetime1">
               <a:rPr lang="zh-TW" altLang="en-US" smtClean="0"/>
               <a:pPr/>
-              <a:t>2023/6/11</a:t>
+              <a:t>2023/6/12</a:t>
             </a:fld>
             <a:endParaRPr lang="zh-TW" altLang="en-US"/>
           </a:p>
@@ -10137,7 +9244,7 @@
             <a:fld id="{9A804300-340F-4666-B5DD-9B4A9515F3E4}" type="datetime1">
               <a:rPr lang="zh-TW" altLang="en-US" smtClean="0"/>
               <a:pPr/>
-              <a:t>2023/6/11</a:t>
+              <a:t>2023/6/12</a:t>
             </a:fld>
             <a:endParaRPr lang="zh-TW" altLang="en-US"/>
           </a:p>
@@ -10528,7 +9635,7 @@
             <a:fld id="{8728CD89-BEAC-4BD7-B611-D0AC8782BCED}" type="datetime1">
               <a:rPr lang="zh-TW" altLang="en-US" smtClean="0"/>
               <a:pPr/>
-              <a:t>2023/6/11</a:t>
+              <a:t>2023/6/12</a:t>
             </a:fld>
             <a:endParaRPr lang="zh-TW" altLang="en-US"/>
           </a:p>
@@ -10884,7 +9991,7 @@
             <a:fld id="{4C92E972-9527-48BA-ABE1-BB9C17ED7431}" type="datetime1">
               <a:rPr lang="zh-TW" altLang="en-US" smtClean="0"/>
               <a:pPr/>
-              <a:t>2023/6/11</a:t>
+              <a:t>2023/6/12</a:t>
             </a:fld>
             <a:endParaRPr lang="zh-TW" altLang="en-US"/>
           </a:p>
@@ -11179,7 +10286,7 @@
             <a:fld id="{7E9BC08B-076E-4B68-8A46-ED2629AFDEA3}" type="datetime1">
               <a:rPr lang="zh-TW" altLang="en-US" smtClean="0"/>
               <a:pPr/>
-              <a:t>2023/6/11</a:t>
+              <a:t>2023/6/12</a:t>
             </a:fld>
             <a:endParaRPr lang="zh-TW" altLang="en-US"/>
           </a:p>
@@ -11848,13 +10955,13 @@
   <p:clrMapOvr>
     <a:masterClrMapping/>
   </p:clrMapOvr>
-  <mc:AlternateContent xmlns:mc="http://schemas.openxmlformats.org/markup-compatibility/2006" xmlns:p14="http://schemas.microsoft.com/office/powerpoint/2010/main">
-    <mc:Choice Requires="p14">
+  <mc:AlternateContent xmlns:mc="http://schemas.openxmlformats.org/markup-compatibility/2006">
+    <mc:Choice xmlns:p14="http://schemas.microsoft.com/office/powerpoint/2010/main" Requires="p14">
       <p:transition spd="slow" p14:dur="2000">
         <p:cut/>
       </p:transition>
     </mc:Choice>
-    <mc:Fallback xmlns="">
+    <mc:Fallback>
       <p:transition spd="slow">
         <p:cut/>
       </p:transition>
@@ -11864,987 +10971,6 @@
 </file>
 
 <file path=ppt/slides/slide10.xml><?xml version="1.0" encoding="utf-8"?>
-<p:sld xmlns:a="http://schemas.openxmlformats.org/drawingml/2006/main" xmlns:r="http://schemas.openxmlformats.org/officeDocument/2006/relationships" xmlns:p="http://schemas.openxmlformats.org/presentationml/2006/main" show="0">
-  <p:cSld>
-    <p:spTree>
-      <p:nvGrpSpPr>
-        <p:cNvPr id="1" name=""/>
-        <p:cNvGrpSpPr/>
-        <p:nvPr/>
-      </p:nvGrpSpPr>
-      <p:grpSpPr>
-        <a:xfrm>
-          <a:off x="0" y="0"/>
-          <a:ext cx="0" cy="0"/>
-          <a:chOff x="0" y="0"/>
-          <a:chExt cx="0" cy="0"/>
-        </a:xfrm>
-      </p:grpSpPr>
-      <p:sp>
-        <p:nvSpPr>
-          <p:cNvPr id="2" name="標題 1">
-            <a:extLst>
-              <a:ext uri="{FF2B5EF4-FFF2-40B4-BE49-F238E27FC236}">
-                <a16:creationId xmlns:a16="http://schemas.microsoft.com/office/drawing/2014/main" id="{99FB5A16-AB08-4450-8E33-92D176E09DE3}"/>
-              </a:ext>
-            </a:extLst>
-          </p:cNvPr>
-          <p:cNvSpPr>
-            <a:spLocks noGrp="1"/>
-          </p:cNvSpPr>
-          <p:nvPr>
-            <p:ph type="title"/>
-          </p:nvPr>
-        </p:nvSpPr>
-        <p:spPr/>
-        <p:txBody>
-          <a:bodyPr/>
-          <a:lstStyle/>
-          <a:p>
-            <a:r>
-              <a:rPr lang="en-US" altLang="zh-TW" dirty="0"/>
-              <a:t>Candidate 1 – Threshold HE</a:t>
-            </a:r>
-            <a:endParaRPr lang="zh-TW" altLang="en-US" dirty="0"/>
-          </a:p>
-        </p:txBody>
-      </p:sp>
-      <mc:AlternateContent xmlns:mc="http://schemas.openxmlformats.org/markup-compatibility/2006" xmlns:a14="http://schemas.microsoft.com/office/drawing/2010/main">
-        <mc:Choice Requires="a14">
-          <p:sp>
-            <p:nvSpPr>
-              <p:cNvPr id="3" name="內容版面配置區 2">
-                <a:extLst>
-                  <a:ext uri="{FF2B5EF4-FFF2-40B4-BE49-F238E27FC236}">
-                    <a16:creationId xmlns:a16="http://schemas.microsoft.com/office/drawing/2014/main" id="{ED057CDE-A7D2-488C-B202-62195625D16B}"/>
-                  </a:ext>
-                </a:extLst>
-              </p:cNvPr>
-              <p:cNvSpPr>
-                <a:spLocks noGrp="1"/>
-              </p:cNvSpPr>
-              <p:nvPr>
-                <p:ph idx="1"/>
-              </p:nvPr>
-            </p:nvSpPr>
-            <p:spPr>
-              <a:xfrm>
-                <a:off x="838200" y="1690688"/>
-                <a:ext cx="10515600" cy="5030787"/>
-              </a:xfrm>
-            </p:spPr>
-            <p:txBody>
-              <a:bodyPr/>
-              <a:lstStyle/>
-              <a:p>
-                <a14:m>
-                  <m:oMath xmlns:m="http://schemas.openxmlformats.org/officeDocument/2006/math">
-                    <m:r>
-                      <a:rPr lang="en-US" altLang="zh-TW" b="0" i="1" smtClean="0">
-                        <a:latin typeface="Cambria Math" panose="02040503050406030204" pitchFamily="18" charset="0"/>
-                      </a:rPr>
-                      <m:t>𝑇𝐻𝐸</m:t>
-                    </m:r>
-                    <m:r>
-                      <a:rPr lang="en-US" altLang="zh-TW" b="0" i="1" smtClean="0">
-                        <a:latin typeface="Cambria Math" panose="02040503050406030204" pitchFamily="18" charset="0"/>
-                      </a:rPr>
-                      <m:t>.</m:t>
-                    </m:r>
-                    <m:r>
-                      <a:rPr lang="en-US" altLang="zh-TW" b="0" i="1" smtClean="0">
-                        <a:latin typeface="Cambria Math" panose="02040503050406030204" pitchFamily="18" charset="0"/>
-                      </a:rPr>
-                      <m:t>𝐾𝑒𝑦𝐺𝑒𝑛</m:t>
-                    </m:r>
-                    <m:r>
-                      <a:rPr lang="en-US" altLang="zh-TW" b="0" i="1" smtClean="0">
-                        <a:latin typeface="Cambria Math" panose="02040503050406030204" pitchFamily="18" charset="0"/>
-                      </a:rPr>
-                      <m:t>(</m:t>
-                    </m:r>
-                    <m:sSup>
-                      <m:sSupPr>
-                        <m:ctrlPr>
-                          <a:rPr lang="en-US" altLang="zh-TW" b="0" i="1" smtClean="0">
-                            <a:latin typeface="Cambria Math" panose="02040503050406030204" pitchFamily="18" charset="0"/>
-                          </a:rPr>
-                        </m:ctrlPr>
-                      </m:sSupPr>
-                      <m:e>
-                        <m:r>
-                          <a:rPr lang="en-US" altLang="zh-TW" b="0" i="1" smtClean="0">
-                            <a:latin typeface="Cambria Math" panose="02040503050406030204" pitchFamily="18" charset="0"/>
-                          </a:rPr>
-                          <m:t>1</m:t>
-                        </m:r>
-                      </m:e>
-                      <m:sup>
-                        <m:r>
-                          <a:rPr lang="zh-TW" altLang="en-US" b="0" i="1" smtClean="0">
-                            <a:latin typeface="Cambria Math" panose="02040503050406030204" pitchFamily="18" charset="0"/>
-                          </a:rPr>
-                          <m:t>𝜆</m:t>
-                        </m:r>
-                      </m:sup>
-                    </m:sSup>
-                    <m:r>
-                      <a:rPr lang="en-US" altLang="zh-TW" b="0" i="1" smtClean="0">
-                        <a:latin typeface="Cambria Math" panose="02040503050406030204" pitchFamily="18" charset="0"/>
-                      </a:rPr>
-                      <m:t>,</m:t>
-                    </m:r>
-                    <m:sSup>
-                      <m:sSupPr>
-                        <m:ctrlPr>
-                          <a:rPr lang="en-US" altLang="zh-TW" i="1">
-                            <a:latin typeface="Cambria Math" panose="02040503050406030204" pitchFamily="18" charset="0"/>
-                          </a:rPr>
-                        </m:ctrlPr>
-                      </m:sSupPr>
-                      <m:e>
-                        <m:r>
-                          <a:rPr lang="en-US" altLang="zh-TW" i="1">
-                            <a:latin typeface="Cambria Math" panose="02040503050406030204" pitchFamily="18" charset="0"/>
-                          </a:rPr>
-                          <m:t>1</m:t>
-                        </m:r>
-                      </m:e>
-                      <m:sup>
-                        <m:r>
-                          <a:rPr lang="en-US" altLang="zh-TW" b="0" i="1" smtClean="0">
-                            <a:latin typeface="Cambria Math" panose="02040503050406030204" pitchFamily="18" charset="0"/>
-                          </a:rPr>
-                          <m:t>𝐿</m:t>
-                        </m:r>
-                      </m:sup>
-                    </m:sSup>
-                    <m:r>
-                      <a:rPr lang="en-US" altLang="zh-TW" b="0" i="1" smtClean="0">
-                        <a:latin typeface="Cambria Math" panose="02040503050406030204" pitchFamily="18" charset="0"/>
-                      </a:rPr>
-                      <m:t>;</m:t>
-                    </m:r>
-                    <m:r>
-                      <a:rPr lang="en-US" altLang="zh-TW" b="0" i="1" smtClean="0">
-                        <a:latin typeface="Cambria Math" panose="02040503050406030204" pitchFamily="18" charset="0"/>
-                      </a:rPr>
-                      <m:t>𝑝𝑝</m:t>
-                    </m:r>
-                    <m:r>
-                      <a:rPr lang="en-US" altLang="zh-TW" b="0" i="1" smtClean="0">
-                        <a:latin typeface="Cambria Math" panose="02040503050406030204" pitchFamily="18" charset="0"/>
-                      </a:rPr>
-                      <m:t>)→(</m:t>
-                    </m:r>
-                    <m:r>
-                      <a:rPr lang="en-US" altLang="zh-TW" b="0" i="1" smtClean="0">
-                        <a:latin typeface="Cambria Math" panose="02040503050406030204" pitchFamily="18" charset="0"/>
-                        <a:ea typeface="Cambria Math" panose="02040503050406030204" pitchFamily="18" charset="0"/>
-                      </a:rPr>
-                      <m:t>𝑝𝑘</m:t>
-                    </m:r>
-                    <m:r>
-                      <a:rPr lang="en-US" altLang="zh-TW" b="0" i="1" smtClean="0">
-                        <a:latin typeface="Cambria Math" panose="02040503050406030204" pitchFamily="18" charset="0"/>
-                        <a:ea typeface="Cambria Math" panose="02040503050406030204" pitchFamily="18" charset="0"/>
-                      </a:rPr>
-                      <m:t>, </m:t>
-                    </m:r>
-                    <m:r>
-                      <a:rPr lang="en-US" altLang="zh-TW" b="0" i="1" smtClean="0">
-                        <a:latin typeface="Cambria Math" panose="02040503050406030204" pitchFamily="18" charset="0"/>
-                        <a:ea typeface="Cambria Math" panose="02040503050406030204" pitchFamily="18" charset="0"/>
-                      </a:rPr>
-                      <m:t>𝑒𝑣𝑘</m:t>
-                    </m:r>
-                    <m:r>
-                      <a:rPr lang="en-US" altLang="zh-TW" b="0" i="1" smtClean="0">
-                        <a:latin typeface="Cambria Math" panose="02040503050406030204" pitchFamily="18" charset="0"/>
-                        <a:ea typeface="Cambria Math" panose="02040503050406030204" pitchFamily="18" charset="0"/>
-                      </a:rPr>
-                      <m:t>, </m:t>
-                    </m:r>
-                    <m:sSub>
-                      <m:sSubPr>
-                        <m:ctrlPr>
-                          <a:rPr lang="en-US" altLang="zh-TW" b="0" i="1" smtClean="0">
-                            <a:solidFill>
-                              <a:srgbClr val="FF0000"/>
-                            </a:solidFill>
-                            <a:latin typeface="Cambria Math" panose="02040503050406030204" pitchFamily="18" charset="0"/>
-                            <a:ea typeface="Cambria Math" panose="02040503050406030204" pitchFamily="18" charset="0"/>
-                          </a:rPr>
-                        </m:ctrlPr>
-                      </m:sSubPr>
-                      <m:e>
-                        <m:r>
-                          <a:rPr lang="en-US" altLang="zh-TW" i="1">
-                            <a:solidFill>
-                              <a:srgbClr val="FF0000"/>
-                            </a:solidFill>
-                            <a:latin typeface="Cambria Math" panose="02040503050406030204" pitchFamily="18" charset="0"/>
-                            <a:ea typeface="Cambria Math" panose="02040503050406030204" pitchFamily="18" charset="0"/>
-                          </a:rPr>
-                          <m:t>{</m:t>
-                        </m:r>
-                        <m:sSub>
-                          <m:sSubPr>
-                            <m:ctrlPr>
-                              <a:rPr lang="en-US" altLang="zh-TW" i="1">
-                                <a:solidFill>
-                                  <a:srgbClr val="FF0000"/>
-                                </a:solidFill>
-                                <a:latin typeface="Cambria Math" panose="02040503050406030204" pitchFamily="18" charset="0"/>
-                                <a:ea typeface="Cambria Math" panose="02040503050406030204" pitchFamily="18" charset="0"/>
-                              </a:rPr>
-                            </m:ctrlPr>
-                          </m:sSubPr>
-                          <m:e>
-                            <m:r>
-                              <a:rPr lang="en-US" altLang="zh-TW" i="1">
-                                <a:solidFill>
-                                  <a:srgbClr val="FF0000"/>
-                                </a:solidFill>
-                                <a:latin typeface="Cambria Math" panose="02040503050406030204" pitchFamily="18" charset="0"/>
-                                <a:ea typeface="Cambria Math" panose="02040503050406030204" pitchFamily="18" charset="0"/>
-                              </a:rPr>
-                              <m:t>𝑠𝑘</m:t>
-                            </m:r>
-                          </m:e>
-                          <m:sub>
-                            <m:r>
-                              <a:rPr lang="en-US" altLang="zh-TW" i="1">
-                                <a:solidFill>
-                                  <a:srgbClr val="FF0000"/>
-                                </a:solidFill>
-                                <a:latin typeface="Cambria Math" panose="02040503050406030204" pitchFamily="18" charset="0"/>
-                                <a:ea typeface="Cambria Math" panose="02040503050406030204" pitchFamily="18" charset="0"/>
-                              </a:rPr>
-                              <m:t>𝑖</m:t>
-                            </m:r>
-                          </m:sub>
-                        </m:sSub>
-                        <m:r>
-                          <a:rPr lang="en-US" altLang="zh-TW" i="1">
-                            <a:solidFill>
-                              <a:srgbClr val="FF0000"/>
-                            </a:solidFill>
-                            <a:latin typeface="Cambria Math" panose="02040503050406030204" pitchFamily="18" charset="0"/>
-                            <a:ea typeface="Cambria Math" panose="02040503050406030204" pitchFamily="18" charset="0"/>
-                          </a:rPr>
-                          <m:t>}</m:t>
-                        </m:r>
-                      </m:e>
-                      <m:sub>
-                        <m:r>
-                          <a:rPr lang="en-US" altLang="zh-TW" b="0" i="1" smtClean="0">
-                            <a:solidFill>
-                              <a:srgbClr val="FF0000"/>
-                            </a:solidFill>
-                            <a:latin typeface="Cambria Math" panose="02040503050406030204" pitchFamily="18" charset="0"/>
-                            <a:ea typeface="Cambria Math" panose="02040503050406030204" pitchFamily="18" charset="0"/>
-                          </a:rPr>
-                          <m:t>𝑖</m:t>
-                        </m:r>
-                        <m:r>
-                          <a:rPr lang="en-US" altLang="zh-TW" b="0" i="1" smtClean="0">
-                            <a:solidFill>
-                              <a:srgbClr val="FF0000"/>
-                            </a:solidFill>
-                            <a:latin typeface="Cambria Math" panose="02040503050406030204" pitchFamily="18" charset="0"/>
-                            <a:ea typeface="Cambria Math" panose="02040503050406030204" pitchFamily="18" charset="0"/>
-                          </a:rPr>
-                          <m:t>∈[</m:t>
-                        </m:r>
-                        <m:r>
-                          <a:rPr lang="en-US" altLang="zh-TW" b="0" i="1" smtClean="0">
-                            <a:solidFill>
-                              <a:srgbClr val="FF0000"/>
-                            </a:solidFill>
-                            <a:latin typeface="Cambria Math" panose="02040503050406030204" pitchFamily="18" charset="0"/>
-                            <a:ea typeface="Cambria Math" panose="02040503050406030204" pitchFamily="18" charset="0"/>
-                          </a:rPr>
-                          <m:t>𝑛</m:t>
-                        </m:r>
-                        <m:r>
-                          <a:rPr lang="en-US" altLang="zh-TW" b="0" i="1" smtClean="0">
-                            <a:solidFill>
-                              <a:srgbClr val="FF0000"/>
-                            </a:solidFill>
-                            <a:latin typeface="Cambria Math" panose="02040503050406030204" pitchFamily="18" charset="0"/>
-                            <a:ea typeface="Cambria Math" panose="02040503050406030204" pitchFamily="18" charset="0"/>
-                          </a:rPr>
-                          <m:t>]</m:t>
-                        </m:r>
-                      </m:sub>
-                    </m:sSub>
-                    <m:r>
-                      <a:rPr lang="en-US" altLang="zh-TW" b="0" i="1" smtClean="0">
-                        <a:latin typeface="Cambria Math" panose="02040503050406030204" pitchFamily="18" charset="0"/>
-                        <a:ea typeface="Cambria Math" panose="02040503050406030204" pitchFamily="18" charset="0"/>
-                      </a:rPr>
-                      <m:t>)</m:t>
-                    </m:r>
-                  </m:oMath>
-                </a14:m>
-                <a:endParaRPr lang="en-US" altLang="zh-TW" dirty="0"/>
-              </a:p>
-              <a:p>
-                <a14:m>
-                  <m:oMath xmlns:m="http://schemas.openxmlformats.org/officeDocument/2006/math">
-                    <m:r>
-                      <a:rPr lang="en-US" altLang="zh-TW" b="0" i="1" smtClean="0">
-                        <a:latin typeface="Cambria Math" panose="02040503050406030204" pitchFamily="18" charset="0"/>
-                      </a:rPr>
-                      <m:t>𝑇𝐻𝐸</m:t>
-                    </m:r>
-                    <m:r>
-                      <a:rPr lang="en-US" altLang="zh-TW" b="0" i="1" smtClean="0">
-                        <a:latin typeface="Cambria Math" panose="02040503050406030204" pitchFamily="18" charset="0"/>
-                      </a:rPr>
-                      <m:t>.</m:t>
-                    </m:r>
-                    <m:r>
-                      <a:rPr lang="en-US" altLang="zh-TW" b="0" i="1" smtClean="0">
-                        <a:latin typeface="Cambria Math" panose="02040503050406030204" pitchFamily="18" charset="0"/>
-                      </a:rPr>
-                      <m:t>𝐸𝑛𝑐</m:t>
-                    </m:r>
-                    <m:d>
-                      <m:dPr>
-                        <m:ctrlPr>
-                          <a:rPr lang="en-US" altLang="zh-TW" b="0" i="1" smtClean="0">
-                            <a:latin typeface="Cambria Math" panose="02040503050406030204" pitchFamily="18" charset="0"/>
-                          </a:rPr>
-                        </m:ctrlPr>
-                      </m:dPr>
-                      <m:e>
-                        <m:r>
-                          <a:rPr lang="en-US" altLang="zh-TW" b="0" i="1" smtClean="0">
-                            <a:latin typeface="Cambria Math" panose="02040503050406030204" pitchFamily="18" charset="0"/>
-                          </a:rPr>
-                          <m:t>𝑝𝑘</m:t>
-                        </m:r>
-                        <m:r>
-                          <a:rPr lang="en-US" altLang="zh-TW" b="0" i="1" smtClean="0">
-                            <a:latin typeface="Cambria Math" panose="02040503050406030204" pitchFamily="18" charset="0"/>
-                          </a:rPr>
-                          <m:t>, </m:t>
-                        </m:r>
-                        <m:r>
-                          <a:rPr lang="en-US" altLang="zh-TW" b="0" i="1" smtClean="0">
-                            <a:latin typeface="Cambria Math" panose="02040503050406030204" pitchFamily="18" charset="0"/>
-                          </a:rPr>
-                          <m:t>𝑚</m:t>
-                        </m:r>
-                      </m:e>
-                    </m:d>
-                    <m:r>
-                      <a:rPr lang="en-US" altLang="zh-TW" i="1">
-                        <a:latin typeface="Cambria Math" panose="02040503050406030204" pitchFamily="18" charset="0"/>
-                        <a:ea typeface="Cambria Math" panose="02040503050406030204" pitchFamily="18" charset="0"/>
-                      </a:rPr>
-                      <m:t>→</m:t>
-                    </m:r>
-                    <m:r>
-                      <a:rPr lang="en-US" altLang="zh-TW" b="0" i="1" smtClean="0">
-                        <a:latin typeface="Cambria Math" panose="02040503050406030204" pitchFamily="18" charset="0"/>
-                        <a:ea typeface="Cambria Math" panose="02040503050406030204" pitchFamily="18" charset="0"/>
-                      </a:rPr>
-                      <m:t>𝑐</m:t>
-                    </m:r>
-                  </m:oMath>
-                </a14:m>
-                <a:endParaRPr lang="en-US" altLang="zh-TW" b="0" dirty="0">
-                  <a:ea typeface="Cambria Math" panose="02040503050406030204" pitchFamily="18" charset="0"/>
-                </a:endParaRPr>
-              </a:p>
-              <a:p>
-                <a14:m>
-                  <m:oMath xmlns:m="http://schemas.openxmlformats.org/officeDocument/2006/math">
-                    <m:r>
-                      <a:rPr lang="en-US" altLang="zh-TW" b="0" i="1" smtClean="0">
-                        <a:latin typeface="Cambria Math" panose="02040503050406030204" pitchFamily="18" charset="0"/>
-                      </a:rPr>
-                      <m:t>𝑇𝐻𝐸</m:t>
-                    </m:r>
-                    <m:r>
-                      <a:rPr lang="en-US" altLang="zh-TW" b="0" i="1" smtClean="0">
-                        <a:latin typeface="Cambria Math" panose="02040503050406030204" pitchFamily="18" charset="0"/>
-                      </a:rPr>
-                      <m:t>.</m:t>
-                    </m:r>
-                    <m:r>
-                      <a:rPr lang="en-US" altLang="zh-TW" b="0" i="1" smtClean="0">
-                        <a:latin typeface="Cambria Math" panose="02040503050406030204" pitchFamily="18" charset="0"/>
-                      </a:rPr>
-                      <m:t>𝐸𝑣𝑎𝑙</m:t>
-                    </m:r>
-                    <m:d>
-                      <m:dPr>
-                        <m:ctrlPr>
-                          <a:rPr lang="en-US" altLang="zh-TW" b="0" i="1" smtClean="0">
-                            <a:latin typeface="Cambria Math" panose="02040503050406030204" pitchFamily="18" charset="0"/>
-                          </a:rPr>
-                        </m:ctrlPr>
-                      </m:dPr>
-                      <m:e>
-                        <m:r>
-                          <a:rPr lang="en-US" altLang="zh-TW" b="0" i="1" smtClean="0">
-                            <a:latin typeface="Cambria Math" panose="02040503050406030204" pitchFamily="18" charset="0"/>
-                          </a:rPr>
-                          <m:t>𝑒𝑣𝑎𝑙</m:t>
-                        </m:r>
-                        <m:r>
-                          <a:rPr lang="en-US" altLang="zh-TW" b="0" i="1" smtClean="0">
-                            <a:latin typeface="Cambria Math" panose="02040503050406030204" pitchFamily="18" charset="0"/>
-                          </a:rPr>
-                          <m:t>, </m:t>
-                        </m:r>
-                        <m:r>
-                          <a:rPr lang="en-US" altLang="zh-TW" b="0" i="1" smtClean="0">
-                            <a:latin typeface="Cambria Math" panose="02040503050406030204" pitchFamily="18" charset="0"/>
-                          </a:rPr>
-                          <m:t>𝑓</m:t>
-                        </m:r>
-                        <m:r>
-                          <a:rPr lang="en-US" altLang="zh-TW" b="0" i="1" smtClean="0">
-                            <a:latin typeface="Cambria Math" panose="02040503050406030204" pitchFamily="18" charset="0"/>
-                          </a:rPr>
-                          <m:t>,</m:t>
-                        </m:r>
-                        <m:sSub>
-                          <m:sSubPr>
-                            <m:ctrlPr>
-                              <a:rPr lang="en-US" altLang="zh-TW" i="1">
-                                <a:latin typeface="Cambria Math" panose="02040503050406030204" pitchFamily="18" charset="0"/>
-                                <a:ea typeface="Cambria Math" panose="02040503050406030204" pitchFamily="18" charset="0"/>
-                              </a:rPr>
-                            </m:ctrlPr>
-                          </m:sSubPr>
-                          <m:e>
-                            <m:d>
-                              <m:dPr>
-                                <m:begChr m:val="{"/>
-                                <m:endChr m:val="}"/>
-                                <m:ctrlPr>
-                                  <a:rPr lang="en-US" altLang="zh-TW" i="1">
-                                    <a:latin typeface="Cambria Math" panose="02040503050406030204" pitchFamily="18" charset="0"/>
-                                    <a:ea typeface="Cambria Math" panose="02040503050406030204" pitchFamily="18" charset="0"/>
-                                  </a:rPr>
-                                </m:ctrlPr>
-                              </m:dPr>
-                              <m:e>
-                                <m:sSub>
-                                  <m:sSubPr>
-                                    <m:ctrlPr>
-                                      <a:rPr lang="en-US" altLang="zh-TW" i="1">
-                                        <a:latin typeface="Cambria Math" panose="02040503050406030204" pitchFamily="18" charset="0"/>
-                                        <a:ea typeface="Cambria Math" panose="02040503050406030204" pitchFamily="18" charset="0"/>
-                                      </a:rPr>
-                                    </m:ctrlPr>
-                                  </m:sSubPr>
-                                  <m:e>
-                                    <m:r>
-                                      <a:rPr lang="en-US" altLang="zh-TW" b="0" i="1" smtClean="0">
-                                        <a:latin typeface="Cambria Math" panose="02040503050406030204" pitchFamily="18" charset="0"/>
-                                        <a:ea typeface="Cambria Math" panose="02040503050406030204" pitchFamily="18" charset="0"/>
-                                      </a:rPr>
-                                      <m:t>𝑐</m:t>
-                                    </m:r>
-                                  </m:e>
-                                  <m:sub>
-                                    <m:r>
-                                      <a:rPr lang="en-US" altLang="zh-TW" i="1">
-                                        <a:latin typeface="Cambria Math" panose="02040503050406030204" pitchFamily="18" charset="0"/>
-                                        <a:ea typeface="Cambria Math" panose="02040503050406030204" pitchFamily="18" charset="0"/>
-                                      </a:rPr>
-                                      <m:t>𝑖</m:t>
-                                    </m:r>
-                                  </m:sub>
-                                </m:sSub>
-                              </m:e>
-                            </m:d>
-                          </m:e>
-                          <m:sub>
-                            <m:r>
-                              <a:rPr lang="en-US" altLang="zh-TW" i="1">
-                                <a:latin typeface="Cambria Math" panose="02040503050406030204" pitchFamily="18" charset="0"/>
-                                <a:ea typeface="Cambria Math" panose="02040503050406030204" pitchFamily="18" charset="0"/>
-                              </a:rPr>
-                              <m:t>𝑖</m:t>
-                            </m:r>
-                            <m:r>
-                              <a:rPr lang="en-US" altLang="zh-TW" i="1">
-                                <a:latin typeface="Cambria Math" panose="02040503050406030204" pitchFamily="18" charset="0"/>
-                                <a:ea typeface="Cambria Math" panose="02040503050406030204" pitchFamily="18" charset="0"/>
-                              </a:rPr>
-                              <m:t>∈</m:t>
-                            </m:r>
-                            <m:d>
-                              <m:dPr>
-                                <m:begChr m:val="["/>
-                                <m:endChr m:val="]"/>
-                                <m:ctrlPr>
-                                  <a:rPr lang="en-US" altLang="zh-TW" i="1">
-                                    <a:latin typeface="Cambria Math" panose="02040503050406030204" pitchFamily="18" charset="0"/>
-                                    <a:ea typeface="Cambria Math" panose="02040503050406030204" pitchFamily="18" charset="0"/>
-                                  </a:rPr>
-                                </m:ctrlPr>
-                              </m:dPr>
-                              <m:e>
-                                <m:r>
-                                  <a:rPr lang="en-US" altLang="zh-TW" b="0" i="1" smtClean="0">
-                                    <a:latin typeface="Cambria Math" panose="02040503050406030204" pitchFamily="18" charset="0"/>
-                                    <a:ea typeface="Cambria Math" panose="02040503050406030204" pitchFamily="18" charset="0"/>
-                                  </a:rPr>
-                                  <m:t>𝑘</m:t>
-                                </m:r>
-                              </m:e>
-                            </m:d>
-                          </m:sub>
-                        </m:sSub>
-                      </m:e>
-                    </m:d>
-                    <m:r>
-                      <a:rPr lang="en-US" altLang="zh-TW" b="0" i="1" smtClean="0">
-                        <a:latin typeface="Cambria Math" panose="02040503050406030204" pitchFamily="18" charset="0"/>
-                      </a:rPr>
-                      <m:t>→</m:t>
-                    </m:r>
-                    <m:sSup>
-                      <m:sSupPr>
-                        <m:ctrlPr>
-                          <a:rPr lang="en-US" altLang="zh-TW" i="1">
-                            <a:latin typeface="Cambria Math" panose="02040503050406030204" pitchFamily="18" charset="0"/>
-                          </a:rPr>
-                        </m:ctrlPr>
-                      </m:sSupPr>
-                      <m:e>
-                        <m:r>
-                          <a:rPr lang="en-US" altLang="zh-TW" b="0" i="1" smtClean="0">
-                            <a:latin typeface="Cambria Math" panose="02040503050406030204" pitchFamily="18" charset="0"/>
-                          </a:rPr>
-                          <m:t>𝑐</m:t>
-                        </m:r>
-                      </m:e>
-                      <m:sup>
-                        <m:r>
-                          <a:rPr lang="en-US" altLang="zh-TW" b="0" i="1" smtClean="0">
-                            <a:latin typeface="Cambria Math" panose="02040503050406030204" pitchFamily="18" charset="0"/>
-                          </a:rPr>
-                          <m:t>∗</m:t>
-                        </m:r>
-                      </m:sup>
-                    </m:sSup>
-                  </m:oMath>
-                </a14:m>
-                <a:endParaRPr lang="en-US" altLang="zh-TW" dirty="0"/>
-              </a:p>
-              <a:p>
-                <a14:m>
-                  <m:oMath xmlns:m="http://schemas.openxmlformats.org/officeDocument/2006/math">
-                    <m:r>
-                      <a:rPr lang="en-US" altLang="zh-TW" b="0" i="1" smtClean="0">
-                        <a:latin typeface="Cambria Math" panose="02040503050406030204" pitchFamily="18" charset="0"/>
-                      </a:rPr>
-                      <m:t>𝑇𝐻𝐸</m:t>
-                    </m:r>
-                    <m:r>
-                      <a:rPr lang="en-US" altLang="zh-TW" b="0" i="1" smtClean="0">
-                        <a:latin typeface="Cambria Math" panose="02040503050406030204" pitchFamily="18" charset="0"/>
-                      </a:rPr>
-                      <m:t>.</m:t>
-                    </m:r>
-                    <m:r>
-                      <a:rPr lang="en-US" altLang="zh-TW" b="0" i="1" smtClean="0">
-                        <a:latin typeface="Cambria Math" panose="02040503050406030204" pitchFamily="18" charset="0"/>
-                      </a:rPr>
-                      <m:t>𝐷𝑒𝑐</m:t>
-                    </m:r>
-                    <m:d>
-                      <m:dPr>
-                        <m:ctrlPr>
-                          <a:rPr lang="en-US" altLang="zh-TW" b="0" i="1" smtClean="0">
-                            <a:latin typeface="Cambria Math" panose="02040503050406030204" pitchFamily="18" charset="0"/>
-                          </a:rPr>
-                        </m:ctrlPr>
-                      </m:dPr>
-                      <m:e>
-                        <m:sSub>
-                          <m:sSubPr>
-                            <m:ctrlPr>
-                              <a:rPr lang="en-US" altLang="zh-TW" i="1" smtClean="0">
-                                <a:solidFill>
-                                  <a:srgbClr val="FF0000"/>
-                                </a:solidFill>
-                                <a:latin typeface="Cambria Math" panose="02040503050406030204" pitchFamily="18" charset="0"/>
-                                <a:ea typeface="Cambria Math" panose="02040503050406030204" pitchFamily="18" charset="0"/>
-                              </a:rPr>
-                            </m:ctrlPr>
-                          </m:sSubPr>
-                          <m:e>
-                            <m:d>
-                              <m:dPr>
-                                <m:begChr m:val="{"/>
-                                <m:endChr m:val="}"/>
-                                <m:ctrlPr>
-                                  <a:rPr lang="en-US" altLang="zh-TW" i="1">
-                                    <a:solidFill>
-                                      <a:srgbClr val="FF0000"/>
-                                    </a:solidFill>
-                                    <a:latin typeface="Cambria Math" panose="02040503050406030204" pitchFamily="18" charset="0"/>
-                                    <a:ea typeface="Cambria Math" panose="02040503050406030204" pitchFamily="18" charset="0"/>
-                                  </a:rPr>
-                                </m:ctrlPr>
-                              </m:dPr>
-                              <m:e>
-                                <m:sSub>
-                                  <m:sSubPr>
-                                    <m:ctrlPr>
-                                      <a:rPr lang="en-US" altLang="zh-TW" i="1">
-                                        <a:solidFill>
-                                          <a:srgbClr val="FF0000"/>
-                                        </a:solidFill>
-                                        <a:latin typeface="Cambria Math" panose="02040503050406030204" pitchFamily="18" charset="0"/>
-                                        <a:ea typeface="Cambria Math" panose="02040503050406030204" pitchFamily="18" charset="0"/>
-                                      </a:rPr>
-                                    </m:ctrlPr>
-                                  </m:sSubPr>
-                                  <m:e>
-                                    <m:r>
-                                      <a:rPr lang="en-US" altLang="zh-TW" i="1">
-                                        <a:solidFill>
-                                          <a:srgbClr val="FF0000"/>
-                                        </a:solidFill>
-                                        <a:latin typeface="Cambria Math" panose="02040503050406030204" pitchFamily="18" charset="0"/>
-                                        <a:ea typeface="Cambria Math" panose="02040503050406030204" pitchFamily="18" charset="0"/>
-                                      </a:rPr>
-                                      <m:t>𝑠𝑘</m:t>
-                                    </m:r>
-                                  </m:e>
-                                  <m:sub>
-                                    <m:r>
-                                      <a:rPr lang="en-US" altLang="zh-TW" i="1">
-                                        <a:solidFill>
-                                          <a:srgbClr val="FF0000"/>
-                                        </a:solidFill>
-                                        <a:latin typeface="Cambria Math" panose="02040503050406030204" pitchFamily="18" charset="0"/>
-                                        <a:ea typeface="Cambria Math" panose="02040503050406030204" pitchFamily="18" charset="0"/>
-                                      </a:rPr>
-                                      <m:t>𝑖</m:t>
-                                    </m:r>
-                                  </m:sub>
-                                </m:sSub>
-                              </m:e>
-                            </m:d>
-                          </m:e>
-                          <m:sub>
-                            <m:r>
-                              <a:rPr lang="en-US" altLang="zh-TW" i="1">
-                                <a:solidFill>
-                                  <a:srgbClr val="FF0000"/>
-                                </a:solidFill>
-                                <a:latin typeface="Cambria Math" panose="02040503050406030204" pitchFamily="18" charset="0"/>
-                                <a:ea typeface="Cambria Math" panose="02040503050406030204" pitchFamily="18" charset="0"/>
-                              </a:rPr>
-                              <m:t>𝑖</m:t>
-                            </m:r>
-                            <m:r>
-                              <a:rPr lang="en-US" altLang="zh-TW" i="1">
-                                <a:solidFill>
-                                  <a:srgbClr val="FF0000"/>
-                                </a:solidFill>
-                                <a:latin typeface="Cambria Math" panose="02040503050406030204" pitchFamily="18" charset="0"/>
-                                <a:ea typeface="Cambria Math" panose="02040503050406030204" pitchFamily="18" charset="0"/>
-                              </a:rPr>
-                              <m:t>∈</m:t>
-                            </m:r>
-                            <m:d>
-                              <m:dPr>
-                                <m:begChr m:val="["/>
-                                <m:endChr m:val="]"/>
-                                <m:ctrlPr>
-                                  <a:rPr lang="en-US" altLang="zh-TW" i="1">
-                                    <a:solidFill>
-                                      <a:srgbClr val="FF0000"/>
-                                    </a:solidFill>
-                                    <a:latin typeface="Cambria Math" panose="02040503050406030204" pitchFamily="18" charset="0"/>
-                                    <a:ea typeface="Cambria Math" panose="02040503050406030204" pitchFamily="18" charset="0"/>
-                                  </a:rPr>
-                                </m:ctrlPr>
-                              </m:dPr>
-                              <m:e>
-                                <m:r>
-                                  <a:rPr lang="en-US" altLang="zh-TW" b="0" i="1" smtClean="0">
-                                    <a:solidFill>
-                                      <a:srgbClr val="FF0000"/>
-                                    </a:solidFill>
-                                    <a:latin typeface="Cambria Math" panose="02040503050406030204" pitchFamily="18" charset="0"/>
-                                    <a:ea typeface="Cambria Math" panose="02040503050406030204" pitchFamily="18" charset="0"/>
-                                  </a:rPr>
-                                  <m:t>𝐼</m:t>
-                                </m:r>
-                              </m:e>
-                            </m:d>
-                          </m:sub>
-                        </m:sSub>
-                        <m:r>
-                          <a:rPr lang="en-US" altLang="zh-TW" b="0" i="1" smtClean="0">
-                            <a:latin typeface="Cambria Math" panose="02040503050406030204" pitchFamily="18" charset="0"/>
-                            <a:ea typeface="Cambria Math" panose="02040503050406030204" pitchFamily="18" charset="0"/>
-                          </a:rPr>
-                          <m:t>, </m:t>
-                        </m:r>
-                        <m:r>
-                          <a:rPr lang="en-US" altLang="zh-TW" b="0" i="1" smtClean="0">
-                            <a:latin typeface="Cambria Math" panose="02040503050406030204" pitchFamily="18" charset="0"/>
-                            <a:ea typeface="Cambria Math" panose="02040503050406030204" pitchFamily="18" charset="0"/>
-                          </a:rPr>
-                          <m:t>𝑐</m:t>
-                        </m:r>
-                      </m:e>
-                    </m:d>
-                    <m:r>
-                      <a:rPr lang="en-US" altLang="zh-TW" i="1">
-                        <a:latin typeface="Cambria Math" panose="02040503050406030204" pitchFamily="18" charset="0"/>
-                        <a:ea typeface="Cambria Math" panose="02040503050406030204" pitchFamily="18" charset="0"/>
-                      </a:rPr>
-                      <m:t>→</m:t>
-                    </m:r>
-                    <m:r>
-                      <a:rPr lang="en-US" altLang="zh-TW" b="0" i="1" smtClean="0">
-                        <a:latin typeface="Cambria Math" panose="02040503050406030204" pitchFamily="18" charset="0"/>
-                        <a:ea typeface="Cambria Math" panose="02040503050406030204" pitchFamily="18" charset="0"/>
-                      </a:rPr>
-                      <m:t>𝑚</m:t>
-                    </m:r>
-                  </m:oMath>
-                </a14:m>
-                <a:endParaRPr lang="en-US" altLang="zh-TW" dirty="0"/>
-              </a:p>
-              <a:p>
-                <a14:m>
-                  <m:oMath xmlns:m="http://schemas.openxmlformats.org/officeDocument/2006/math">
-                    <m:r>
-                      <a:rPr lang="en-US" altLang="zh-TW" b="0" i="1" smtClean="0">
-                        <a:solidFill>
-                          <a:srgbClr val="FF0000"/>
-                        </a:solidFill>
-                        <a:latin typeface="Cambria Math" panose="02040503050406030204" pitchFamily="18" charset="0"/>
-                        <a:ea typeface="Cambria Math" panose="02040503050406030204" pitchFamily="18" charset="0"/>
-                      </a:rPr>
-                      <m:t>𝐼</m:t>
-                    </m:r>
-                    <m:r>
-                      <a:rPr lang="en-US" altLang="zh-TW" b="0" i="1" smtClean="0">
-                        <a:solidFill>
-                          <a:srgbClr val="FF0000"/>
-                        </a:solidFill>
-                        <a:latin typeface="Cambria Math" panose="02040503050406030204" pitchFamily="18" charset="0"/>
-                        <a:ea typeface="Cambria Math" panose="02040503050406030204" pitchFamily="18" charset="0"/>
-                      </a:rPr>
-                      <m:t>⊆</m:t>
-                    </m:r>
-                    <m:d>
-                      <m:dPr>
-                        <m:begChr m:val="["/>
-                        <m:endChr m:val="]"/>
-                        <m:ctrlPr>
-                          <a:rPr lang="en-US" altLang="zh-TW" b="0" i="1" smtClean="0">
-                            <a:solidFill>
-                              <a:srgbClr val="FF0000"/>
-                            </a:solidFill>
-                            <a:latin typeface="Cambria Math" panose="02040503050406030204" pitchFamily="18" charset="0"/>
-                            <a:ea typeface="Cambria Math" panose="02040503050406030204" pitchFamily="18" charset="0"/>
-                          </a:rPr>
-                        </m:ctrlPr>
-                      </m:dPr>
-                      <m:e>
-                        <m:r>
-                          <a:rPr lang="en-US" altLang="zh-TW" b="0" i="1" smtClean="0">
-                            <a:solidFill>
-                              <a:srgbClr val="FF0000"/>
-                            </a:solidFill>
-                            <a:latin typeface="Cambria Math" panose="02040503050406030204" pitchFamily="18" charset="0"/>
-                            <a:ea typeface="Cambria Math" panose="02040503050406030204" pitchFamily="18" charset="0"/>
-                          </a:rPr>
-                          <m:t>𝑛</m:t>
-                        </m:r>
-                      </m:e>
-                    </m:d>
-                    <m:r>
-                      <a:rPr lang="en-US" altLang="zh-TW" b="0" i="1" smtClean="0">
-                        <a:solidFill>
-                          <a:srgbClr val="FF0000"/>
-                        </a:solidFill>
-                        <a:latin typeface="Cambria Math" panose="02040503050406030204" pitchFamily="18" charset="0"/>
-                        <a:ea typeface="Cambria Math" panose="02040503050406030204" pitchFamily="18" charset="0"/>
-                      </a:rPr>
-                      <m:t> </m:t>
-                    </m:r>
-                    <m:r>
-                      <a:rPr lang="en-US" altLang="zh-TW" b="0" i="1" smtClean="0">
-                        <a:solidFill>
-                          <a:srgbClr val="FF0000"/>
-                        </a:solidFill>
-                        <a:latin typeface="Cambria Math" panose="02040503050406030204" pitchFamily="18" charset="0"/>
-                        <a:ea typeface="Cambria Math" panose="02040503050406030204" pitchFamily="18" charset="0"/>
-                      </a:rPr>
-                      <m:t>𝑤𝑖𝑡h</m:t>
-                    </m:r>
-                    <m:r>
-                      <a:rPr lang="en-US" altLang="zh-TW" b="0" i="1" smtClean="0">
-                        <a:solidFill>
-                          <a:srgbClr val="FF0000"/>
-                        </a:solidFill>
-                        <a:latin typeface="Cambria Math" panose="02040503050406030204" pitchFamily="18" charset="0"/>
-                        <a:ea typeface="Cambria Math" panose="02040503050406030204" pitchFamily="18" charset="0"/>
-                      </a:rPr>
-                      <m:t> |</m:t>
-                    </m:r>
-                    <m:r>
-                      <a:rPr lang="en-US" altLang="zh-TW" b="0" i="1" smtClean="0">
-                        <a:solidFill>
-                          <a:srgbClr val="FF0000"/>
-                        </a:solidFill>
-                        <a:latin typeface="Cambria Math" panose="02040503050406030204" pitchFamily="18" charset="0"/>
-                        <a:ea typeface="Cambria Math" panose="02040503050406030204" pitchFamily="18" charset="0"/>
-                      </a:rPr>
-                      <m:t>𝐼</m:t>
-                    </m:r>
-                    <m:r>
-                      <a:rPr lang="en-US" altLang="zh-TW" b="0" i="1" smtClean="0">
-                        <a:solidFill>
-                          <a:srgbClr val="FF0000"/>
-                        </a:solidFill>
-                        <a:latin typeface="Cambria Math" panose="02040503050406030204" pitchFamily="18" charset="0"/>
-                        <a:ea typeface="Cambria Math" panose="02040503050406030204" pitchFamily="18" charset="0"/>
-                      </a:rPr>
-                      <m:t>|≥</m:t>
-                    </m:r>
-                    <m:r>
-                      <a:rPr lang="en-US" altLang="zh-TW" b="0" i="1" smtClean="0">
-                        <a:solidFill>
-                          <a:srgbClr val="FF0000"/>
-                        </a:solidFill>
-                        <a:latin typeface="Cambria Math" panose="02040503050406030204" pitchFamily="18" charset="0"/>
-                        <a:ea typeface="Cambria Math" panose="02040503050406030204" pitchFamily="18" charset="0"/>
-                      </a:rPr>
-                      <m:t>𝑡</m:t>
-                    </m:r>
-                  </m:oMath>
-                </a14:m>
-                <a:endParaRPr lang="zh-TW" altLang="en-US" dirty="0">
-                  <a:solidFill>
-                    <a:srgbClr val="FF0000"/>
-                  </a:solidFill>
-                </a:endParaRPr>
-              </a:p>
-            </p:txBody>
-          </p:sp>
-        </mc:Choice>
-        <mc:Fallback xmlns="">
-          <p:sp>
-            <p:nvSpPr>
-              <p:cNvPr id="3" name="內容版面配置區 2">
-                <a:extLst>
-                  <a:ext uri="{FF2B5EF4-FFF2-40B4-BE49-F238E27FC236}">
-                    <a16:creationId xmlns:a16="http://schemas.microsoft.com/office/drawing/2014/main" id="{ED057CDE-A7D2-488C-B202-62195625D16B}"/>
-                  </a:ext>
-                </a:extLst>
-              </p:cNvPr>
-              <p:cNvSpPr>
-                <a:spLocks noGrp="1" noRot="1" noChangeAspect="1" noMove="1" noResize="1" noEditPoints="1" noAdjustHandles="1" noChangeArrowheads="1" noChangeShapeType="1" noTextEdit="1"/>
-              </p:cNvSpPr>
-              <p:nvPr>
-                <p:ph idx="1"/>
-              </p:nvPr>
-            </p:nvSpPr>
-            <p:spPr>
-              <a:xfrm>
-                <a:off x="838200" y="1690688"/>
-                <a:ext cx="10515600" cy="5030787"/>
-              </a:xfrm>
-              <a:blipFill>
-                <a:blip r:embed="rId3"/>
-                <a:stretch>
-                  <a:fillRect/>
-                </a:stretch>
-              </a:blipFill>
-            </p:spPr>
-            <p:txBody>
-              <a:bodyPr/>
-              <a:lstStyle/>
-              <a:p>
-                <a:r>
-                  <a:rPr lang="zh-TW" altLang="en-US">
-                    <a:noFill/>
-                  </a:rPr>
-                  <a:t> </a:t>
-                </a:r>
-              </a:p>
-            </p:txBody>
-          </p:sp>
-        </mc:Fallback>
-      </mc:AlternateContent>
-      <p:sp>
-        <p:nvSpPr>
-          <p:cNvPr id="4" name="投影片編號版面配置區 3">
-            <a:extLst>
-              <a:ext uri="{FF2B5EF4-FFF2-40B4-BE49-F238E27FC236}">
-                <a16:creationId xmlns:a16="http://schemas.microsoft.com/office/drawing/2014/main" id="{046C72EB-A137-4F5A-95C1-38B65711771F}"/>
-              </a:ext>
-            </a:extLst>
-          </p:cNvPr>
-          <p:cNvSpPr>
-            <a:spLocks noGrp="1"/>
-          </p:cNvSpPr>
-          <p:nvPr>
-            <p:ph type="sldNum" sz="quarter" idx="12"/>
-          </p:nvPr>
-        </p:nvSpPr>
-        <p:spPr/>
-        <p:txBody>
-          <a:bodyPr/>
-          <a:lstStyle/>
-          <a:p>
-            <a:fld id="{D2B5BE26-702C-4921-81E7-8AF275EDA2CC}" type="slidenum">
-              <a:rPr lang="zh-TW" altLang="en-US" smtClean="0"/>
-              <a:pPr/>
-              <a:t>10</a:t>
-            </a:fld>
-            <a:endParaRPr lang="zh-TW" altLang="en-US"/>
-          </a:p>
-        </p:txBody>
-      </p:sp>
-    </p:spTree>
-    <p:extLst>
-      <p:ext uri="{BB962C8B-B14F-4D97-AF65-F5344CB8AC3E}">
-        <p14:creationId xmlns:p14="http://schemas.microsoft.com/office/powerpoint/2010/main" val="3278996623"/>
-      </p:ext>
-    </p:extLst>
-  </p:cSld>
-  <p:clrMapOvr>
-    <a:masterClrMapping/>
-  </p:clrMapOvr>
-  <mc:AlternateContent xmlns:mc="http://schemas.openxmlformats.org/markup-compatibility/2006" xmlns:p14="http://schemas.microsoft.com/office/powerpoint/2010/main">
-    <mc:Choice Requires="p14">
-      <p:transition spd="slow" p14:dur="2000">
-        <p:cut/>
-      </p:transition>
-    </mc:Choice>
-    <mc:Fallback xmlns="">
-      <p:transition spd="slow">
-        <p:cut/>
-      </p:transition>
-    </mc:Fallback>
-  </mc:AlternateContent>
-</p:sld>
-</file>
-
-<file path=ppt/slides/slide11.xml><?xml version="1.0" encoding="utf-8"?>
 <p:sld xmlns:a="http://schemas.openxmlformats.org/drawingml/2006/main" xmlns:r="http://schemas.openxmlformats.org/officeDocument/2006/relationships" xmlns:p="http://schemas.openxmlformats.org/presentationml/2006/main">
   <p:cSld>
     <p:spTree>
@@ -13154,7 +11280,7 @@
             <a:fld id="{D2B5BE26-702C-4921-81E7-8AF275EDA2CC}" type="slidenum">
               <a:rPr lang="zh-TW" altLang="en-US" smtClean="0"/>
               <a:pPr/>
-              <a:t>11</a:t>
+              <a:t>10</a:t>
             </a:fld>
             <a:endParaRPr lang="zh-TW" altLang="en-US"/>
           </a:p>
@@ -13308,13 +11434,13 @@
   <p:clrMapOvr>
     <a:masterClrMapping/>
   </p:clrMapOvr>
-  <mc:AlternateContent xmlns:mc="http://schemas.openxmlformats.org/markup-compatibility/2006" xmlns:p14="http://schemas.microsoft.com/office/powerpoint/2010/main">
-    <mc:Choice Requires="p14">
+  <mc:AlternateContent xmlns:mc="http://schemas.openxmlformats.org/markup-compatibility/2006">
+    <mc:Choice xmlns:p14="http://schemas.microsoft.com/office/powerpoint/2010/main" Requires="p14">
       <p:transition spd="slow" p14:dur="2000">
         <p:cut/>
       </p:transition>
     </mc:Choice>
-    <mc:Fallback xmlns="">
+    <mc:Fallback>
       <p:transition spd="slow">
         <p:cut/>
       </p:transition>
@@ -13323,7 +11449,7 @@
 </p:sld>
 </file>
 
-<file path=ppt/slides/slide12.xml><?xml version="1.0" encoding="utf-8"?>
+<file path=ppt/slides/slide11.xml><?xml version="1.0" encoding="utf-8"?>
 <p:sld xmlns:a="http://schemas.openxmlformats.org/drawingml/2006/main" xmlns:r="http://schemas.openxmlformats.org/officeDocument/2006/relationships" xmlns:p="http://schemas.openxmlformats.org/presentationml/2006/main">
   <p:cSld>
     <p:spTree>
@@ -13456,7 +11582,7 @@
             <a:fld id="{D2B5BE26-702C-4921-81E7-8AF275EDA2CC}" type="slidenum">
               <a:rPr lang="zh-TW" altLang="en-US" smtClean="0"/>
               <a:pPr/>
-              <a:t>12</a:t>
+              <a:t>11</a:t>
             </a:fld>
             <a:endParaRPr lang="zh-TW" altLang="en-US"/>
           </a:p>
@@ -13508,10 +11634,22 @@
   <p:clrMapOvr>
     <a:masterClrMapping/>
   </p:clrMapOvr>
+  <mc:AlternateContent xmlns:mc="http://schemas.openxmlformats.org/markup-compatibility/2006">
+    <mc:Choice xmlns:p14="http://schemas.microsoft.com/office/powerpoint/2010/main" Requires="p14">
+      <p:transition spd="slow" p14:dur="2000">
+        <p:cut/>
+      </p:transition>
+    </mc:Choice>
+    <mc:Fallback>
+      <p:transition spd="slow">
+        <p:cut/>
+      </p:transition>
+    </mc:Fallback>
+  </mc:AlternateContent>
 </p:sld>
 </file>
 
-<file path=ppt/slides/slide13.xml><?xml version="1.0" encoding="utf-8"?>
+<file path=ppt/slides/slide12.xml><?xml version="1.0" encoding="utf-8"?>
 <p:sld xmlns:a="http://schemas.openxmlformats.org/drawingml/2006/main" xmlns:r="http://schemas.openxmlformats.org/officeDocument/2006/relationships" xmlns:p="http://schemas.openxmlformats.org/presentationml/2006/main">
   <p:cSld>
     <p:spTree>
@@ -13621,7 +11759,7 @@
             <a:fld id="{D2B5BE26-702C-4921-81E7-8AF275EDA2CC}" type="slidenum">
               <a:rPr lang="zh-TW" altLang="en-US" smtClean="0"/>
               <a:pPr/>
-              <a:t>13</a:t>
+              <a:t>12</a:t>
             </a:fld>
             <a:endParaRPr lang="zh-TW" altLang="en-US"/>
           </a:p>
@@ -13743,10 +11881,22 @@
   <p:clrMapOvr>
     <a:masterClrMapping/>
   </p:clrMapOvr>
+  <mc:AlternateContent xmlns:mc="http://schemas.openxmlformats.org/markup-compatibility/2006">
+    <mc:Choice xmlns:p14="http://schemas.microsoft.com/office/powerpoint/2010/main" Requires="p14">
+      <p:transition spd="slow" p14:dur="2000">
+        <p:cut/>
+      </p:transition>
+    </mc:Choice>
+    <mc:Fallback>
+      <p:transition spd="slow">
+        <p:cut/>
+      </p:transition>
+    </mc:Fallback>
+  </mc:AlternateContent>
 </p:sld>
 </file>
 
-<file path=ppt/slides/slide14.xml><?xml version="1.0" encoding="utf-8"?>
+<file path=ppt/slides/slide13.xml><?xml version="1.0" encoding="utf-8"?>
 <p:sld xmlns:a="http://schemas.openxmlformats.org/drawingml/2006/main" xmlns:r="http://schemas.openxmlformats.org/officeDocument/2006/relationships" xmlns:p="http://schemas.openxmlformats.org/presentationml/2006/main">
   <p:cSld>
     <p:spTree>
@@ -13925,7 +12075,7 @@
             <a:fld id="{D2B5BE26-702C-4921-81E7-8AF275EDA2CC}" type="slidenum">
               <a:rPr lang="zh-TW" altLang="en-US" smtClean="0"/>
               <a:pPr/>
-              <a:t>14</a:t>
+              <a:t>13</a:t>
             </a:fld>
             <a:endParaRPr lang="zh-TW" altLang="en-US"/>
           </a:p>
@@ -13941,10 +12091,22 @@
   <p:clrMapOvr>
     <a:masterClrMapping/>
   </p:clrMapOvr>
+  <mc:AlternateContent xmlns:mc="http://schemas.openxmlformats.org/markup-compatibility/2006">
+    <mc:Choice xmlns:p14="http://schemas.microsoft.com/office/powerpoint/2010/main" Requires="p14">
+      <p:transition spd="slow" p14:dur="2000">
+        <p:cut/>
+      </p:transition>
+    </mc:Choice>
+    <mc:Fallback>
+      <p:transition spd="slow">
+        <p:cut/>
+      </p:transition>
+    </mc:Fallback>
+  </mc:AlternateContent>
 </p:sld>
 </file>
 
-<file path=ppt/slides/slide15.xml><?xml version="1.0" encoding="utf-8"?>
+<file path=ppt/slides/slide14.xml><?xml version="1.0" encoding="utf-8"?>
 <p:sld xmlns:a="http://schemas.openxmlformats.org/drawingml/2006/main" xmlns:r="http://schemas.openxmlformats.org/officeDocument/2006/relationships" xmlns:p="http://schemas.openxmlformats.org/presentationml/2006/main">
   <p:cSld>
     <p:spTree>
@@ -13985,7 +12147,7 @@
             <a:fld id="{D2B5BE26-702C-4921-81E7-8AF275EDA2CC}" type="slidenum">
               <a:rPr lang="zh-TW" altLang="en-US" smtClean="0"/>
               <a:pPr/>
-              <a:t>15</a:t>
+              <a:t>14</a:t>
             </a:fld>
             <a:endParaRPr lang="zh-TW" altLang="en-US"/>
           </a:p>
@@ -14139,10 +12301,22 @@
   <p:clrMapOvr>
     <a:masterClrMapping/>
   </p:clrMapOvr>
+  <mc:AlternateContent xmlns:mc="http://schemas.openxmlformats.org/markup-compatibility/2006">
+    <mc:Choice xmlns:p14="http://schemas.microsoft.com/office/powerpoint/2010/main" Requires="p14">
+      <p:transition spd="slow" p14:dur="2000">
+        <p:cut/>
+      </p:transition>
+    </mc:Choice>
+    <mc:Fallback>
+      <p:transition spd="slow">
+        <p:cut/>
+      </p:transition>
+    </mc:Fallback>
+  </mc:AlternateContent>
 </p:sld>
 </file>
 
-<file path=ppt/slides/slide16.xml><?xml version="1.0" encoding="utf-8"?>
+<file path=ppt/slides/slide15.xml><?xml version="1.0" encoding="utf-8"?>
 <p:sld xmlns:a="http://schemas.openxmlformats.org/drawingml/2006/main" xmlns:r="http://schemas.openxmlformats.org/officeDocument/2006/relationships" xmlns:p="http://schemas.openxmlformats.org/presentationml/2006/main">
   <p:cSld>
     <p:spTree>
@@ -14249,7 +12423,7 @@
             <a:fld id="{D2B5BE26-702C-4921-81E7-8AF275EDA2CC}" type="slidenum">
               <a:rPr lang="zh-TW" altLang="en-US" smtClean="0"/>
               <a:pPr/>
-              <a:t>16</a:t>
+              <a:t>15</a:t>
             </a:fld>
             <a:endParaRPr lang="zh-TW" altLang="en-US"/>
           </a:p>
@@ -14265,10 +12439,22 @@
   <p:clrMapOvr>
     <a:masterClrMapping/>
   </p:clrMapOvr>
+  <mc:AlternateContent xmlns:mc="http://schemas.openxmlformats.org/markup-compatibility/2006">
+    <mc:Choice xmlns:p14="http://schemas.microsoft.com/office/powerpoint/2010/main" Requires="p14">
+      <p:transition spd="slow" p14:dur="2000">
+        <p:cut/>
+      </p:transition>
+    </mc:Choice>
+    <mc:Fallback>
+      <p:transition spd="slow">
+        <p:cut/>
+      </p:transition>
+    </mc:Fallback>
+  </mc:AlternateContent>
 </p:sld>
 </file>
 
-<file path=ppt/slides/slide17.xml><?xml version="1.0" encoding="utf-8"?>
+<file path=ppt/slides/slide16.xml><?xml version="1.0" encoding="utf-8"?>
 <p:sld xmlns:a="http://schemas.openxmlformats.org/drawingml/2006/main" xmlns:r="http://schemas.openxmlformats.org/officeDocument/2006/relationships" xmlns:p="http://schemas.openxmlformats.org/presentationml/2006/main">
   <p:cSld>
     <p:spTree>
@@ -14366,7 +12552,7 @@
                   <a:spcPts val="600"/>
                 </a:spcAft>
               </a:pPr>
-              <a:t>17</a:t>
+              <a:t>16</a:t>
             </a:fld>
             <a:endParaRPr lang="en-US" altLang="zh-TW">
               <a:latin typeface="+mn-lt"/>
@@ -14421,10 +12607,22 @@
   <p:clrMapOvr>
     <a:masterClrMapping/>
   </p:clrMapOvr>
+  <mc:AlternateContent xmlns:mc="http://schemas.openxmlformats.org/markup-compatibility/2006">
+    <mc:Choice xmlns:p14="http://schemas.microsoft.com/office/powerpoint/2010/main" Requires="p14">
+      <p:transition spd="slow" p14:dur="2000">
+        <p:cut/>
+      </p:transition>
+    </mc:Choice>
+    <mc:Fallback>
+      <p:transition spd="slow">
+        <p:cut/>
+      </p:transition>
+    </mc:Fallback>
+  </mc:AlternateContent>
 </p:sld>
 </file>
 
-<file path=ppt/slides/slide18.xml><?xml version="1.0" encoding="utf-8"?>
+<file path=ppt/slides/slide17.xml><?xml version="1.0" encoding="utf-8"?>
 <p:sld xmlns:a="http://schemas.openxmlformats.org/drawingml/2006/main" xmlns:r="http://schemas.openxmlformats.org/officeDocument/2006/relationships" xmlns:p="http://schemas.openxmlformats.org/presentationml/2006/main">
   <p:cSld>
     <p:spTree>
@@ -14616,7 +12814,7 @@
                 <a:tabLst/>
                 <a:defRPr/>
               </a:pPr>
-              <a:t>18</a:t>
+              <a:t>17</a:t>
             </a:fld>
             <a:endParaRPr kumimoji="0" lang="zh-TW" altLang="en-US" sz="1200" b="0" i="0" u="none" strike="noStrike" kern="1200" cap="none" spc="0" normalizeH="0" baseline="0" noProof="0">
               <a:ln>
@@ -14647,13 +12845,13 @@
   <p:clrMapOvr>
     <a:masterClrMapping/>
   </p:clrMapOvr>
-  <mc:AlternateContent xmlns:mc="http://schemas.openxmlformats.org/markup-compatibility/2006" xmlns:p14="http://schemas.microsoft.com/office/powerpoint/2010/main">
-    <mc:Choice Requires="p14">
+  <mc:AlternateContent xmlns:mc="http://schemas.openxmlformats.org/markup-compatibility/2006">
+    <mc:Choice xmlns:p14="http://schemas.microsoft.com/office/powerpoint/2010/main" Requires="p14">
       <p:transition spd="slow" p14:dur="2000">
         <p:cut/>
       </p:transition>
     </mc:Choice>
-    <mc:Fallback xmlns="">
+    <mc:Fallback>
       <p:transition spd="slow">
         <p:cut/>
       </p:transition>
@@ -14662,7 +12860,7 @@
 </p:sld>
 </file>
 
-<file path=ppt/slides/slide19.xml><?xml version="1.0" encoding="utf-8"?>
+<file path=ppt/slides/slide18.xml><?xml version="1.0" encoding="utf-8"?>
 <p:sld xmlns:a="http://schemas.openxmlformats.org/drawingml/2006/main" xmlns:r="http://schemas.openxmlformats.org/officeDocument/2006/relationships" xmlns:p="http://schemas.openxmlformats.org/presentationml/2006/main">
   <p:cSld>
     <p:spTree>
@@ -14751,7 +12949,7 @@
                 <a:tabLst/>
                 <a:defRPr/>
               </a:pPr>
-              <a:t>19</a:t>
+              <a:t>18</a:t>
             </a:fld>
             <a:endParaRPr kumimoji="0" lang="zh-TW" altLang="en-US" sz="1200" b="0" i="0" u="none" strike="noStrike" kern="1200" cap="none" spc="0" normalizeH="0" baseline="0" noProof="0">
               <a:ln>
@@ -15031,13 +13229,13 @@
   <p:clrMapOvr>
     <a:masterClrMapping/>
   </p:clrMapOvr>
-  <mc:AlternateContent xmlns:mc="http://schemas.openxmlformats.org/markup-compatibility/2006" xmlns:p14="http://schemas.microsoft.com/office/powerpoint/2010/main">
-    <mc:Choice Requires="p14">
+  <mc:AlternateContent xmlns:mc="http://schemas.openxmlformats.org/markup-compatibility/2006">
+    <mc:Choice xmlns:p14="http://schemas.microsoft.com/office/powerpoint/2010/main" Requires="p14">
       <p:transition spd="slow" p14:dur="2000">
         <p:cut/>
       </p:transition>
     </mc:Choice>
-    <mc:Fallback xmlns="">
+    <mc:Fallback>
       <p:transition spd="slow">
         <p:cut/>
       </p:transition>
@@ -15046,189 +13244,7 @@
 </p:sld>
 </file>
 
-<file path=ppt/slides/slide2.xml><?xml version="1.0" encoding="utf-8"?>
-<p:sld xmlns:a="http://schemas.openxmlformats.org/drawingml/2006/main" xmlns:r="http://schemas.openxmlformats.org/officeDocument/2006/relationships" xmlns:p="http://schemas.openxmlformats.org/presentationml/2006/main">
-  <p:cSld>
-    <p:spTree>
-      <p:nvGrpSpPr>
-        <p:cNvPr id="1" name=""/>
-        <p:cNvGrpSpPr/>
-        <p:nvPr/>
-      </p:nvGrpSpPr>
-      <p:grpSpPr>
-        <a:xfrm>
-          <a:off x="0" y="0"/>
-          <a:ext cx="0" cy="0"/>
-          <a:chOff x="0" y="0"/>
-          <a:chExt cx="0" cy="0"/>
-        </a:xfrm>
-      </p:grpSpPr>
-      <p:sp>
-        <p:nvSpPr>
-          <p:cNvPr id="2" name="標題 1">
-            <a:extLst>
-              <a:ext uri="{FF2B5EF4-FFF2-40B4-BE49-F238E27FC236}">
-                <a16:creationId xmlns:a16="http://schemas.microsoft.com/office/drawing/2014/main" id="{7B35CD98-A615-4B24-88AF-38F79E221895}"/>
-              </a:ext>
-            </a:extLst>
-          </p:cNvPr>
-          <p:cNvSpPr>
-            <a:spLocks noGrp="1"/>
-          </p:cNvSpPr>
-          <p:nvPr>
-            <p:ph type="title"/>
-          </p:nvPr>
-        </p:nvSpPr>
-        <p:spPr/>
-        <p:txBody>
-          <a:bodyPr/>
-          <a:lstStyle/>
-          <a:p>
-            <a:r>
-              <a:rPr lang="en-US" dirty="0"/>
-              <a:t>Outline</a:t>
-            </a:r>
-          </a:p>
-        </p:txBody>
-      </p:sp>
-      <p:sp>
-        <p:nvSpPr>
-          <p:cNvPr id="3" name="內容版面配置區 2">
-            <a:extLst>
-              <a:ext uri="{FF2B5EF4-FFF2-40B4-BE49-F238E27FC236}">
-                <a16:creationId xmlns:a16="http://schemas.microsoft.com/office/drawing/2014/main" id="{0444302D-5229-455C-A696-E5D629BF2707}"/>
-              </a:ext>
-            </a:extLst>
-          </p:cNvPr>
-          <p:cNvSpPr>
-            <a:spLocks noGrp="1"/>
-          </p:cNvSpPr>
-          <p:nvPr>
-            <p:ph idx="1"/>
-          </p:nvPr>
-        </p:nvSpPr>
-        <p:spPr>
-          <a:xfrm>
-            <a:off x="838200" y="1700214"/>
-            <a:ext cx="10515600" cy="5157786"/>
-          </a:xfrm>
-        </p:spPr>
-        <p:txBody>
-          <a:bodyPr>
-            <a:normAutofit/>
-          </a:bodyPr>
-          <a:lstStyle/>
-          <a:p>
-            <a:r>
-              <a:rPr lang="en-US" altLang="zh-TW" dirty="0"/>
-              <a:t>Background &amp; Motivation</a:t>
-            </a:r>
-          </a:p>
-          <a:p>
-            <a:r>
-              <a:rPr lang="en-US" altLang="zh-TW" dirty="0">
-                <a:latin typeface="Times New Roman" panose="02020603050405020304" pitchFamily="18" charset="0"/>
-                <a:ea typeface="標楷體" panose="03000509000000000000" pitchFamily="65" charset="-120"/>
-                <a:cs typeface="Times New Roman" panose="02020603050405020304" pitchFamily="18" charset="0"/>
-              </a:rPr>
-              <a:t>Proposed Methods</a:t>
-            </a:r>
-          </a:p>
-          <a:p>
-            <a:r>
-              <a:rPr lang="en-US" altLang="zh-TW" dirty="0">
-                <a:latin typeface="Times New Roman" panose="02020603050405020304" pitchFamily="18" charset="0"/>
-                <a:ea typeface="標楷體" panose="03000509000000000000" pitchFamily="65" charset="-120"/>
-                <a:cs typeface="Times New Roman" panose="02020603050405020304" pitchFamily="18" charset="0"/>
-              </a:rPr>
-              <a:t>Results and Comparisons</a:t>
-            </a:r>
-          </a:p>
-          <a:p>
-            <a:r>
-              <a:rPr lang="en-US" dirty="0">
-                <a:cs typeface="Times New Roman" panose="02020603050405020304" pitchFamily="18" charset="0"/>
-              </a:rPr>
-              <a:t>Analysis and Discussion</a:t>
-            </a:r>
-          </a:p>
-          <a:p>
-            <a:r>
-              <a:rPr lang="en-US" dirty="0">
-                <a:cs typeface="Times New Roman" panose="02020603050405020304" pitchFamily="18" charset="0"/>
-              </a:rPr>
-              <a:t>Conclusion</a:t>
-            </a:r>
-          </a:p>
-          <a:p>
-            <a:r>
-              <a:rPr lang="en-US" altLang="zh-TW" dirty="0">
-                <a:cs typeface="Times New Roman" panose="02020603050405020304" pitchFamily="18" charset="0"/>
-              </a:rPr>
-              <a:t>Implementation</a:t>
-            </a:r>
-            <a:endParaRPr lang="en-US" dirty="0">
-              <a:cs typeface="Times New Roman" panose="02020603050405020304" pitchFamily="18" charset="0"/>
-            </a:endParaRPr>
-          </a:p>
-        </p:txBody>
-      </p:sp>
-      <p:sp>
-        <p:nvSpPr>
-          <p:cNvPr id="4" name="投影片編號版面配置區 3">
-            <a:extLst>
-              <a:ext uri="{FF2B5EF4-FFF2-40B4-BE49-F238E27FC236}">
-                <a16:creationId xmlns:a16="http://schemas.microsoft.com/office/drawing/2014/main" id="{7B3ABF5D-82A9-418E-B360-E90F6FCB9A70}"/>
-              </a:ext>
-            </a:extLst>
-          </p:cNvPr>
-          <p:cNvSpPr>
-            <a:spLocks noGrp="1"/>
-          </p:cNvSpPr>
-          <p:nvPr>
-            <p:ph type="sldNum" sz="quarter" idx="12"/>
-          </p:nvPr>
-        </p:nvSpPr>
-        <p:spPr/>
-        <p:txBody>
-          <a:bodyPr/>
-          <a:lstStyle/>
-          <a:p>
-            <a:fld id="{D2B5BE26-702C-4921-81E7-8AF275EDA2CC}" type="slidenum">
-              <a:rPr lang="zh-TW" altLang="en-US" smtClean="0"/>
-              <a:pPr/>
-              <a:t>2</a:t>
-            </a:fld>
-            <a:endParaRPr lang="zh-TW" altLang="en-US"/>
-          </a:p>
-        </p:txBody>
-      </p:sp>
-    </p:spTree>
-    <p:extLst>
-      <p:ext uri="{BB962C8B-B14F-4D97-AF65-F5344CB8AC3E}">
-        <p14:creationId xmlns:p14="http://schemas.microsoft.com/office/powerpoint/2010/main" val="442194726"/>
-      </p:ext>
-    </p:extLst>
-  </p:cSld>
-  <p:clrMapOvr>
-    <a:masterClrMapping/>
-  </p:clrMapOvr>
-  <mc:AlternateContent xmlns:mc="http://schemas.openxmlformats.org/markup-compatibility/2006" xmlns:p14="http://schemas.microsoft.com/office/powerpoint/2010/main">
-    <mc:Choice Requires="p14">
-      <p:transition spd="slow" p14:dur="2000">
-        <p:cut/>
-      </p:transition>
-    </mc:Choice>
-    <mc:Fallback xmlns="">
-      <p:transition spd="slow">
-        <p:cut/>
-      </p:transition>
-    </mc:Fallback>
-  </mc:AlternateContent>
-</p:sld>
-</file>
-
-<file path=ppt/slides/slide20.xml><?xml version="1.0" encoding="utf-8"?>
+<file path=ppt/slides/slide19.xml><?xml version="1.0" encoding="utf-8"?>
 <p:sld xmlns:a="http://schemas.openxmlformats.org/drawingml/2006/main" xmlns:r="http://schemas.openxmlformats.org/officeDocument/2006/relationships" xmlns:p="http://schemas.openxmlformats.org/presentationml/2006/main">
   <p:cSld>
     <p:spTree>
@@ -15346,7 +13362,7 @@
                 <a:tabLst/>
                 <a:defRPr/>
               </a:pPr>
-              <a:t>20</a:t>
+              <a:t>19</a:t>
             </a:fld>
             <a:endParaRPr kumimoji="0" lang="zh-TW" altLang="en-US" sz="1200" b="0" i="0" u="none" strike="noStrike" kern="1200" cap="none" spc="0" normalizeH="0" baseline="0" noProof="0" dirty="0">
               <a:ln>
@@ -17434,13 +15450,13 @@
   <p:clrMapOvr>
     <a:masterClrMapping/>
   </p:clrMapOvr>
-  <mc:AlternateContent xmlns:mc="http://schemas.openxmlformats.org/markup-compatibility/2006" xmlns:p14="http://schemas.microsoft.com/office/powerpoint/2010/main">
-    <mc:Choice Requires="p14">
+  <mc:AlternateContent xmlns:mc="http://schemas.openxmlformats.org/markup-compatibility/2006">
+    <mc:Choice xmlns:p14="http://schemas.microsoft.com/office/powerpoint/2010/main" Requires="p14">
       <p:transition spd="slow" p14:dur="2000">
         <p:cut/>
       </p:transition>
     </mc:Choice>
-    <mc:Fallback xmlns="">
+    <mc:Fallback>
       <p:transition spd="slow">
         <p:cut/>
       </p:transition>
@@ -17449,7 +15465,189 @@
 </p:sld>
 </file>
 
-<file path=ppt/slides/slide21.xml><?xml version="1.0" encoding="utf-8"?>
+<file path=ppt/slides/slide2.xml><?xml version="1.0" encoding="utf-8"?>
+<p:sld xmlns:a="http://schemas.openxmlformats.org/drawingml/2006/main" xmlns:r="http://schemas.openxmlformats.org/officeDocument/2006/relationships" xmlns:p="http://schemas.openxmlformats.org/presentationml/2006/main">
+  <p:cSld>
+    <p:spTree>
+      <p:nvGrpSpPr>
+        <p:cNvPr id="1" name=""/>
+        <p:cNvGrpSpPr/>
+        <p:nvPr/>
+      </p:nvGrpSpPr>
+      <p:grpSpPr>
+        <a:xfrm>
+          <a:off x="0" y="0"/>
+          <a:ext cx="0" cy="0"/>
+          <a:chOff x="0" y="0"/>
+          <a:chExt cx="0" cy="0"/>
+        </a:xfrm>
+      </p:grpSpPr>
+      <p:sp>
+        <p:nvSpPr>
+          <p:cNvPr id="2" name="標題 1">
+            <a:extLst>
+              <a:ext uri="{FF2B5EF4-FFF2-40B4-BE49-F238E27FC236}">
+                <a16:creationId xmlns:a16="http://schemas.microsoft.com/office/drawing/2014/main" id="{7B35CD98-A615-4B24-88AF-38F79E221895}"/>
+              </a:ext>
+            </a:extLst>
+          </p:cNvPr>
+          <p:cNvSpPr>
+            <a:spLocks noGrp="1"/>
+          </p:cNvSpPr>
+          <p:nvPr>
+            <p:ph type="title"/>
+          </p:nvPr>
+        </p:nvSpPr>
+        <p:spPr/>
+        <p:txBody>
+          <a:bodyPr/>
+          <a:lstStyle/>
+          <a:p>
+            <a:r>
+              <a:rPr lang="en-US" dirty="0"/>
+              <a:t>Outline</a:t>
+            </a:r>
+          </a:p>
+        </p:txBody>
+      </p:sp>
+      <p:sp>
+        <p:nvSpPr>
+          <p:cNvPr id="3" name="內容版面配置區 2">
+            <a:extLst>
+              <a:ext uri="{FF2B5EF4-FFF2-40B4-BE49-F238E27FC236}">
+                <a16:creationId xmlns:a16="http://schemas.microsoft.com/office/drawing/2014/main" id="{0444302D-5229-455C-A696-E5D629BF2707}"/>
+              </a:ext>
+            </a:extLst>
+          </p:cNvPr>
+          <p:cNvSpPr>
+            <a:spLocks noGrp="1"/>
+          </p:cNvSpPr>
+          <p:nvPr>
+            <p:ph idx="1"/>
+          </p:nvPr>
+        </p:nvSpPr>
+        <p:spPr>
+          <a:xfrm>
+            <a:off x="838200" y="1700214"/>
+            <a:ext cx="10515600" cy="5157786"/>
+          </a:xfrm>
+        </p:spPr>
+        <p:txBody>
+          <a:bodyPr>
+            <a:normAutofit/>
+          </a:bodyPr>
+          <a:lstStyle/>
+          <a:p>
+            <a:r>
+              <a:rPr lang="en-US" altLang="zh-TW" dirty="0"/>
+              <a:t>Background &amp; Motivation</a:t>
+            </a:r>
+          </a:p>
+          <a:p>
+            <a:r>
+              <a:rPr lang="en-US" altLang="zh-TW" dirty="0">
+                <a:latin typeface="Times New Roman" panose="02020603050405020304" pitchFamily="18" charset="0"/>
+                <a:ea typeface="標楷體" panose="03000509000000000000" pitchFamily="65" charset="-120"/>
+                <a:cs typeface="Times New Roman" panose="02020603050405020304" pitchFamily="18" charset="0"/>
+              </a:rPr>
+              <a:t>Proposed Methods</a:t>
+            </a:r>
+          </a:p>
+          <a:p>
+            <a:r>
+              <a:rPr lang="en-US" altLang="zh-TW" dirty="0">
+                <a:latin typeface="Times New Roman" panose="02020603050405020304" pitchFamily="18" charset="0"/>
+                <a:ea typeface="標楷體" panose="03000509000000000000" pitchFamily="65" charset="-120"/>
+                <a:cs typeface="Times New Roman" panose="02020603050405020304" pitchFamily="18" charset="0"/>
+              </a:rPr>
+              <a:t>Results and Comparisons</a:t>
+            </a:r>
+          </a:p>
+          <a:p>
+            <a:r>
+              <a:rPr lang="en-US" dirty="0">
+                <a:cs typeface="Times New Roman" panose="02020603050405020304" pitchFamily="18" charset="0"/>
+              </a:rPr>
+              <a:t>Analysis and Discussion</a:t>
+            </a:r>
+          </a:p>
+          <a:p>
+            <a:r>
+              <a:rPr lang="en-US" dirty="0">
+                <a:cs typeface="Times New Roman" panose="02020603050405020304" pitchFamily="18" charset="0"/>
+              </a:rPr>
+              <a:t>Conclusion</a:t>
+            </a:r>
+          </a:p>
+          <a:p>
+            <a:r>
+              <a:rPr lang="en-US" altLang="zh-TW" dirty="0">
+                <a:cs typeface="Times New Roman" panose="02020603050405020304" pitchFamily="18" charset="0"/>
+              </a:rPr>
+              <a:t>Implementation</a:t>
+            </a:r>
+            <a:endParaRPr lang="en-US" dirty="0">
+              <a:cs typeface="Times New Roman" panose="02020603050405020304" pitchFamily="18" charset="0"/>
+            </a:endParaRPr>
+          </a:p>
+        </p:txBody>
+      </p:sp>
+      <p:sp>
+        <p:nvSpPr>
+          <p:cNvPr id="4" name="投影片編號版面配置區 3">
+            <a:extLst>
+              <a:ext uri="{FF2B5EF4-FFF2-40B4-BE49-F238E27FC236}">
+                <a16:creationId xmlns:a16="http://schemas.microsoft.com/office/drawing/2014/main" id="{7B3ABF5D-82A9-418E-B360-E90F6FCB9A70}"/>
+              </a:ext>
+            </a:extLst>
+          </p:cNvPr>
+          <p:cNvSpPr>
+            <a:spLocks noGrp="1"/>
+          </p:cNvSpPr>
+          <p:nvPr>
+            <p:ph type="sldNum" sz="quarter" idx="12"/>
+          </p:nvPr>
+        </p:nvSpPr>
+        <p:spPr/>
+        <p:txBody>
+          <a:bodyPr/>
+          <a:lstStyle/>
+          <a:p>
+            <a:fld id="{D2B5BE26-702C-4921-81E7-8AF275EDA2CC}" type="slidenum">
+              <a:rPr lang="zh-TW" altLang="en-US" smtClean="0"/>
+              <a:pPr/>
+              <a:t>2</a:t>
+            </a:fld>
+            <a:endParaRPr lang="zh-TW" altLang="en-US"/>
+          </a:p>
+        </p:txBody>
+      </p:sp>
+    </p:spTree>
+    <p:extLst>
+      <p:ext uri="{BB962C8B-B14F-4D97-AF65-F5344CB8AC3E}">
+        <p14:creationId xmlns:p14="http://schemas.microsoft.com/office/powerpoint/2010/main" val="442194726"/>
+      </p:ext>
+    </p:extLst>
+  </p:cSld>
+  <p:clrMapOvr>
+    <a:masterClrMapping/>
+  </p:clrMapOvr>
+  <mc:AlternateContent xmlns:mc="http://schemas.openxmlformats.org/markup-compatibility/2006">
+    <mc:Choice xmlns:p14="http://schemas.microsoft.com/office/powerpoint/2010/main" Requires="p14">
+      <p:transition spd="slow" p14:dur="2000">
+        <p:cut/>
+      </p:transition>
+    </mc:Choice>
+    <mc:Fallback>
+      <p:transition spd="slow">
+        <p:cut/>
+      </p:transition>
+    </mc:Fallback>
+  </mc:AlternateContent>
+</p:sld>
+</file>
+
+<file path=ppt/slides/slide20.xml><?xml version="1.0" encoding="utf-8"?>
 <p:sld xmlns:a="http://schemas.openxmlformats.org/drawingml/2006/main" xmlns:r="http://schemas.openxmlformats.org/officeDocument/2006/relationships" xmlns:p="http://schemas.openxmlformats.org/presentationml/2006/main">
   <p:cSld>
     <p:spTree>
@@ -19135,7 +17333,7 @@
                 <a:tabLst/>
                 <a:defRPr/>
               </a:pPr>
-              <a:t>21</a:t>
+              <a:t>20</a:t>
             </a:fld>
             <a:endParaRPr kumimoji="0" lang="zh-TW" altLang="en-US" sz="1200" b="0" i="0" u="none" strike="noStrike" kern="1200" cap="none" spc="0" normalizeH="0" baseline="0" noProof="0" dirty="0">
               <a:ln>
@@ -19166,13 +17364,13 @@
   <p:clrMapOvr>
     <a:masterClrMapping/>
   </p:clrMapOvr>
-  <mc:AlternateContent xmlns:mc="http://schemas.openxmlformats.org/markup-compatibility/2006" xmlns:p14="http://schemas.microsoft.com/office/powerpoint/2010/main">
-    <mc:Choice Requires="p14">
+  <mc:AlternateContent xmlns:mc="http://schemas.openxmlformats.org/markup-compatibility/2006">
+    <mc:Choice xmlns:p14="http://schemas.microsoft.com/office/powerpoint/2010/main" Requires="p14">
       <p:transition spd="slow" p14:dur="2000">
         <p:cut/>
       </p:transition>
     </mc:Choice>
-    <mc:Fallback xmlns="">
+    <mc:Fallback>
       <p:transition spd="slow">
         <p:cut/>
       </p:transition>
@@ -19181,7 +17379,7 @@
 </p:sld>
 </file>
 
-<file path=ppt/slides/slide22.xml><?xml version="1.0" encoding="utf-8"?>
+<file path=ppt/slides/slide21.xml><?xml version="1.0" encoding="utf-8"?>
 <p:sld xmlns:a="http://schemas.openxmlformats.org/drawingml/2006/main" xmlns:r="http://schemas.openxmlformats.org/officeDocument/2006/relationships" xmlns:p="http://schemas.openxmlformats.org/presentationml/2006/main">
   <p:cSld>
     <p:spTree>
@@ -19520,7 +17718,7 @@
                 <a:tabLst/>
                 <a:defRPr/>
               </a:pPr>
-              <a:t>22</a:t>
+              <a:t>21</a:t>
             </a:fld>
             <a:endParaRPr kumimoji="0" lang="zh-TW" altLang="en-US" sz="1200" b="0" i="0" u="none" strike="noStrike" kern="1200" cap="none" spc="0" normalizeH="0" baseline="0" noProof="0">
               <a:ln>
@@ -19665,13 +17863,13 @@
   <p:clrMapOvr>
     <a:masterClrMapping/>
   </p:clrMapOvr>
-  <mc:AlternateContent xmlns:mc="http://schemas.openxmlformats.org/markup-compatibility/2006" xmlns:p14="http://schemas.microsoft.com/office/powerpoint/2010/main">
-    <mc:Choice Requires="p14">
+  <mc:AlternateContent xmlns:mc="http://schemas.openxmlformats.org/markup-compatibility/2006">
+    <mc:Choice xmlns:p14="http://schemas.microsoft.com/office/powerpoint/2010/main" Requires="p14">
       <p:transition spd="slow" p14:dur="2000">
         <p:cut/>
       </p:transition>
     </mc:Choice>
-    <mc:Fallback xmlns="">
+    <mc:Fallback>
       <p:transition spd="slow">
         <p:cut/>
       </p:transition>
@@ -19680,7 +17878,7 @@
 </p:sld>
 </file>
 
-<file path=ppt/slides/slide23.xml><?xml version="1.0" encoding="utf-8"?>
+<file path=ppt/slides/slide22.xml><?xml version="1.0" encoding="utf-8"?>
 <p:sld xmlns:a="http://schemas.openxmlformats.org/drawingml/2006/main" xmlns:r="http://schemas.openxmlformats.org/officeDocument/2006/relationships" xmlns:p="http://schemas.openxmlformats.org/presentationml/2006/main">
   <p:cSld>
     <p:spTree>
@@ -19821,7 +18019,7 @@
             <a:fld id="{D2B5BE26-702C-4921-81E7-8AF275EDA2CC}" type="slidenum">
               <a:rPr lang="zh-TW" altLang="en-US" smtClean="0"/>
               <a:pPr/>
-              <a:t>23</a:t>
+              <a:t>22</a:t>
             </a:fld>
             <a:endParaRPr lang="zh-TW" altLang="en-US"/>
           </a:p>
@@ -19837,13 +18035,13 @@
   <p:clrMapOvr>
     <a:masterClrMapping/>
   </p:clrMapOvr>
-  <mc:AlternateContent xmlns:mc="http://schemas.openxmlformats.org/markup-compatibility/2006" xmlns:p14="http://schemas.microsoft.com/office/powerpoint/2010/main">
-    <mc:Choice Requires="p14">
+  <mc:AlternateContent xmlns:mc="http://schemas.openxmlformats.org/markup-compatibility/2006">
+    <mc:Choice xmlns:p14="http://schemas.microsoft.com/office/powerpoint/2010/main" Requires="p14">
       <p:transition spd="slow" p14:dur="2000">
         <p:cut/>
       </p:transition>
     </mc:Choice>
-    <mc:Fallback xmlns="">
+    <mc:Fallback>
       <p:transition spd="slow">
         <p:cut/>
       </p:transition>
@@ -19852,7 +18050,7 @@
 </p:sld>
 </file>
 
-<file path=ppt/slides/slide24.xml><?xml version="1.0" encoding="utf-8"?>
+<file path=ppt/slides/slide23.xml><?xml version="1.0" encoding="utf-8"?>
 <p:sld xmlns:a="http://schemas.openxmlformats.org/drawingml/2006/main" xmlns:r="http://schemas.openxmlformats.org/officeDocument/2006/relationships" xmlns:p="http://schemas.openxmlformats.org/presentationml/2006/main">
   <p:cSld>
     <p:spTree>
@@ -19938,7 +18136,7 @@
                 <a:ea typeface="標楷體" panose="03000509000000000000" pitchFamily="65" charset="-120"/>
                 <a:cs typeface="Times New Roman" panose="02020603050405020304" pitchFamily="18" charset="0"/>
               </a:rPr>
-              <a:t>24</a:t>
+              <a:t>23</a:t>
             </a:fld>
             <a:endParaRPr lang="zh-TW" altLang="en-US">
               <a:latin typeface="Times New Roman" panose="02020603050405020304" pitchFamily="18" charset="0"/>
@@ -20875,13 +19073,13 @@
   <p:clrMapOvr>
     <a:masterClrMapping/>
   </p:clrMapOvr>
-  <mc:AlternateContent xmlns:mc="http://schemas.openxmlformats.org/markup-compatibility/2006" xmlns:p14="http://schemas.microsoft.com/office/powerpoint/2010/main">
-    <mc:Choice Requires="p14">
+  <mc:AlternateContent xmlns:mc="http://schemas.openxmlformats.org/markup-compatibility/2006">
+    <mc:Choice xmlns:p14="http://schemas.microsoft.com/office/powerpoint/2010/main" Requires="p14">
       <p:transition spd="slow" p14:dur="2000">
         <p:cut/>
       </p:transition>
     </mc:Choice>
-    <mc:Fallback xmlns="">
+    <mc:Fallback>
       <p:transition spd="slow">
         <p:cut/>
       </p:transition>
@@ -20890,7 +19088,7 @@
 </p:sld>
 </file>
 
-<file path=ppt/slides/slide25.xml><?xml version="1.0" encoding="utf-8"?>
+<file path=ppt/slides/slide24.xml><?xml version="1.0" encoding="utf-8"?>
 <p:sld xmlns:a="http://schemas.openxmlformats.org/drawingml/2006/main" xmlns:r="http://schemas.openxmlformats.org/officeDocument/2006/relationships" xmlns:p="http://schemas.openxmlformats.org/presentationml/2006/main">
   <p:cSld>
     <p:spTree>
@@ -21010,7 +19208,7 @@
                 <a:ea typeface="標楷體" panose="03000509000000000000" pitchFamily="65" charset="-120"/>
                 <a:cs typeface="Times New Roman" panose="02020603050405020304" pitchFamily="18" charset="0"/>
               </a:rPr>
-              <a:t>25</a:t>
+              <a:t>24</a:t>
             </a:fld>
             <a:endParaRPr lang="zh-TW" altLang="en-US">
               <a:latin typeface="Times New Roman" panose="02020603050405020304" pitchFamily="18" charset="0"/>
@@ -24147,13 +22345,13 @@
   <p:clrMapOvr>
     <a:masterClrMapping/>
   </p:clrMapOvr>
-  <mc:AlternateContent xmlns:mc="http://schemas.openxmlformats.org/markup-compatibility/2006" xmlns:p14="http://schemas.microsoft.com/office/powerpoint/2010/main">
-    <mc:Choice Requires="p14">
+  <mc:AlternateContent xmlns:mc="http://schemas.openxmlformats.org/markup-compatibility/2006">
+    <mc:Choice xmlns:p14="http://schemas.microsoft.com/office/powerpoint/2010/main" Requires="p14">
       <p:transition spd="slow" p14:dur="2000">
         <p:cut/>
       </p:transition>
     </mc:Choice>
-    <mc:Fallback xmlns="">
+    <mc:Fallback>
       <p:transition spd="slow">
         <p:cut/>
       </p:transition>
@@ -24162,7 +22360,7 @@
 </p:sld>
 </file>
 
-<file path=ppt/slides/slide26.xml><?xml version="1.0" encoding="utf-8"?>
+<file path=ppt/slides/slide25.xml><?xml version="1.0" encoding="utf-8"?>
 <p:sld xmlns:a="http://schemas.openxmlformats.org/drawingml/2006/main" xmlns:r="http://schemas.openxmlformats.org/officeDocument/2006/relationships" xmlns:p="http://schemas.openxmlformats.org/presentationml/2006/main">
   <p:cSld>
     <p:spTree>
@@ -24274,7 +22472,19 @@
               <a:rPr lang="en-US" altLang="zh-TW" sz="2000" dirty="0">
                 <a:cs typeface="Times New Roman" panose="02020603050405020304" pitchFamily="18" charset="0"/>
               </a:rPr>
-              <a:t>Failed when more than half of clients are malicious. (51% attack)</a:t>
+              <a:t>Failed when </a:t>
+            </a:r>
+            <a:r>
+              <a:rPr lang="en-US" altLang="zh-TW" sz="2000">
+                <a:cs typeface="Times New Roman" panose="02020603050405020304" pitchFamily="18" charset="0"/>
+              </a:rPr>
+              <a:t>there are more </a:t>
+            </a:r>
+            <a:r>
+              <a:rPr lang="en-US" altLang="zh-TW" sz="2000" dirty="0">
+                <a:cs typeface="Times New Roman" panose="02020603050405020304" pitchFamily="18" charset="0"/>
+              </a:rPr>
+              <a:t>than half of clients are malicious.</a:t>
             </a:r>
           </a:p>
           <a:p>
@@ -24335,7 +22545,7 @@
                 <a:ea typeface="標楷體" panose="03000509000000000000" pitchFamily="65" charset="-120"/>
                 <a:cs typeface="Times New Roman" panose="02020603050405020304" pitchFamily="18" charset="0"/>
               </a:rPr>
-              <a:t>26</a:t>
+              <a:t>25</a:t>
             </a:fld>
             <a:endParaRPr lang="zh-TW" altLang="en-US">
               <a:latin typeface="Times New Roman" panose="02020603050405020304" pitchFamily="18" charset="0"/>
@@ -24355,13 +22565,13 @@
   <p:clrMapOvr>
     <a:masterClrMapping/>
   </p:clrMapOvr>
-  <mc:AlternateContent xmlns:mc="http://schemas.openxmlformats.org/markup-compatibility/2006" xmlns:p14="http://schemas.microsoft.com/office/powerpoint/2010/main">
-    <mc:Choice Requires="p14">
+  <mc:AlternateContent xmlns:mc="http://schemas.openxmlformats.org/markup-compatibility/2006">
+    <mc:Choice xmlns:p14="http://schemas.microsoft.com/office/powerpoint/2010/main" Requires="p14">
       <p:transition spd="slow" p14:dur="2000">
         <p:cut/>
       </p:transition>
     </mc:Choice>
-    <mc:Fallback xmlns="">
+    <mc:Fallback>
       <p:transition spd="slow">
         <p:cut/>
       </p:transition>
@@ -24370,7 +22580,7 @@
 </p:sld>
 </file>
 
-<file path=ppt/slides/slide27.xml><?xml version="1.0" encoding="utf-8"?>
+<file path=ppt/slides/slide26.xml><?xml version="1.0" encoding="utf-8"?>
 <p:sld xmlns:a="http://schemas.openxmlformats.org/drawingml/2006/main" xmlns:r="http://schemas.openxmlformats.org/officeDocument/2006/relationships" xmlns:p="http://schemas.openxmlformats.org/presentationml/2006/main">
   <p:cSld>
     <p:spTree>
@@ -24572,7 +22782,7 @@
                 <a:ea typeface="標楷體" panose="03000509000000000000" pitchFamily="65" charset="-120"/>
                 <a:cs typeface="Times New Roman" panose="02020603050405020304" pitchFamily="18" charset="0"/>
               </a:rPr>
-              <a:t>27</a:t>
+              <a:t>26</a:t>
             </a:fld>
             <a:endParaRPr lang="zh-TW" altLang="en-US">
               <a:latin typeface="Times New Roman" panose="02020603050405020304" pitchFamily="18" charset="0"/>
@@ -26606,13 +24816,13 @@
   <p:clrMapOvr>
     <a:masterClrMapping/>
   </p:clrMapOvr>
-  <mc:AlternateContent xmlns:mc="http://schemas.openxmlformats.org/markup-compatibility/2006" xmlns:p14="http://schemas.microsoft.com/office/powerpoint/2010/main">
-    <mc:Choice Requires="p14">
+  <mc:AlternateContent xmlns:mc="http://schemas.openxmlformats.org/markup-compatibility/2006">
+    <mc:Choice xmlns:p14="http://schemas.microsoft.com/office/powerpoint/2010/main" Requires="p14">
       <p:transition spd="slow" p14:dur="2000">
         <p:cut/>
       </p:transition>
     </mc:Choice>
-    <mc:Fallback xmlns="">
+    <mc:Fallback>
       <p:transition spd="slow">
         <p:cut/>
       </p:transition>
@@ -26621,7 +24831,7 @@
 </p:sld>
 </file>
 
-<file path=ppt/slides/slide28.xml><?xml version="1.0" encoding="utf-8"?>
+<file path=ppt/slides/slide27.xml><?xml version="1.0" encoding="utf-8"?>
 <p:sld xmlns:a="http://schemas.openxmlformats.org/drawingml/2006/main" xmlns:r="http://schemas.openxmlformats.org/officeDocument/2006/relationships" xmlns:p="http://schemas.openxmlformats.org/presentationml/2006/main">
   <p:cSld>
     <p:spTree>
@@ -26810,7 +25020,7 @@
                 <a:ea typeface="標楷體" panose="03000509000000000000" pitchFamily="65" charset="-120"/>
                 <a:cs typeface="Times New Roman" panose="02020603050405020304" pitchFamily="18" charset="0"/>
               </a:rPr>
-              <a:t>28</a:t>
+              <a:t>27</a:t>
             </a:fld>
             <a:endParaRPr lang="zh-TW" altLang="en-US">
               <a:latin typeface="Times New Roman" panose="02020603050405020304" pitchFamily="18" charset="0"/>
@@ -29515,13 +27725,13 @@
   <p:clrMapOvr>
     <a:masterClrMapping/>
   </p:clrMapOvr>
-  <mc:AlternateContent xmlns:mc="http://schemas.openxmlformats.org/markup-compatibility/2006" xmlns:p14="http://schemas.microsoft.com/office/powerpoint/2010/main">
-    <mc:Choice Requires="p14">
+  <mc:AlternateContent xmlns:mc="http://schemas.openxmlformats.org/markup-compatibility/2006">
+    <mc:Choice xmlns:p14="http://schemas.microsoft.com/office/powerpoint/2010/main" Requires="p14">
       <p:transition spd="slow" p14:dur="2000">
         <p:cut/>
       </p:transition>
     </mc:Choice>
-    <mc:Fallback xmlns="">
+    <mc:Fallback>
       <p:transition spd="slow">
         <p:cut/>
       </p:transition>
@@ -29530,7 +27740,7 @@
 </p:sld>
 </file>
 
-<file path=ppt/slides/slide29.xml><?xml version="1.0" encoding="utf-8"?>
+<file path=ppt/slides/slide28.xml><?xml version="1.0" encoding="utf-8"?>
 <p:sld xmlns:a="http://schemas.openxmlformats.org/drawingml/2006/main" xmlns:r="http://schemas.openxmlformats.org/officeDocument/2006/relationships" xmlns:p="http://schemas.openxmlformats.org/presentationml/2006/main">
   <p:cSld>
     <p:spTree>
@@ -29725,7 +27935,7 @@
                 <a:ea typeface="標楷體" panose="03000509000000000000" pitchFamily="65" charset="-120"/>
                 <a:cs typeface="Times New Roman" panose="02020603050405020304" pitchFamily="18" charset="0"/>
               </a:rPr>
-              <a:t>29</a:t>
+              <a:t>28</a:t>
             </a:fld>
             <a:endParaRPr lang="zh-TW" altLang="en-US">
               <a:latin typeface="Times New Roman" panose="02020603050405020304" pitchFamily="18" charset="0"/>
@@ -32596,13 +30806,13 @@
   <p:clrMapOvr>
     <a:masterClrMapping/>
   </p:clrMapOvr>
-  <mc:AlternateContent xmlns:mc="http://schemas.openxmlformats.org/markup-compatibility/2006" xmlns:p14="http://schemas.microsoft.com/office/powerpoint/2010/main">
-    <mc:Choice Requires="p14">
+  <mc:AlternateContent xmlns:mc="http://schemas.openxmlformats.org/markup-compatibility/2006">
+    <mc:Choice xmlns:p14="http://schemas.microsoft.com/office/powerpoint/2010/main" Requires="p14">
       <p:transition spd="slow" p14:dur="2000">
         <p:cut/>
       </p:transition>
     </mc:Choice>
-    <mc:Fallback xmlns="">
+    <mc:Fallback>
       <p:transition spd="slow">
         <p:cut/>
       </p:transition>
@@ -32611,605 +30821,7 @@
 </p:sld>
 </file>
 
-<file path=ppt/slides/slide3.xml><?xml version="1.0" encoding="utf-8"?>
-<p:sld xmlns:a="http://schemas.openxmlformats.org/drawingml/2006/main" xmlns:r="http://schemas.openxmlformats.org/officeDocument/2006/relationships" xmlns:p="http://schemas.openxmlformats.org/presentationml/2006/main">
-  <p:cSld>
-    <p:spTree>
-      <p:nvGrpSpPr>
-        <p:cNvPr id="1" name=""/>
-        <p:cNvGrpSpPr/>
-        <p:nvPr/>
-      </p:nvGrpSpPr>
-      <p:grpSpPr>
-        <a:xfrm>
-          <a:off x="0" y="0"/>
-          <a:ext cx="0" cy="0"/>
-          <a:chOff x="0" y="0"/>
-          <a:chExt cx="0" cy="0"/>
-        </a:xfrm>
-      </p:grpSpPr>
-      <p:sp>
-        <p:nvSpPr>
-          <p:cNvPr id="2" name="標題 1">
-            <a:extLst>
-              <a:ext uri="{FF2B5EF4-FFF2-40B4-BE49-F238E27FC236}">
-                <a16:creationId xmlns:a16="http://schemas.microsoft.com/office/drawing/2014/main" id="{7DC51965-3B55-4A2C-8171-E572382DD444}"/>
-              </a:ext>
-            </a:extLst>
-          </p:cNvPr>
-          <p:cNvSpPr>
-            <a:spLocks noGrp="1"/>
-          </p:cNvSpPr>
-          <p:nvPr>
-            <p:ph type="title"/>
-          </p:nvPr>
-        </p:nvSpPr>
-        <p:spPr/>
-        <p:txBody>
-          <a:bodyPr/>
-          <a:lstStyle/>
-          <a:p>
-            <a:r>
-              <a:rPr lang="en-US" altLang="zh-TW" dirty="0"/>
-              <a:t>Background &amp; </a:t>
-            </a:r>
-            <a:r>
-              <a:rPr lang="en-US" altLang="zh-TW" dirty="0">
-                <a:latin typeface="Times New Roman" panose="02020603050405020304" pitchFamily="18" charset="0"/>
-                <a:ea typeface="標楷體" panose="03000509000000000000" pitchFamily="65" charset="-120"/>
-                <a:cs typeface="Times New Roman" panose="02020603050405020304" pitchFamily="18" charset="0"/>
-              </a:rPr>
-              <a:t>Motivation – </a:t>
-            </a:r>
-            <a:r>
-              <a:rPr lang="en-US" altLang="zh-TW" sz="3200" dirty="0">
-                <a:latin typeface="Times New Roman" panose="02020603050405020304" pitchFamily="18" charset="0"/>
-                <a:ea typeface="標楷體" panose="03000509000000000000" pitchFamily="65" charset="-120"/>
-                <a:cs typeface="Times New Roman" panose="02020603050405020304" pitchFamily="18" charset="0"/>
-              </a:rPr>
-              <a:t>Federated Learning</a:t>
-            </a:r>
-            <a:endParaRPr lang="zh-TW" altLang="en-US" dirty="0">
-              <a:latin typeface="Times New Roman" panose="02020603050405020304" pitchFamily="18" charset="0"/>
-              <a:ea typeface="標楷體" panose="03000509000000000000" pitchFamily="65" charset="-120"/>
-              <a:cs typeface="Times New Roman" panose="02020603050405020304" pitchFamily="18" charset="0"/>
-            </a:endParaRPr>
-          </a:p>
-        </p:txBody>
-      </p:sp>
-      <mc:AlternateContent xmlns:mc="http://schemas.openxmlformats.org/markup-compatibility/2006" xmlns:a14="http://schemas.microsoft.com/office/drawing/2010/main">
-        <mc:Choice Requires="a14">
-          <p:sp>
-            <p:nvSpPr>
-              <p:cNvPr id="3" name="內容版面配置區 2">
-                <a:extLst>
-                  <a:ext uri="{FF2B5EF4-FFF2-40B4-BE49-F238E27FC236}">
-                    <a16:creationId xmlns:a16="http://schemas.microsoft.com/office/drawing/2014/main" id="{7E658B3D-20B6-435E-B15B-C0553C4AE19F}"/>
-                  </a:ext>
-                </a:extLst>
-              </p:cNvPr>
-              <p:cNvSpPr>
-                <a:spLocks noGrp="1"/>
-              </p:cNvSpPr>
-              <p:nvPr>
-                <p:ph idx="1"/>
-              </p:nvPr>
-            </p:nvSpPr>
-            <p:spPr>
-              <a:xfrm>
-                <a:off x="838200" y="1690688"/>
-                <a:ext cx="10515600" cy="4486275"/>
-              </a:xfrm>
-            </p:spPr>
-            <p:txBody>
-              <a:bodyPr>
-                <a:normAutofit lnSpcReduction="10000"/>
-              </a:bodyPr>
-              <a:lstStyle/>
-              <a:p>
-                <a:pPr algn="just"/>
-                <a:r>
-                  <a:rPr lang="en-US" altLang="zh-TW" sz="2400" dirty="0">
-                    <a:latin typeface="Times New Roman" panose="02020603050405020304" pitchFamily="18" charset="0"/>
-                    <a:ea typeface="標楷體" panose="03000509000000000000" pitchFamily="65" charset="-120"/>
-                    <a:cs typeface="Times New Roman" panose="02020603050405020304" pitchFamily="18" charset="0"/>
-                  </a:rPr>
-                  <a:t>Train the model on decentralized edge devices</a:t>
-                </a:r>
-              </a:p>
-              <a:p>
-                <a:pPr algn="just"/>
-                <a:r>
-                  <a:rPr lang="en-US" altLang="zh-TW" sz="2400" dirty="0">
-                    <a:latin typeface="Times New Roman" panose="02020603050405020304" pitchFamily="18" charset="0"/>
-                    <a:ea typeface="標楷體" panose="03000509000000000000" pitchFamily="65" charset="-120"/>
-                    <a:cs typeface="Times New Roman" panose="02020603050405020304" pitchFamily="18" charset="0"/>
-                  </a:rPr>
-                  <a:t>Not aggerating data, but locally-trained models from local clients to a central aggregation server</a:t>
-                </a:r>
-              </a:p>
-              <a:p>
-                <a:pPr algn="just"/>
-                <a:r>
-                  <a:rPr lang="en-US" altLang="zh-TW" sz="2400" dirty="0" err="1">
-                    <a:latin typeface="Times New Roman" panose="02020603050405020304" pitchFamily="18" charset="0"/>
-                    <a:ea typeface="標楷體" panose="03000509000000000000" pitchFamily="65" charset="-120"/>
-                    <a:cs typeface="Times New Roman" panose="02020603050405020304" pitchFamily="18" charset="0"/>
-                  </a:rPr>
-                  <a:t>FedAvg</a:t>
-                </a:r>
-                <a:endParaRPr lang="en-US" altLang="zh-TW" sz="2400" dirty="0">
-                  <a:latin typeface="Times New Roman" panose="02020603050405020304" pitchFamily="18" charset="0"/>
-                  <a:ea typeface="標楷體" panose="03000509000000000000" pitchFamily="65" charset="-120"/>
-                  <a:cs typeface="Times New Roman" panose="02020603050405020304" pitchFamily="18" charset="0"/>
-                </a:endParaRPr>
-              </a:p>
-              <a:p>
-                <a:pPr lvl="1" algn="just"/>
-                <a:r>
-                  <a:rPr lang="en-US" altLang="zh-TW" sz="2000" dirty="0">
-                    <a:latin typeface="Times New Roman" panose="02020603050405020304" pitchFamily="18" charset="0"/>
-                    <a:ea typeface="標楷體" panose="03000509000000000000" pitchFamily="65" charset="-120"/>
-                    <a:cs typeface="Times New Roman" panose="02020603050405020304" pitchFamily="18" charset="0"/>
-                  </a:rPr>
-                  <a:t>Global model, </a:t>
-                </a:r>
-                <a14:m>
-                  <m:oMath xmlns:m="http://schemas.openxmlformats.org/officeDocument/2006/math">
-                    <m:sSub>
-                      <m:sSubPr>
-                        <m:ctrlPr>
-                          <a:rPr lang="en-US" altLang="zh-HK" sz="2000" b="0" i="1" smtClean="0">
-                            <a:solidFill>
-                              <a:srgbClr val="FF0000"/>
-                            </a:solidFill>
-                            <a:latin typeface="Cambria Math" panose="02040503050406030204" pitchFamily="18" charset="0"/>
-                          </a:rPr>
-                        </m:ctrlPr>
-                      </m:sSubPr>
-                      <m:e>
-                        <m:r>
-                          <a:rPr lang="en-US" altLang="zh-HK" sz="2000" b="0" i="1" smtClean="0">
-                            <a:solidFill>
-                              <a:srgbClr val="FF0000"/>
-                            </a:solidFill>
-                            <a:latin typeface="Cambria Math" panose="02040503050406030204" pitchFamily="18" charset="0"/>
-                          </a:rPr>
-                          <m:t>𝑊</m:t>
-                        </m:r>
-                      </m:e>
-                      <m:sub>
-                        <m:r>
-                          <a:rPr lang="en-US" altLang="zh-HK" sz="2000" b="0" i="1" smtClean="0">
-                            <a:solidFill>
-                              <a:srgbClr val="FF0000"/>
-                            </a:solidFill>
-                            <a:latin typeface="Cambria Math" panose="02040503050406030204" pitchFamily="18" charset="0"/>
-                          </a:rPr>
-                          <m:t>𝑔𝑙𝑜𝑏</m:t>
-                        </m:r>
-                      </m:sub>
-                    </m:sSub>
-                    <m:r>
-                      <a:rPr lang="pt-BR" altLang="zh-HK" sz="2000" i="1" smtClean="0">
-                        <a:solidFill>
-                          <a:srgbClr val="FF0000"/>
-                        </a:solidFill>
-                        <a:latin typeface="Cambria Math" panose="02040503050406030204" pitchFamily="18" charset="0"/>
-                      </a:rPr>
-                      <m:t>=</m:t>
-                    </m:r>
-                    <m:nary>
-                      <m:naryPr>
-                        <m:chr m:val="∑"/>
-                        <m:ctrlPr>
-                          <a:rPr lang="pt-BR" altLang="zh-HK" sz="2000" i="1" smtClean="0">
-                            <a:solidFill>
-                              <a:srgbClr val="FF0000"/>
-                            </a:solidFill>
-                            <a:latin typeface="Cambria Math" panose="02040503050406030204" pitchFamily="18" charset="0"/>
-                          </a:rPr>
-                        </m:ctrlPr>
-                      </m:naryPr>
-                      <m:sub>
-                        <m:r>
-                          <m:rPr>
-                            <m:brk m:alnAt="23"/>
-                          </m:rPr>
-                          <a:rPr lang="en-US" altLang="zh-HK" sz="2000" b="0" i="1" smtClean="0">
-                            <a:solidFill>
-                              <a:srgbClr val="FF0000"/>
-                            </a:solidFill>
-                            <a:latin typeface="Cambria Math" panose="02040503050406030204" pitchFamily="18" charset="0"/>
-                          </a:rPr>
-                          <m:t>𝑖</m:t>
-                        </m:r>
-                        <m:r>
-                          <a:rPr lang="en-US" altLang="zh-HK" sz="2000" b="0" i="1" smtClean="0">
-                            <a:solidFill>
-                              <a:srgbClr val="FF0000"/>
-                            </a:solidFill>
-                            <a:latin typeface="Cambria Math" panose="02040503050406030204" pitchFamily="18" charset="0"/>
-                          </a:rPr>
-                          <m:t>=1</m:t>
-                        </m:r>
-                      </m:sub>
-                      <m:sup>
-                        <m:r>
-                          <a:rPr lang="en-US" altLang="zh-HK" sz="2000" b="0" i="1" smtClean="0">
-                            <a:solidFill>
-                              <a:srgbClr val="FF0000"/>
-                            </a:solidFill>
-                            <a:latin typeface="Cambria Math" panose="02040503050406030204" pitchFamily="18" charset="0"/>
-                          </a:rPr>
-                          <m:t>𝑁</m:t>
-                        </m:r>
-                      </m:sup>
-                      <m:e>
-                        <m:sSub>
-                          <m:sSubPr>
-                            <m:ctrlPr>
-                              <a:rPr lang="pt-BR" altLang="zh-HK" sz="2000" i="1" smtClean="0">
-                                <a:solidFill>
-                                  <a:srgbClr val="FF0000"/>
-                                </a:solidFill>
-                                <a:latin typeface="Cambria Math" panose="02040503050406030204" pitchFamily="18" charset="0"/>
-                              </a:rPr>
-                            </m:ctrlPr>
-                          </m:sSubPr>
-                          <m:e>
-                            <m:r>
-                              <a:rPr lang="zh-HK" altLang="pt-BR" sz="2000" i="1" smtClean="0">
-                                <a:solidFill>
-                                  <a:srgbClr val="FF0000"/>
-                                </a:solidFill>
-                                <a:latin typeface="Cambria Math" panose="02040503050406030204" pitchFamily="18" charset="0"/>
-                              </a:rPr>
-                              <m:t>𝛼</m:t>
-                            </m:r>
-                          </m:e>
-                          <m:sub>
-                            <m:r>
-                              <a:rPr lang="en-US" altLang="zh-HK" sz="2000" b="0" i="1" smtClean="0">
-                                <a:solidFill>
-                                  <a:srgbClr val="FF0000"/>
-                                </a:solidFill>
-                                <a:latin typeface="Cambria Math" panose="02040503050406030204" pitchFamily="18" charset="0"/>
-                              </a:rPr>
-                              <m:t>𝑖</m:t>
-                            </m:r>
-                          </m:sub>
-                        </m:sSub>
-                        <m:sSub>
-                          <m:sSubPr>
-                            <m:ctrlPr>
-                              <a:rPr lang="pt-BR" altLang="zh-HK" sz="2000" i="1" smtClean="0">
-                                <a:solidFill>
-                                  <a:srgbClr val="FF0000"/>
-                                </a:solidFill>
-                                <a:latin typeface="Cambria Math" panose="02040503050406030204" pitchFamily="18" charset="0"/>
-                              </a:rPr>
-                            </m:ctrlPr>
-                          </m:sSubPr>
-                          <m:e>
-                            <m:r>
-                              <a:rPr lang="en-US" altLang="zh-HK" sz="2000" b="0" i="1" smtClean="0">
-                                <a:solidFill>
-                                  <a:srgbClr val="FF0000"/>
-                                </a:solidFill>
-                                <a:latin typeface="Cambria Math" panose="02040503050406030204" pitchFamily="18" charset="0"/>
-                              </a:rPr>
-                              <m:t>𝑊</m:t>
-                            </m:r>
-                          </m:e>
-                          <m:sub>
-                            <m:r>
-                              <a:rPr lang="en-US" altLang="zh-HK" sz="2000" b="0" i="1" smtClean="0">
-                                <a:solidFill>
-                                  <a:srgbClr val="FF0000"/>
-                                </a:solidFill>
-                                <a:latin typeface="Cambria Math" panose="02040503050406030204" pitchFamily="18" charset="0"/>
-                              </a:rPr>
-                              <m:t>𝑖</m:t>
-                            </m:r>
-                          </m:sub>
-                        </m:sSub>
-                      </m:e>
-                    </m:nary>
-                  </m:oMath>
-                </a14:m>
-                <a:endParaRPr lang="en-US" altLang="zh-TW" sz="2000" dirty="0">
-                  <a:latin typeface="Times New Roman" panose="02020603050405020304" pitchFamily="18" charset="0"/>
-                  <a:ea typeface="標楷體" panose="03000509000000000000" pitchFamily="65" charset="-120"/>
-                  <a:cs typeface="Times New Roman" panose="02020603050405020304" pitchFamily="18" charset="0"/>
-                </a:endParaRPr>
-              </a:p>
-              <a:p>
-                <a:pPr lvl="1" algn="just"/>
-                <a:r>
-                  <a:rPr lang="en-US" altLang="zh-TW" sz="2000" dirty="0">
-                    <a:latin typeface="Times New Roman" panose="02020603050405020304" pitchFamily="18" charset="0"/>
-                    <a:ea typeface="標楷體" panose="03000509000000000000" pitchFamily="65" charset="-120"/>
-                    <a:cs typeface="Times New Roman" panose="02020603050405020304" pitchFamily="18" charset="0"/>
-                  </a:rPr>
-                  <a:t>Total N clients, </a:t>
-                </a:r>
-              </a:p>
-              <a:p>
-                <a:pPr lvl="1" algn="just"/>
-                <a:r>
-                  <a:rPr lang="en-US" altLang="zh-TW" sz="2000" dirty="0">
-                    <a:latin typeface="Times New Roman" panose="02020603050405020304" pitchFamily="18" charset="0"/>
-                    <a:ea typeface="標楷體" panose="03000509000000000000" pitchFamily="65" charset="-120"/>
-                    <a:cs typeface="Times New Roman" panose="02020603050405020304" pitchFamily="18" charset="0"/>
-                  </a:rPr>
-                  <a:t>Weighting factor for client </a:t>
-                </a:r>
-                <a14:m>
-                  <m:oMath xmlns:m="http://schemas.openxmlformats.org/officeDocument/2006/math">
-                    <m:r>
-                      <a:rPr lang="en-US" altLang="zh-TW" sz="2000" i="1">
-                        <a:latin typeface="Cambria Math" panose="02040503050406030204" pitchFamily="18" charset="0"/>
-                        <a:cs typeface="Times New Roman" panose="02020603050405020304" pitchFamily="18" charset="0"/>
-                      </a:rPr>
-                      <m:t>𝑖</m:t>
-                    </m:r>
-                  </m:oMath>
-                </a14:m>
-                <a:r>
-                  <a:rPr lang="en-US" altLang="zh-TW" sz="2000" dirty="0">
-                    <a:latin typeface="Times New Roman" panose="02020603050405020304" pitchFamily="18" charset="0"/>
-                    <a:ea typeface="標楷體" panose="03000509000000000000" pitchFamily="65" charset="-120"/>
-                    <a:cs typeface="Times New Roman" panose="02020603050405020304" pitchFamily="18" charset="0"/>
-                  </a:rPr>
-                  <a:t>, </a:t>
-                </a:r>
-                <a14:m>
-                  <m:oMath xmlns:m="http://schemas.openxmlformats.org/officeDocument/2006/math">
-                    <m:sSub>
-                      <m:sSubPr>
-                        <m:ctrlPr>
-                          <a:rPr lang="pt-BR" altLang="zh-HK" sz="2000" i="1" smtClean="0">
-                            <a:latin typeface="Cambria Math" panose="02040503050406030204" pitchFamily="18" charset="0"/>
-                          </a:rPr>
-                        </m:ctrlPr>
-                      </m:sSubPr>
-                      <m:e>
-                        <m:r>
-                          <a:rPr lang="zh-HK" altLang="pt-BR" sz="2000" i="1">
-                            <a:latin typeface="Cambria Math" panose="02040503050406030204" pitchFamily="18" charset="0"/>
-                          </a:rPr>
-                          <m:t>𝛼</m:t>
-                        </m:r>
-                      </m:e>
-                      <m:sub>
-                        <m:r>
-                          <a:rPr lang="en-US" altLang="zh-HK" sz="2000" i="1">
-                            <a:latin typeface="Cambria Math" panose="02040503050406030204" pitchFamily="18" charset="0"/>
-                          </a:rPr>
-                          <m:t>𝑖</m:t>
-                        </m:r>
-                      </m:sub>
-                    </m:sSub>
-                  </m:oMath>
-                </a14:m>
-                <a:endParaRPr lang="zh-TW" altLang="en-US" sz="2000" dirty="0">
-                  <a:latin typeface="Times New Roman" panose="02020603050405020304" pitchFamily="18" charset="0"/>
-                  <a:ea typeface="標楷體" panose="03000509000000000000" pitchFamily="65" charset="-120"/>
-                  <a:cs typeface="Times New Roman" panose="02020603050405020304" pitchFamily="18" charset="0"/>
-                </a:endParaRPr>
-              </a:p>
-              <a:p>
-                <a:pPr lvl="1" algn="just"/>
-                <a:r>
-                  <a:rPr lang="en-US" altLang="zh-TW" sz="2000" dirty="0">
-                    <a:latin typeface="Times New Roman" panose="02020603050405020304" pitchFamily="18" charset="0"/>
-                    <a:ea typeface="標楷體" panose="03000509000000000000" pitchFamily="65" charset="-120"/>
-                    <a:cs typeface="Times New Roman" panose="02020603050405020304" pitchFamily="18" charset="0"/>
-                  </a:rPr>
-                  <a:t>Local model for client </a:t>
-                </a:r>
-                <a14:m>
-                  <m:oMath xmlns:m="http://schemas.openxmlformats.org/officeDocument/2006/math">
-                    <m:r>
-                      <a:rPr lang="en-US" altLang="zh-TW" sz="2000" b="0" i="1" smtClean="0">
-                        <a:latin typeface="Cambria Math" panose="02040503050406030204" pitchFamily="18" charset="0"/>
-                        <a:ea typeface="標楷體" panose="03000509000000000000" pitchFamily="65" charset="-120"/>
-                        <a:cs typeface="Times New Roman" panose="02020603050405020304" pitchFamily="18" charset="0"/>
-                      </a:rPr>
-                      <m:t>𝑖</m:t>
-                    </m:r>
-                  </m:oMath>
-                </a14:m>
-                <a:r>
-                  <a:rPr lang="en-US" altLang="zh-TW" sz="2000" dirty="0">
-                    <a:latin typeface="Times New Roman" panose="02020603050405020304" pitchFamily="18" charset="0"/>
-                    <a:ea typeface="標楷體" panose="03000509000000000000" pitchFamily="65" charset="-120"/>
-                    <a:cs typeface="Times New Roman" panose="02020603050405020304" pitchFamily="18" charset="0"/>
-                  </a:rPr>
-                  <a:t>, </a:t>
-                </a:r>
-                <a14:m>
-                  <m:oMath xmlns:m="http://schemas.openxmlformats.org/officeDocument/2006/math">
-                    <m:sSub>
-                      <m:sSubPr>
-                        <m:ctrlPr>
-                          <a:rPr lang="pt-BR" altLang="zh-HK" sz="2000" i="1" smtClean="0">
-                            <a:latin typeface="Cambria Math" panose="02040503050406030204" pitchFamily="18" charset="0"/>
-                          </a:rPr>
-                        </m:ctrlPr>
-                      </m:sSubPr>
-                      <m:e>
-                        <m:r>
-                          <a:rPr lang="en-US" altLang="zh-HK" sz="2000" b="0" i="1" smtClean="0">
-                            <a:latin typeface="Cambria Math" panose="02040503050406030204" pitchFamily="18" charset="0"/>
-                          </a:rPr>
-                          <m:t>𝑊</m:t>
-                        </m:r>
-                      </m:e>
-                      <m:sub>
-                        <m:r>
-                          <a:rPr lang="en-US" altLang="zh-HK" sz="2000" b="0" i="1" smtClean="0">
-                            <a:latin typeface="Cambria Math" panose="02040503050406030204" pitchFamily="18" charset="0"/>
-                          </a:rPr>
-                          <m:t>𝑖</m:t>
-                        </m:r>
-                      </m:sub>
-                    </m:sSub>
-                  </m:oMath>
-                </a14:m>
-                <a:endParaRPr lang="en-US" altLang="zh-TW" sz="2000" dirty="0">
-                  <a:latin typeface="Times New Roman" panose="02020603050405020304" pitchFamily="18" charset="0"/>
-                  <a:ea typeface="標楷體" panose="03000509000000000000" pitchFamily="65" charset="-120"/>
-                  <a:cs typeface="Times New Roman" panose="02020603050405020304" pitchFamily="18" charset="0"/>
-                </a:endParaRPr>
-              </a:p>
-            </p:txBody>
-          </p:sp>
-        </mc:Choice>
-        <mc:Fallback xmlns="">
-          <p:sp>
-            <p:nvSpPr>
-              <p:cNvPr id="3" name="內容版面配置區 2">
-                <a:extLst>
-                  <a:ext uri="{FF2B5EF4-FFF2-40B4-BE49-F238E27FC236}">
-                    <a16:creationId xmlns:a16="http://schemas.microsoft.com/office/drawing/2014/main" id="{7E658B3D-20B6-435E-B15B-C0553C4AE19F}"/>
-                  </a:ext>
-                </a:extLst>
-              </p:cNvPr>
-              <p:cNvSpPr>
-                <a:spLocks noGrp="1" noRot="1" noChangeAspect="1" noMove="1" noResize="1" noEditPoints="1" noAdjustHandles="1" noChangeArrowheads="1" noChangeShapeType="1" noTextEdit="1"/>
-              </p:cNvSpPr>
-              <p:nvPr>
-                <p:ph idx="1"/>
-              </p:nvPr>
-            </p:nvSpPr>
-            <p:spPr>
-              <a:xfrm>
-                <a:off x="838200" y="1690688"/>
-                <a:ext cx="10515600" cy="4486275"/>
-              </a:xfrm>
-              <a:blipFill>
-                <a:blip r:embed="rId3"/>
-                <a:stretch>
-                  <a:fillRect l="-812" r="-870"/>
-                </a:stretch>
-              </a:blipFill>
-            </p:spPr>
-            <p:txBody>
-              <a:bodyPr/>
-              <a:lstStyle/>
-              <a:p>
-                <a:r>
-                  <a:rPr lang="zh-TW" altLang="en-US">
-                    <a:noFill/>
-                  </a:rPr>
-                  <a:t> </a:t>
-                </a:r>
-              </a:p>
-            </p:txBody>
-          </p:sp>
-        </mc:Fallback>
-      </mc:AlternateContent>
-      <p:sp>
-        <p:nvSpPr>
-          <p:cNvPr id="5" name="投影片編號版面配置區 4">
-            <a:extLst>
-              <a:ext uri="{FF2B5EF4-FFF2-40B4-BE49-F238E27FC236}">
-                <a16:creationId xmlns:a16="http://schemas.microsoft.com/office/drawing/2014/main" id="{6FDB81DD-25D0-4B7D-85DA-019476717276}"/>
-              </a:ext>
-            </a:extLst>
-          </p:cNvPr>
-          <p:cNvSpPr>
-            <a:spLocks noGrp="1"/>
-          </p:cNvSpPr>
-          <p:nvPr>
-            <p:ph type="sldNum" sz="quarter" idx="12"/>
-          </p:nvPr>
-        </p:nvSpPr>
-        <p:spPr/>
-        <p:txBody>
-          <a:bodyPr/>
-          <a:lstStyle/>
-          <a:p>
-            <a:fld id="{D2B5BE26-702C-4921-81E7-8AF275EDA2CC}" type="slidenum">
-              <a:rPr lang="zh-TW" altLang="en-US" smtClean="0">
-                <a:latin typeface="Times New Roman" panose="02020603050405020304" pitchFamily="18" charset="0"/>
-                <a:ea typeface="標楷體" panose="03000509000000000000" pitchFamily="65" charset="-120"/>
-                <a:cs typeface="Times New Roman" panose="02020603050405020304" pitchFamily="18" charset="0"/>
-              </a:rPr>
-              <a:t>3</a:t>
-            </a:fld>
-            <a:endParaRPr lang="zh-TW" altLang="en-US">
-              <a:latin typeface="Times New Roman" panose="02020603050405020304" pitchFamily="18" charset="0"/>
-              <a:ea typeface="標楷體" panose="03000509000000000000" pitchFamily="65" charset="-120"/>
-              <a:cs typeface="Times New Roman" panose="02020603050405020304" pitchFamily="18" charset="0"/>
-            </a:endParaRPr>
-          </a:p>
-        </p:txBody>
-      </p:sp>
-      <p:pic>
-        <p:nvPicPr>
-          <p:cNvPr id="6" name="圖片 5">
-            <a:extLst>
-              <a:ext uri="{FF2B5EF4-FFF2-40B4-BE49-F238E27FC236}">
-                <a16:creationId xmlns:a16="http://schemas.microsoft.com/office/drawing/2014/main" id="{2352F356-2A29-4313-AAAB-D9AF89B48E30}"/>
-              </a:ext>
-            </a:extLst>
-          </p:cNvPr>
-          <p:cNvPicPr>
-            <a:picLocks noChangeAspect="1"/>
-          </p:cNvPicPr>
-          <p:nvPr/>
-        </p:nvPicPr>
-        <p:blipFill>
-          <a:blip r:embed="rId4">
-            <a:extLst>
-              <a:ext uri="{28A0092B-C50C-407E-A947-70E740481C1C}">
-                <a14:useLocalDpi xmlns:a14="http://schemas.microsoft.com/office/drawing/2010/main" val="0"/>
-              </a:ext>
-            </a:extLst>
-          </a:blip>
-          <a:stretch>
-            <a:fillRect/>
-          </a:stretch>
-        </p:blipFill>
-        <p:spPr>
-          <a:xfrm>
-            <a:off x="6202246" y="2999251"/>
-            <a:ext cx="4816707" cy="3357099"/>
-          </a:xfrm>
-          <a:prstGeom prst="rect">
-            <a:avLst/>
-          </a:prstGeom>
-        </p:spPr>
-      </p:pic>
-    </p:spTree>
-    <p:extLst>
-      <p:ext uri="{BB962C8B-B14F-4D97-AF65-F5344CB8AC3E}">
-        <p14:creationId xmlns:p14="http://schemas.microsoft.com/office/powerpoint/2010/main" val="145083059"/>
-      </p:ext>
-    </p:extLst>
-  </p:cSld>
-  <p:clrMapOvr>
-    <a:masterClrMapping/>
-  </p:clrMapOvr>
-  <mc:AlternateContent xmlns:mc="http://schemas.openxmlformats.org/markup-compatibility/2006" xmlns:p14="http://schemas.microsoft.com/office/powerpoint/2010/main">
-    <mc:Choice Requires="p14">
-      <p:transition spd="slow" p14:dur="2000">
-        <p:cut/>
-      </p:transition>
-    </mc:Choice>
-    <mc:Fallback xmlns="">
-      <p:transition spd="slow">
-        <p:cut/>
-      </p:transition>
-    </mc:Fallback>
-  </mc:AlternateContent>
-</p:sld>
-</file>
-
-<file path=ppt/slides/slide30.xml><?xml version="1.0" encoding="utf-8"?>
+<file path=ppt/slides/slide29.xml><?xml version="1.0" encoding="utf-8"?>
 <p:sld xmlns:a="http://schemas.openxmlformats.org/drawingml/2006/main" xmlns:r="http://schemas.openxmlformats.org/officeDocument/2006/relationships" xmlns:p="http://schemas.openxmlformats.org/presentationml/2006/main">
   <p:cSld>
     <p:spTree>
@@ -33410,7 +31022,7 @@
                 <a:ea typeface="標楷體" panose="03000509000000000000" pitchFamily="65" charset="-120"/>
                 <a:cs typeface="Times New Roman" panose="02020603050405020304" pitchFamily="18" charset="0"/>
               </a:rPr>
-              <a:t>30</a:t>
+              <a:t>29</a:t>
             </a:fld>
             <a:endParaRPr lang="zh-TW" altLang="en-US">
               <a:latin typeface="Times New Roman" panose="02020603050405020304" pitchFamily="18" charset="0"/>
@@ -36138,13 +33750,13 @@
   <p:clrMapOvr>
     <a:masterClrMapping/>
   </p:clrMapOvr>
-  <mc:AlternateContent xmlns:mc="http://schemas.openxmlformats.org/markup-compatibility/2006" xmlns:p14="http://schemas.microsoft.com/office/powerpoint/2010/main">
-    <mc:Choice Requires="p14">
+  <mc:AlternateContent xmlns:mc="http://schemas.openxmlformats.org/markup-compatibility/2006">
+    <mc:Choice xmlns:p14="http://schemas.microsoft.com/office/powerpoint/2010/main" Requires="p14">
       <p:transition spd="slow" p14:dur="2000">
         <p:cut/>
       </p:transition>
     </mc:Choice>
-    <mc:Fallback xmlns="">
+    <mc:Fallback>
       <p:transition spd="slow">
         <p:cut/>
       </p:transition>
@@ -36153,7 +33765,605 @@
 </p:sld>
 </file>
 
-<file path=ppt/slides/slide31.xml><?xml version="1.0" encoding="utf-8"?>
+<file path=ppt/slides/slide3.xml><?xml version="1.0" encoding="utf-8"?>
+<p:sld xmlns:a="http://schemas.openxmlformats.org/drawingml/2006/main" xmlns:r="http://schemas.openxmlformats.org/officeDocument/2006/relationships" xmlns:p="http://schemas.openxmlformats.org/presentationml/2006/main">
+  <p:cSld>
+    <p:spTree>
+      <p:nvGrpSpPr>
+        <p:cNvPr id="1" name=""/>
+        <p:cNvGrpSpPr/>
+        <p:nvPr/>
+      </p:nvGrpSpPr>
+      <p:grpSpPr>
+        <a:xfrm>
+          <a:off x="0" y="0"/>
+          <a:ext cx="0" cy="0"/>
+          <a:chOff x="0" y="0"/>
+          <a:chExt cx="0" cy="0"/>
+        </a:xfrm>
+      </p:grpSpPr>
+      <p:sp>
+        <p:nvSpPr>
+          <p:cNvPr id="2" name="標題 1">
+            <a:extLst>
+              <a:ext uri="{FF2B5EF4-FFF2-40B4-BE49-F238E27FC236}">
+                <a16:creationId xmlns:a16="http://schemas.microsoft.com/office/drawing/2014/main" id="{7DC51965-3B55-4A2C-8171-E572382DD444}"/>
+              </a:ext>
+            </a:extLst>
+          </p:cNvPr>
+          <p:cNvSpPr>
+            <a:spLocks noGrp="1"/>
+          </p:cNvSpPr>
+          <p:nvPr>
+            <p:ph type="title"/>
+          </p:nvPr>
+        </p:nvSpPr>
+        <p:spPr/>
+        <p:txBody>
+          <a:bodyPr/>
+          <a:lstStyle/>
+          <a:p>
+            <a:r>
+              <a:rPr lang="en-US" altLang="zh-TW" dirty="0"/>
+              <a:t>Background &amp; </a:t>
+            </a:r>
+            <a:r>
+              <a:rPr lang="en-US" altLang="zh-TW" dirty="0">
+                <a:latin typeface="Times New Roman" panose="02020603050405020304" pitchFamily="18" charset="0"/>
+                <a:ea typeface="標楷體" panose="03000509000000000000" pitchFamily="65" charset="-120"/>
+                <a:cs typeface="Times New Roman" panose="02020603050405020304" pitchFamily="18" charset="0"/>
+              </a:rPr>
+              <a:t>Motivation – </a:t>
+            </a:r>
+            <a:r>
+              <a:rPr lang="en-US" altLang="zh-TW" sz="3200" dirty="0">
+                <a:latin typeface="Times New Roman" panose="02020603050405020304" pitchFamily="18" charset="0"/>
+                <a:ea typeface="標楷體" panose="03000509000000000000" pitchFamily="65" charset="-120"/>
+                <a:cs typeface="Times New Roman" panose="02020603050405020304" pitchFamily="18" charset="0"/>
+              </a:rPr>
+              <a:t>Federated Learning</a:t>
+            </a:r>
+            <a:endParaRPr lang="zh-TW" altLang="en-US" dirty="0">
+              <a:latin typeface="Times New Roman" panose="02020603050405020304" pitchFamily="18" charset="0"/>
+              <a:ea typeface="標楷體" panose="03000509000000000000" pitchFamily="65" charset="-120"/>
+              <a:cs typeface="Times New Roman" panose="02020603050405020304" pitchFamily="18" charset="0"/>
+            </a:endParaRPr>
+          </a:p>
+        </p:txBody>
+      </p:sp>
+      <mc:AlternateContent xmlns:mc="http://schemas.openxmlformats.org/markup-compatibility/2006" xmlns:a14="http://schemas.microsoft.com/office/drawing/2010/main">
+        <mc:Choice Requires="a14">
+          <p:sp>
+            <p:nvSpPr>
+              <p:cNvPr id="3" name="內容版面配置區 2">
+                <a:extLst>
+                  <a:ext uri="{FF2B5EF4-FFF2-40B4-BE49-F238E27FC236}">
+                    <a16:creationId xmlns:a16="http://schemas.microsoft.com/office/drawing/2014/main" id="{7E658B3D-20B6-435E-B15B-C0553C4AE19F}"/>
+                  </a:ext>
+                </a:extLst>
+              </p:cNvPr>
+              <p:cNvSpPr>
+                <a:spLocks noGrp="1"/>
+              </p:cNvSpPr>
+              <p:nvPr>
+                <p:ph idx="1"/>
+              </p:nvPr>
+            </p:nvSpPr>
+            <p:spPr>
+              <a:xfrm>
+                <a:off x="838200" y="1690688"/>
+                <a:ext cx="10515600" cy="4486275"/>
+              </a:xfrm>
+            </p:spPr>
+            <p:txBody>
+              <a:bodyPr>
+                <a:normAutofit lnSpcReduction="10000"/>
+              </a:bodyPr>
+              <a:lstStyle/>
+              <a:p>
+                <a:pPr algn="just"/>
+                <a:r>
+                  <a:rPr lang="en-US" altLang="zh-TW" sz="2400" dirty="0">
+                    <a:latin typeface="Times New Roman" panose="02020603050405020304" pitchFamily="18" charset="0"/>
+                    <a:ea typeface="標楷體" panose="03000509000000000000" pitchFamily="65" charset="-120"/>
+                    <a:cs typeface="Times New Roman" panose="02020603050405020304" pitchFamily="18" charset="0"/>
+                  </a:rPr>
+                  <a:t>Train the model on decentralized edge devices</a:t>
+                </a:r>
+              </a:p>
+              <a:p>
+                <a:pPr algn="just"/>
+                <a:r>
+                  <a:rPr lang="en-US" altLang="zh-TW" sz="2400" dirty="0">
+                    <a:latin typeface="Times New Roman" panose="02020603050405020304" pitchFamily="18" charset="0"/>
+                    <a:ea typeface="標楷體" panose="03000509000000000000" pitchFamily="65" charset="-120"/>
+                    <a:cs typeface="Times New Roman" panose="02020603050405020304" pitchFamily="18" charset="0"/>
+                  </a:rPr>
+                  <a:t>Not aggerating data, but locally-trained models from local clients to a central aggregation server</a:t>
+                </a:r>
+              </a:p>
+              <a:p>
+                <a:pPr algn="just"/>
+                <a:r>
+                  <a:rPr lang="en-US" altLang="zh-TW" sz="2400" dirty="0" err="1">
+                    <a:latin typeface="Times New Roman" panose="02020603050405020304" pitchFamily="18" charset="0"/>
+                    <a:ea typeface="標楷體" panose="03000509000000000000" pitchFamily="65" charset="-120"/>
+                    <a:cs typeface="Times New Roman" panose="02020603050405020304" pitchFamily="18" charset="0"/>
+                  </a:rPr>
+                  <a:t>FedAvg</a:t>
+                </a:r>
+                <a:endParaRPr lang="en-US" altLang="zh-TW" sz="2400" dirty="0">
+                  <a:latin typeface="Times New Roman" panose="02020603050405020304" pitchFamily="18" charset="0"/>
+                  <a:ea typeface="標楷體" panose="03000509000000000000" pitchFamily="65" charset="-120"/>
+                  <a:cs typeface="Times New Roman" panose="02020603050405020304" pitchFamily="18" charset="0"/>
+                </a:endParaRPr>
+              </a:p>
+              <a:p>
+                <a:pPr lvl="1" algn="just"/>
+                <a:r>
+                  <a:rPr lang="en-US" altLang="zh-TW" sz="2000" dirty="0">
+                    <a:latin typeface="Times New Roman" panose="02020603050405020304" pitchFamily="18" charset="0"/>
+                    <a:ea typeface="標楷體" panose="03000509000000000000" pitchFamily="65" charset="-120"/>
+                    <a:cs typeface="Times New Roman" panose="02020603050405020304" pitchFamily="18" charset="0"/>
+                  </a:rPr>
+                  <a:t>Global model, </a:t>
+                </a:r>
+                <a14:m>
+                  <m:oMath xmlns:m="http://schemas.openxmlformats.org/officeDocument/2006/math">
+                    <m:sSub>
+                      <m:sSubPr>
+                        <m:ctrlPr>
+                          <a:rPr lang="en-US" altLang="zh-HK" sz="2000" b="0" i="1" smtClean="0">
+                            <a:solidFill>
+                              <a:srgbClr val="FF0000"/>
+                            </a:solidFill>
+                            <a:latin typeface="Cambria Math" panose="02040503050406030204" pitchFamily="18" charset="0"/>
+                          </a:rPr>
+                        </m:ctrlPr>
+                      </m:sSubPr>
+                      <m:e>
+                        <m:r>
+                          <a:rPr lang="en-US" altLang="zh-HK" sz="2000" b="0" i="1" smtClean="0">
+                            <a:solidFill>
+                              <a:srgbClr val="FF0000"/>
+                            </a:solidFill>
+                            <a:latin typeface="Cambria Math" panose="02040503050406030204" pitchFamily="18" charset="0"/>
+                          </a:rPr>
+                          <m:t>𝑊</m:t>
+                        </m:r>
+                      </m:e>
+                      <m:sub>
+                        <m:r>
+                          <a:rPr lang="en-US" altLang="zh-HK" sz="2000" b="0" i="1" smtClean="0">
+                            <a:solidFill>
+                              <a:srgbClr val="FF0000"/>
+                            </a:solidFill>
+                            <a:latin typeface="Cambria Math" panose="02040503050406030204" pitchFamily="18" charset="0"/>
+                          </a:rPr>
+                          <m:t>𝑔𝑙𝑜𝑏</m:t>
+                        </m:r>
+                      </m:sub>
+                    </m:sSub>
+                    <m:r>
+                      <a:rPr lang="pt-BR" altLang="zh-HK" sz="2000" i="1" smtClean="0">
+                        <a:solidFill>
+                          <a:srgbClr val="FF0000"/>
+                        </a:solidFill>
+                        <a:latin typeface="Cambria Math" panose="02040503050406030204" pitchFamily="18" charset="0"/>
+                      </a:rPr>
+                      <m:t>=</m:t>
+                    </m:r>
+                    <m:nary>
+                      <m:naryPr>
+                        <m:chr m:val="∑"/>
+                        <m:ctrlPr>
+                          <a:rPr lang="pt-BR" altLang="zh-HK" sz="2000" i="1" smtClean="0">
+                            <a:solidFill>
+                              <a:srgbClr val="FF0000"/>
+                            </a:solidFill>
+                            <a:latin typeface="Cambria Math" panose="02040503050406030204" pitchFamily="18" charset="0"/>
+                          </a:rPr>
+                        </m:ctrlPr>
+                      </m:naryPr>
+                      <m:sub>
+                        <m:r>
+                          <m:rPr>
+                            <m:brk m:alnAt="23"/>
+                          </m:rPr>
+                          <a:rPr lang="en-US" altLang="zh-HK" sz="2000" b="0" i="1" smtClean="0">
+                            <a:solidFill>
+                              <a:srgbClr val="FF0000"/>
+                            </a:solidFill>
+                            <a:latin typeface="Cambria Math" panose="02040503050406030204" pitchFamily="18" charset="0"/>
+                          </a:rPr>
+                          <m:t>𝑖</m:t>
+                        </m:r>
+                        <m:r>
+                          <a:rPr lang="en-US" altLang="zh-HK" sz="2000" b="0" i="1" smtClean="0">
+                            <a:solidFill>
+                              <a:srgbClr val="FF0000"/>
+                            </a:solidFill>
+                            <a:latin typeface="Cambria Math" panose="02040503050406030204" pitchFamily="18" charset="0"/>
+                          </a:rPr>
+                          <m:t>=1</m:t>
+                        </m:r>
+                      </m:sub>
+                      <m:sup>
+                        <m:r>
+                          <a:rPr lang="en-US" altLang="zh-HK" sz="2000" b="0" i="1" smtClean="0">
+                            <a:solidFill>
+                              <a:srgbClr val="FF0000"/>
+                            </a:solidFill>
+                            <a:latin typeface="Cambria Math" panose="02040503050406030204" pitchFamily="18" charset="0"/>
+                          </a:rPr>
+                          <m:t>𝑁</m:t>
+                        </m:r>
+                      </m:sup>
+                      <m:e>
+                        <m:sSub>
+                          <m:sSubPr>
+                            <m:ctrlPr>
+                              <a:rPr lang="pt-BR" altLang="zh-HK" sz="2000" i="1" smtClean="0">
+                                <a:solidFill>
+                                  <a:srgbClr val="FF0000"/>
+                                </a:solidFill>
+                                <a:latin typeface="Cambria Math" panose="02040503050406030204" pitchFamily="18" charset="0"/>
+                              </a:rPr>
+                            </m:ctrlPr>
+                          </m:sSubPr>
+                          <m:e>
+                            <m:r>
+                              <a:rPr lang="zh-HK" altLang="pt-BR" sz="2000" i="1" smtClean="0">
+                                <a:solidFill>
+                                  <a:srgbClr val="FF0000"/>
+                                </a:solidFill>
+                                <a:latin typeface="Cambria Math" panose="02040503050406030204" pitchFamily="18" charset="0"/>
+                              </a:rPr>
+                              <m:t>𝛼</m:t>
+                            </m:r>
+                          </m:e>
+                          <m:sub>
+                            <m:r>
+                              <a:rPr lang="en-US" altLang="zh-HK" sz="2000" b="0" i="1" smtClean="0">
+                                <a:solidFill>
+                                  <a:srgbClr val="FF0000"/>
+                                </a:solidFill>
+                                <a:latin typeface="Cambria Math" panose="02040503050406030204" pitchFamily="18" charset="0"/>
+                              </a:rPr>
+                              <m:t>𝑖</m:t>
+                            </m:r>
+                          </m:sub>
+                        </m:sSub>
+                        <m:sSub>
+                          <m:sSubPr>
+                            <m:ctrlPr>
+                              <a:rPr lang="pt-BR" altLang="zh-HK" sz="2000" i="1" smtClean="0">
+                                <a:solidFill>
+                                  <a:srgbClr val="FF0000"/>
+                                </a:solidFill>
+                                <a:latin typeface="Cambria Math" panose="02040503050406030204" pitchFamily="18" charset="0"/>
+                              </a:rPr>
+                            </m:ctrlPr>
+                          </m:sSubPr>
+                          <m:e>
+                            <m:r>
+                              <a:rPr lang="en-US" altLang="zh-HK" sz="2000" b="0" i="1" smtClean="0">
+                                <a:solidFill>
+                                  <a:srgbClr val="FF0000"/>
+                                </a:solidFill>
+                                <a:latin typeface="Cambria Math" panose="02040503050406030204" pitchFamily="18" charset="0"/>
+                              </a:rPr>
+                              <m:t>𝑊</m:t>
+                            </m:r>
+                          </m:e>
+                          <m:sub>
+                            <m:r>
+                              <a:rPr lang="en-US" altLang="zh-HK" sz="2000" b="0" i="1" smtClean="0">
+                                <a:solidFill>
+                                  <a:srgbClr val="FF0000"/>
+                                </a:solidFill>
+                                <a:latin typeface="Cambria Math" panose="02040503050406030204" pitchFamily="18" charset="0"/>
+                              </a:rPr>
+                              <m:t>𝑖</m:t>
+                            </m:r>
+                          </m:sub>
+                        </m:sSub>
+                      </m:e>
+                    </m:nary>
+                  </m:oMath>
+                </a14:m>
+                <a:endParaRPr lang="en-US" altLang="zh-TW" sz="2000" dirty="0">
+                  <a:latin typeface="Times New Roman" panose="02020603050405020304" pitchFamily="18" charset="0"/>
+                  <a:ea typeface="標楷體" panose="03000509000000000000" pitchFamily="65" charset="-120"/>
+                  <a:cs typeface="Times New Roman" panose="02020603050405020304" pitchFamily="18" charset="0"/>
+                </a:endParaRPr>
+              </a:p>
+              <a:p>
+                <a:pPr lvl="1" algn="just"/>
+                <a:r>
+                  <a:rPr lang="en-US" altLang="zh-TW" sz="2000" dirty="0">
+                    <a:latin typeface="Times New Roman" panose="02020603050405020304" pitchFamily="18" charset="0"/>
+                    <a:ea typeface="標楷體" panose="03000509000000000000" pitchFamily="65" charset="-120"/>
+                    <a:cs typeface="Times New Roman" panose="02020603050405020304" pitchFamily="18" charset="0"/>
+                  </a:rPr>
+                  <a:t>Total N clients, </a:t>
+                </a:r>
+              </a:p>
+              <a:p>
+                <a:pPr lvl="1" algn="just"/>
+                <a:r>
+                  <a:rPr lang="en-US" altLang="zh-TW" sz="2000" dirty="0">
+                    <a:latin typeface="Times New Roman" panose="02020603050405020304" pitchFamily="18" charset="0"/>
+                    <a:ea typeface="標楷體" panose="03000509000000000000" pitchFamily="65" charset="-120"/>
+                    <a:cs typeface="Times New Roman" panose="02020603050405020304" pitchFamily="18" charset="0"/>
+                  </a:rPr>
+                  <a:t>Weighting factor for client </a:t>
+                </a:r>
+                <a14:m>
+                  <m:oMath xmlns:m="http://schemas.openxmlformats.org/officeDocument/2006/math">
+                    <m:r>
+                      <a:rPr lang="en-US" altLang="zh-TW" sz="2000" i="1">
+                        <a:latin typeface="Cambria Math" panose="02040503050406030204" pitchFamily="18" charset="0"/>
+                        <a:cs typeface="Times New Roman" panose="02020603050405020304" pitchFamily="18" charset="0"/>
+                      </a:rPr>
+                      <m:t>𝑖</m:t>
+                    </m:r>
+                  </m:oMath>
+                </a14:m>
+                <a:r>
+                  <a:rPr lang="en-US" altLang="zh-TW" sz="2000" dirty="0">
+                    <a:latin typeface="Times New Roman" panose="02020603050405020304" pitchFamily="18" charset="0"/>
+                    <a:ea typeface="標楷體" panose="03000509000000000000" pitchFamily="65" charset="-120"/>
+                    <a:cs typeface="Times New Roman" panose="02020603050405020304" pitchFamily="18" charset="0"/>
+                  </a:rPr>
+                  <a:t>, </a:t>
+                </a:r>
+                <a14:m>
+                  <m:oMath xmlns:m="http://schemas.openxmlformats.org/officeDocument/2006/math">
+                    <m:sSub>
+                      <m:sSubPr>
+                        <m:ctrlPr>
+                          <a:rPr lang="pt-BR" altLang="zh-HK" sz="2000" i="1" smtClean="0">
+                            <a:latin typeface="Cambria Math" panose="02040503050406030204" pitchFamily="18" charset="0"/>
+                          </a:rPr>
+                        </m:ctrlPr>
+                      </m:sSubPr>
+                      <m:e>
+                        <m:r>
+                          <a:rPr lang="zh-HK" altLang="pt-BR" sz="2000" i="1">
+                            <a:latin typeface="Cambria Math" panose="02040503050406030204" pitchFamily="18" charset="0"/>
+                          </a:rPr>
+                          <m:t>𝛼</m:t>
+                        </m:r>
+                      </m:e>
+                      <m:sub>
+                        <m:r>
+                          <a:rPr lang="en-US" altLang="zh-HK" sz="2000" i="1">
+                            <a:latin typeface="Cambria Math" panose="02040503050406030204" pitchFamily="18" charset="0"/>
+                          </a:rPr>
+                          <m:t>𝑖</m:t>
+                        </m:r>
+                      </m:sub>
+                    </m:sSub>
+                  </m:oMath>
+                </a14:m>
+                <a:endParaRPr lang="zh-TW" altLang="en-US" sz="2000" dirty="0">
+                  <a:latin typeface="Times New Roman" panose="02020603050405020304" pitchFamily="18" charset="0"/>
+                  <a:ea typeface="標楷體" panose="03000509000000000000" pitchFamily="65" charset="-120"/>
+                  <a:cs typeface="Times New Roman" panose="02020603050405020304" pitchFamily="18" charset="0"/>
+                </a:endParaRPr>
+              </a:p>
+              <a:p>
+                <a:pPr lvl="1" algn="just"/>
+                <a:r>
+                  <a:rPr lang="en-US" altLang="zh-TW" sz="2000" dirty="0">
+                    <a:latin typeface="Times New Roman" panose="02020603050405020304" pitchFamily="18" charset="0"/>
+                    <a:ea typeface="標楷體" panose="03000509000000000000" pitchFamily="65" charset="-120"/>
+                    <a:cs typeface="Times New Roman" panose="02020603050405020304" pitchFamily="18" charset="0"/>
+                  </a:rPr>
+                  <a:t>Local model for client </a:t>
+                </a:r>
+                <a14:m>
+                  <m:oMath xmlns:m="http://schemas.openxmlformats.org/officeDocument/2006/math">
+                    <m:r>
+                      <a:rPr lang="en-US" altLang="zh-TW" sz="2000" b="0" i="1" smtClean="0">
+                        <a:latin typeface="Cambria Math" panose="02040503050406030204" pitchFamily="18" charset="0"/>
+                        <a:ea typeface="標楷體" panose="03000509000000000000" pitchFamily="65" charset="-120"/>
+                        <a:cs typeface="Times New Roman" panose="02020603050405020304" pitchFamily="18" charset="0"/>
+                      </a:rPr>
+                      <m:t>𝑖</m:t>
+                    </m:r>
+                  </m:oMath>
+                </a14:m>
+                <a:r>
+                  <a:rPr lang="en-US" altLang="zh-TW" sz="2000" dirty="0">
+                    <a:latin typeface="Times New Roman" panose="02020603050405020304" pitchFamily="18" charset="0"/>
+                    <a:ea typeface="標楷體" panose="03000509000000000000" pitchFamily="65" charset="-120"/>
+                    <a:cs typeface="Times New Roman" panose="02020603050405020304" pitchFamily="18" charset="0"/>
+                  </a:rPr>
+                  <a:t>, </a:t>
+                </a:r>
+                <a14:m>
+                  <m:oMath xmlns:m="http://schemas.openxmlformats.org/officeDocument/2006/math">
+                    <m:sSub>
+                      <m:sSubPr>
+                        <m:ctrlPr>
+                          <a:rPr lang="pt-BR" altLang="zh-HK" sz="2000" i="1" smtClean="0">
+                            <a:latin typeface="Cambria Math" panose="02040503050406030204" pitchFamily="18" charset="0"/>
+                          </a:rPr>
+                        </m:ctrlPr>
+                      </m:sSubPr>
+                      <m:e>
+                        <m:r>
+                          <a:rPr lang="en-US" altLang="zh-HK" sz="2000" b="0" i="1" smtClean="0">
+                            <a:latin typeface="Cambria Math" panose="02040503050406030204" pitchFamily="18" charset="0"/>
+                          </a:rPr>
+                          <m:t>𝑊</m:t>
+                        </m:r>
+                      </m:e>
+                      <m:sub>
+                        <m:r>
+                          <a:rPr lang="en-US" altLang="zh-HK" sz="2000" b="0" i="1" smtClean="0">
+                            <a:latin typeface="Cambria Math" panose="02040503050406030204" pitchFamily="18" charset="0"/>
+                          </a:rPr>
+                          <m:t>𝑖</m:t>
+                        </m:r>
+                      </m:sub>
+                    </m:sSub>
+                  </m:oMath>
+                </a14:m>
+                <a:endParaRPr lang="en-US" altLang="zh-TW" sz="2000" dirty="0">
+                  <a:latin typeface="Times New Roman" panose="02020603050405020304" pitchFamily="18" charset="0"/>
+                  <a:ea typeface="標楷體" panose="03000509000000000000" pitchFamily="65" charset="-120"/>
+                  <a:cs typeface="Times New Roman" panose="02020603050405020304" pitchFamily="18" charset="0"/>
+                </a:endParaRPr>
+              </a:p>
+            </p:txBody>
+          </p:sp>
+        </mc:Choice>
+        <mc:Fallback xmlns="">
+          <p:sp>
+            <p:nvSpPr>
+              <p:cNvPr id="3" name="內容版面配置區 2">
+                <a:extLst>
+                  <a:ext uri="{FF2B5EF4-FFF2-40B4-BE49-F238E27FC236}">
+                    <a16:creationId xmlns:a16="http://schemas.microsoft.com/office/drawing/2014/main" id="{7E658B3D-20B6-435E-B15B-C0553C4AE19F}"/>
+                  </a:ext>
+                </a:extLst>
+              </p:cNvPr>
+              <p:cNvSpPr>
+                <a:spLocks noGrp="1" noRot="1" noChangeAspect="1" noMove="1" noResize="1" noEditPoints="1" noAdjustHandles="1" noChangeArrowheads="1" noChangeShapeType="1" noTextEdit="1"/>
+              </p:cNvSpPr>
+              <p:nvPr>
+                <p:ph idx="1"/>
+              </p:nvPr>
+            </p:nvSpPr>
+            <p:spPr>
+              <a:xfrm>
+                <a:off x="838200" y="1690688"/>
+                <a:ext cx="10515600" cy="4486275"/>
+              </a:xfrm>
+              <a:blipFill>
+                <a:blip r:embed="rId3"/>
+                <a:stretch>
+                  <a:fillRect l="-812" r="-870"/>
+                </a:stretch>
+              </a:blipFill>
+            </p:spPr>
+            <p:txBody>
+              <a:bodyPr/>
+              <a:lstStyle/>
+              <a:p>
+                <a:r>
+                  <a:rPr lang="zh-TW" altLang="en-US">
+                    <a:noFill/>
+                  </a:rPr>
+                  <a:t> </a:t>
+                </a:r>
+              </a:p>
+            </p:txBody>
+          </p:sp>
+        </mc:Fallback>
+      </mc:AlternateContent>
+      <p:sp>
+        <p:nvSpPr>
+          <p:cNvPr id="5" name="投影片編號版面配置區 4">
+            <a:extLst>
+              <a:ext uri="{FF2B5EF4-FFF2-40B4-BE49-F238E27FC236}">
+                <a16:creationId xmlns:a16="http://schemas.microsoft.com/office/drawing/2014/main" id="{6FDB81DD-25D0-4B7D-85DA-019476717276}"/>
+              </a:ext>
+            </a:extLst>
+          </p:cNvPr>
+          <p:cNvSpPr>
+            <a:spLocks noGrp="1"/>
+          </p:cNvSpPr>
+          <p:nvPr>
+            <p:ph type="sldNum" sz="quarter" idx="12"/>
+          </p:nvPr>
+        </p:nvSpPr>
+        <p:spPr/>
+        <p:txBody>
+          <a:bodyPr/>
+          <a:lstStyle/>
+          <a:p>
+            <a:fld id="{D2B5BE26-702C-4921-81E7-8AF275EDA2CC}" type="slidenum">
+              <a:rPr lang="zh-TW" altLang="en-US" smtClean="0">
+                <a:latin typeface="Times New Roman" panose="02020603050405020304" pitchFamily="18" charset="0"/>
+                <a:ea typeface="標楷體" panose="03000509000000000000" pitchFamily="65" charset="-120"/>
+                <a:cs typeface="Times New Roman" panose="02020603050405020304" pitchFamily="18" charset="0"/>
+              </a:rPr>
+              <a:t>3</a:t>
+            </a:fld>
+            <a:endParaRPr lang="zh-TW" altLang="en-US">
+              <a:latin typeface="Times New Roman" panose="02020603050405020304" pitchFamily="18" charset="0"/>
+              <a:ea typeface="標楷體" panose="03000509000000000000" pitchFamily="65" charset="-120"/>
+              <a:cs typeface="Times New Roman" panose="02020603050405020304" pitchFamily="18" charset="0"/>
+            </a:endParaRPr>
+          </a:p>
+        </p:txBody>
+      </p:sp>
+      <p:pic>
+        <p:nvPicPr>
+          <p:cNvPr id="6" name="圖片 5">
+            <a:extLst>
+              <a:ext uri="{FF2B5EF4-FFF2-40B4-BE49-F238E27FC236}">
+                <a16:creationId xmlns:a16="http://schemas.microsoft.com/office/drawing/2014/main" id="{2352F356-2A29-4313-AAAB-D9AF89B48E30}"/>
+              </a:ext>
+            </a:extLst>
+          </p:cNvPr>
+          <p:cNvPicPr>
+            <a:picLocks noChangeAspect="1"/>
+          </p:cNvPicPr>
+          <p:nvPr/>
+        </p:nvPicPr>
+        <p:blipFill>
+          <a:blip r:embed="rId4">
+            <a:extLst>
+              <a:ext uri="{28A0092B-C50C-407E-A947-70E740481C1C}">
+                <a14:useLocalDpi xmlns:a14="http://schemas.microsoft.com/office/drawing/2010/main" val="0"/>
+              </a:ext>
+            </a:extLst>
+          </a:blip>
+          <a:stretch>
+            <a:fillRect/>
+          </a:stretch>
+        </p:blipFill>
+        <p:spPr>
+          <a:xfrm>
+            <a:off x="6202246" y="2999251"/>
+            <a:ext cx="4816707" cy="3357099"/>
+          </a:xfrm>
+          <a:prstGeom prst="rect">
+            <a:avLst/>
+          </a:prstGeom>
+        </p:spPr>
+      </p:pic>
+    </p:spTree>
+    <p:extLst>
+      <p:ext uri="{BB962C8B-B14F-4D97-AF65-F5344CB8AC3E}">
+        <p14:creationId xmlns:p14="http://schemas.microsoft.com/office/powerpoint/2010/main" val="145083059"/>
+      </p:ext>
+    </p:extLst>
+  </p:cSld>
+  <p:clrMapOvr>
+    <a:masterClrMapping/>
+  </p:clrMapOvr>
+  <mc:AlternateContent xmlns:mc="http://schemas.openxmlformats.org/markup-compatibility/2006">
+    <mc:Choice xmlns:p14="http://schemas.microsoft.com/office/powerpoint/2010/main" Requires="p14">
+      <p:transition spd="slow" p14:dur="2000">
+        <p:cut/>
+      </p:transition>
+    </mc:Choice>
+    <mc:Fallback>
+      <p:transition spd="slow">
+        <p:cut/>
+      </p:transition>
+    </mc:Fallback>
+  </mc:AlternateContent>
+</p:sld>
+</file>
+
+<file path=ppt/slides/slide30.xml><?xml version="1.0" encoding="utf-8"?>
 <p:sld xmlns:a="http://schemas.openxmlformats.org/drawingml/2006/main" xmlns:r="http://schemas.openxmlformats.org/officeDocument/2006/relationships" xmlns:p="http://schemas.openxmlformats.org/presentationml/2006/main">
   <p:cSld>
     <p:spTree>
@@ -36329,7 +34539,7 @@
                 <a:ea typeface="標楷體" panose="03000509000000000000" pitchFamily="65" charset="-120"/>
                 <a:cs typeface="Times New Roman" panose="02020603050405020304" pitchFamily="18" charset="0"/>
               </a:rPr>
-              <a:t>31</a:t>
+              <a:t>30</a:t>
             </a:fld>
             <a:endParaRPr lang="zh-TW" altLang="en-US">
               <a:latin typeface="Times New Roman" panose="02020603050405020304" pitchFamily="18" charset="0"/>
@@ -38237,13 +36447,13 @@
   <p:clrMapOvr>
     <a:masterClrMapping/>
   </p:clrMapOvr>
-  <mc:AlternateContent xmlns:mc="http://schemas.openxmlformats.org/markup-compatibility/2006" xmlns:p14="http://schemas.microsoft.com/office/powerpoint/2010/main">
-    <mc:Choice Requires="p14">
+  <mc:AlternateContent xmlns:mc="http://schemas.openxmlformats.org/markup-compatibility/2006">
+    <mc:Choice xmlns:p14="http://schemas.microsoft.com/office/powerpoint/2010/main" Requires="p14">
       <p:transition spd="slow" p14:dur="2000">
         <p:cut/>
       </p:transition>
     </mc:Choice>
-    <mc:Fallback xmlns="">
+    <mc:Fallback>
       <p:transition spd="slow">
         <p:cut/>
       </p:transition>
@@ -38252,7 +36462,7 @@
 </p:sld>
 </file>
 
-<file path=ppt/slides/slide32.xml><?xml version="1.0" encoding="utf-8"?>
+<file path=ppt/slides/slide31.xml><?xml version="1.0" encoding="utf-8"?>
 <p:sld xmlns:a="http://schemas.openxmlformats.org/drawingml/2006/main" xmlns:r="http://schemas.openxmlformats.org/officeDocument/2006/relationships" xmlns:p="http://schemas.openxmlformats.org/presentationml/2006/main">
   <p:cSld>
     <p:spTree>
@@ -38396,7 +36606,7 @@
                 <a:ea typeface="標楷體" panose="03000509000000000000" pitchFamily="65" charset="-120"/>
                 <a:cs typeface="Times New Roman" panose="02020603050405020304" pitchFamily="18" charset="0"/>
               </a:rPr>
-              <a:t>32</a:t>
+              <a:t>31</a:t>
             </a:fld>
             <a:endParaRPr lang="zh-TW" altLang="en-US">
               <a:latin typeface="Times New Roman" panose="02020603050405020304" pitchFamily="18" charset="0"/>
@@ -38416,13 +36626,13 @@
   <p:clrMapOvr>
     <a:masterClrMapping/>
   </p:clrMapOvr>
-  <mc:AlternateContent xmlns:mc="http://schemas.openxmlformats.org/markup-compatibility/2006" xmlns:p14="http://schemas.microsoft.com/office/powerpoint/2010/main">
-    <mc:Choice Requires="p14">
+  <mc:AlternateContent xmlns:mc="http://schemas.openxmlformats.org/markup-compatibility/2006">
+    <mc:Choice xmlns:p14="http://schemas.microsoft.com/office/powerpoint/2010/main" Requires="p14">
       <p:transition spd="slow" p14:dur="2000">
         <p:cut/>
       </p:transition>
     </mc:Choice>
-    <mc:Fallback xmlns="">
+    <mc:Fallback>
       <p:transition spd="slow">
         <p:cut/>
       </p:transition>
@@ -38647,13 +36857,13 @@
   <p:clrMapOvr>
     <a:masterClrMapping/>
   </p:clrMapOvr>
-  <mc:AlternateContent xmlns:mc="http://schemas.openxmlformats.org/markup-compatibility/2006" xmlns:p14="http://schemas.microsoft.com/office/powerpoint/2010/main">
-    <mc:Choice Requires="p14">
+  <mc:AlternateContent xmlns:mc="http://schemas.openxmlformats.org/markup-compatibility/2006">
+    <mc:Choice xmlns:p14="http://schemas.microsoft.com/office/powerpoint/2010/main" Requires="p14">
       <p:transition spd="slow" p14:dur="2000">
         <p:cut/>
       </p:transition>
     </mc:Choice>
-    <mc:Fallback xmlns="">
+    <mc:Fallback>
       <p:transition spd="slow">
         <p:cut/>
       </p:transition>
@@ -38963,13 +37173,13 @@
   <p:clrMapOvr>
     <a:masterClrMapping/>
   </p:clrMapOvr>
-  <mc:AlternateContent xmlns:mc="http://schemas.openxmlformats.org/markup-compatibility/2006" xmlns:p14="http://schemas.microsoft.com/office/powerpoint/2010/main">
-    <mc:Choice Requires="p14">
+  <mc:AlternateContent xmlns:mc="http://schemas.openxmlformats.org/markup-compatibility/2006">
+    <mc:Choice xmlns:p14="http://schemas.microsoft.com/office/powerpoint/2010/main" Requires="p14">
       <p:transition spd="slow" p14:dur="2000">
         <p:cut/>
       </p:transition>
     </mc:Choice>
-    <mc:Fallback xmlns="">
+    <mc:Fallback>
       <p:transition spd="slow">
         <p:cut/>
       </p:transition>
@@ -39164,13 +37374,13 @@
   <p:clrMapOvr>
     <a:masterClrMapping/>
   </p:clrMapOvr>
-  <mc:AlternateContent xmlns:mc="http://schemas.openxmlformats.org/markup-compatibility/2006" xmlns:p14="http://schemas.microsoft.com/office/powerpoint/2010/main">
-    <mc:Choice Requires="p14">
+  <mc:AlternateContent xmlns:mc="http://schemas.openxmlformats.org/markup-compatibility/2006">
+    <mc:Choice xmlns:p14="http://schemas.microsoft.com/office/powerpoint/2010/main" Requires="p14">
       <p:transition spd="slow" p14:dur="2000">
         <p:cut/>
       </p:transition>
     </mc:Choice>
-    <mc:Fallback xmlns="">
+    <mc:Fallback>
       <p:transition spd="slow">
         <p:cut/>
       </p:transition>
@@ -39506,13 +37716,13 @@
   <p:clrMapOvr>
     <a:masterClrMapping/>
   </p:clrMapOvr>
-  <mc:AlternateContent xmlns:mc="http://schemas.openxmlformats.org/markup-compatibility/2006" xmlns:p14="http://schemas.microsoft.com/office/powerpoint/2010/main">
-    <mc:Choice Requires="p14">
+  <mc:AlternateContent xmlns:mc="http://schemas.openxmlformats.org/markup-compatibility/2006">
+    <mc:Choice xmlns:p14="http://schemas.microsoft.com/office/powerpoint/2010/main" Requires="p14">
       <p:transition spd="slow" p14:dur="2000">
         <p:cut/>
       </p:transition>
     </mc:Choice>
-    <mc:Fallback xmlns="">
+    <mc:Fallback>
       <p:transition spd="slow">
         <p:cut/>
       </p:transition>
@@ -39785,13 +37995,13 @@
   <p:clrMapOvr>
     <a:masterClrMapping/>
   </p:clrMapOvr>
-  <mc:AlternateContent xmlns:mc="http://schemas.openxmlformats.org/markup-compatibility/2006" xmlns:p14="http://schemas.microsoft.com/office/powerpoint/2010/main">
-    <mc:Choice Requires="p14">
+  <mc:AlternateContent xmlns:mc="http://schemas.openxmlformats.org/markup-compatibility/2006">
+    <mc:Choice xmlns:p14="http://schemas.microsoft.com/office/powerpoint/2010/main" Requires="p14">
       <p:transition spd="slow" p14:dur="2000">
         <p:cut/>
       </p:transition>
     </mc:Choice>
-    <mc:Fallback xmlns="">
+    <mc:Fallback>
       <p:transition spd="slow">
         <p:cut/>
       </p:transition>
@@ -40104,13 +38314,13 @@
   <p:clrMapOvr>
     <a:masterClrMapping/>
   </p:clrMapOvr>
-  <mc:AlternateContent xmlns:mc="http://schemas.openxmlformats.org/markup-compatibility/2006" xmlns:p14="http://schemas.microsoft.com/office/powerpoint/2010/main">
-    <mc:Choice Requires="p14">
+  <mc:AlternateContent xmlns:mc="http://schemas.openxmlformats.org/markup-compatibility/2006">
+    <mc:Choice xmlns:p14="http://schemas.microsoft.com/office/powerpoint/2010/main" Requires="p14">
       <p:transition spd="slow" p14:dur="2000">
         <p:cut/>
       </p:transition>
     </mc:Choice>
-    <mc:Fallback xmlns="">
+    <mc:Fallback>
       <p:transition spd="slow">
         <p:cut/>
       </p:transition>
